--- a/BDTM/Python/Unit-5-Python-Text.pptx
+++ b/BDTM/Python/Unit-5-Python-Text.pptx
@@ -5,7 +5,7 @@
     <p:sldMasterId id="2147483659" r:id="rId1"/>
   </p:sldMasterIdLst>
   <p:notesMasterIdLst>
-    <p:notesMasterId r:id="rId13"/>
+    <p:notesMasterId r:id="rId14"/>
   </p:notesMasterIdLst>
   <p:sldIdLst>
     <p:sldId id="256" r:id="rId2"/>
@@ -19,6 +19,7 @@
     <p:sldId id="325" r:id="rId10"/>
     <p:sldId id="326" r:id="rId11"/>
     <p:sldId id="327" r:id="rId12"/>
+    <p:sldId id="328" r:id="rId13"/>
   </p:sldIdLst>
   <p:sldSz cx="9144000" cy="6858000" type="screen4x3"/>
   <p:notesSz cx="9144000" cy="6858000"/>
@@ -273,13 +274,2245 @@
 <file path=ppt/revisionInfo.xml><?xml version="1.0" encoding="utf-8"?>
 <p1510:revInfo xmlns:a="http://schemas.openxmlformats.org/drawingml/2006/main" xmlns:r="http://schemas.openxmlformats.org/officeDocument/2006/relationships" xmlns:p1510="http://schemas.microsoft.com/office/powerpoint/2015/10/main">
   <p1510:revLst>
-    <p1510:client id="{055FE474-FC6F-4576-84F9-43E7CB649EFC}" v="19" dt="2022-09-23T12:55:27.078"/>
+    <p1510:client id="{33E50C66-1FDE-455D-A400-8B63EAA4D6C7}" v="2" dt="2022-09-30T16:09:15.655"/>
   </p1510:revLst>
 </p1510:revInfo>
 </file>
 
 <file path=ppt/changesInfos/changesInfo1.xml><?xml version="1.0" encoding="utf-8"?>
 <pc:chgInfo xmlns:a="http://schemas.openxmlformats.org/drawingml/2006/main" xmlns:r="http://schemas.openxmlformats.org/officeDocument/2006/relationships" xmlns:ac="http://schemas.microsoft.com/office/drawing/2013/main/command" xmlns:pc="http://schemas.microsoft.com/office/powerpoint/2013/main/command">
+  <pc:docChgLst>
+    <pc:chgData name="Velani, Ankitkumar" userId="039f6639-35cd-4471-8ac8-1e78077ab1db" providerId="ADAL" clId="{1340E681-60A3-43C9-86A2-A614324C29E3}"/>
+    <pc:docChg chg="undo custSel addSld delSld modSld sldOrd">
+      <pc:chgData name="Velani, Ankitkumar" userId="039f6639-35cd-4471-8ac8-1e78077ab1db" providerId="ADAL" clId="{1340E681-60A3-43C9-86A2-A614324C29E3}" dt="2022-09-17T03:13:27.668" v="13872" actId="20577"/>
+      <pc:docMkLst>
+        <pc:docMk/>
+      </pc:docMkLst>
+      <pc:sldChg chg="addSp delSp modSp mod">
+        <pc:chgData name="Velani, Ankitkumar" userId="039f6639-35cd-4471-8ac8-1e78077ab1db" providerId="ADAL" clId="{1340E681-60A3-43C9-86A2-A614324C29E3}" dt="2022-09-08T14:48:31.241" v="43" actId="1076"/>
+        <pc:sldMkLst>
+          <pc:docMk/>
+          <pc:sldMk cId="0" sldId="256"/>
+        </pc:sldMkLst>
+        <pc:spChg chg="mod">
+          <ac:chgData name="Velani, Ankitkumar" userId="039f6639-35cd-4471-8ac8-1e78077ab1db" providerId="ADAL" clId="{1340E681-60A3-43C9-86A2-A614324C29E3}" dt="2022-09-08T14:47:52.380" v="38" actId="1038"/>
+          <ac:spMkLst>
+            <pc:docMk/>
+            <pc:sldMk cId="0" sldId="256"/>
+            <ac:spMk id="90" creationId="{00000000-0000-0000-0000-000000000000}"/>
+          </ac:spMkLst>
+        </pc:spChg>
+        <pc:picChg chg="del">
+          <ac:chgData name="Velani, Ankitkumar" userId="039f6639-35cd-4471-8ac8-1e78077ab1db" providerId="ADAL" clId="{1340E681-60A3-43C9-86A2-A614324C29E3}" dt="2022-09-08T14:47:46.424" v="26" actId="478"/>
+          <ac:picMkLst>
+            <pc:docMk/>
+            <pc:sldMk cId="0" sldId="256"/>
+            <ac:picMk id="91" creationId="{00000000-0000-0000-0000-000000000000}"/>
+          </ac:picMkLst>
+        </pc:picChg>
+        <pc:picChg chg="add mod">
+          <ac:chgData name="Velani, Ankitkumar" userId="039f6639-35cd-4471-8ac8-1e78077ab1db" providerId="ADAL" clId="{1340E681-60A3-43C9-86A2-A614324C29E3}" dt="2022-09-08T14:48:31.241" v="43" actId="1076"/>
+          <ac:picMkLst>
+            <pc:docMk/>
+            <pc:sldMk cId="0" sldId="256"/>
+            <ac:picMk id="1026" creationId="{32CA916F-CC2F-44D8-860F-51EEBE75F0C3}"/>
+          </ac:picMkLst>
+        </pc:picChg>
+      </pc:sldChg>
+      <pc:sldChg chg="modSp mod">
+        <pc:chgData name="Velani, Ankitkumar" userId="039f6639-35cd-4471-8ac8-1e78077ab1db" providerId="ADAL" clId="{1340E681-60A3-43C9-86A2-A614324C29E3}" dt="2022-09-09T13:24:15.023" v="2052" actId="20577"/>
+        <pc:sldMkLst>
+          <pc:docMk/>
+          <pc:sldMk cId="0" sldId="257"/>
+        </pc:sldMkLst>
+        <pc:spChg chg="mod">
+          <ac:chgData name="Velani, Ankitkumar" userId="039f6639-35cd-4471-8ac8-1e78077ab1db" providerId="ADAL" clId="{1340E681-60A3-43C9-86A2-A614324C29E3}" dt="2022-09-09T13:24:15.023" v="2052" actId="20577"/>
+          <ac:spMkLst>
+            <pc:docMk/>
+            <pc:sldMk cId="0" sldId="257"/>
+            <ac:spMk id="99" creationId="{00000000-0000-0000-0000-000000000000}"/>
+          </ac:spMkLst>
+        </pc:spChg>
+        <pc:spChg chg="mod">
+          <ac:chgData name="Velani, Ankitkumar" userId="039f6639-35cd-4471-8ac8-1e78077ab1db" providerId="ADAL" clId="{1340E681-60A3-43C9-86A2-A614324C29E3}" dt="2022-09-09T13:24:08.674" v="2051" actId="20577"/>
+          <ac:spMkLst>
+            <pc:docMk/>
+            <pc:sldMk cId="0" sldId="257"/>
+            <ac:spMk id="100" creationId="{00000000-0000-0000-0000-000000000000}"/>
+          </ac:spMkLst>
+        </pc:spChg>
+      </pc:sldChg>
+      <pc:sldChg chg="addSp delSp modSp mod">
+        <pc:chgData name="Velani, Ankitkumar" userId="039f6639-35cd-4471-8ac8-1e78077ab1db" providerId="ADAL" clId="{1340E681-60A3-43C9-86A2-A614324C29E3}" dt="2022-09-09T01:31:02.814" v="503"/>
+        <pc:sldMkLst>
+          <pc:docMk/>
+          <pc:sldMk cId="0" sldId="258"/>
+        </pc:sldMkLst>
+        <pc:spChg chg="add del mod">
+          <ac:chgData name="Velani, Ankitkumar" userId="039f6639-35cd-4471-8ac8-1e78077ab1db" providerId="ADAL" clId="{1340E681-60A3-43C9-86A2-A614324C29E3}" dt="2022-09-09T01:31:02.814" v="503"/>
+          <ac:spMkLst>
+            <pc:docMk/>
+            <pc:sldMk cId="0" sldId="258"/>
+            <ac:spMk id="7" creationId="{ADEEC505-20C6-4691-A645-258AE9F6F855}"/>
+          </ac:spMkLst>
+        </pc:spChg>
+        <pc:spChg chg="add del mod">
+          <ac:chgData name="Velani, Ankitkumar" userId="039f6639-35cd-4471-8ac8-1e78077ab1db" providerId="ADAL" clId="{1340E681-60A3-43C9-86A2-A614324C29E3}" dt="2022-09-09T01:31:02.814" v="503"/>
+          <ac:spMkLst>
+            <pc:docMk/>
+            <pc:sldMk cId="0" sldId="258"/>
+            <ac:spMk id="8" creationId="{64E402EA-1A34-40D5-9749-932A69D1C086}"/>
+          </ac:spMkLst>
+        </pc:spChg>
+        <pc:spChg chg="mod">
+          <ac:chgData name="Velani, Ankitkumar" userId="039f6639-35cd-4471-8ac8-1e78077ab1db" providerId="ADAL" clId="{1340E681-60A3-43C9-86A2-A614324C29E3}" dt="2022-09-08T15:13:09.062" v="50" actId="20577"/>
+          <ac:spMkLst>
+            <pc:docMk/>
+            <pc:sldMk cId="0" sldId="258"/>
+            <ac:spMk id="108" creationId="{00000000-0000-0000-0000-000000000000}"/>
+          </ac:spMkLst>
+        </pc:spChg>
+        <pc:spChg chg="mod">
+          <ac:chgData name="Velani, Ankitkumar" userId="039f6639-35cd-4471-8ac8-1e78077ab1db" providerId="ADAL" clId="{1340E681-60A3-43C9-86A2-A614324C29E3}" dt="2022-09-09T01:26:20.645" v="428" actId="20577"/>
+          <ac:spMkLst>
+            <pc:docMk/>
+            <pc:sldMk cId="0" sldId="258"/>
+            <ac:spMk id="109" creationId="{00000000-0000-0000-0000-000000000000}"/>
+          </ac:spMkLst>
+        </pc:spChg>
+        <pc:picChg chg="del">
+          <ac:chgData name="Velani, Ankitkumar" userId="039f6639-35cd-4471-8ac8-1e78077ab1db" providerId="ADAL" clId="{1340E681-60A3-43C9-86A2-A614324C29E3}" dt="2022-09-08T15:14:10.085" v="56" actId="478"/>
+          <ac:picMkLst>
+            <pc:docMk/>
+            <pc:sldMk cId="0" sldId="258"/>
+            <ac:picMk id="7" creationId="{82D688DE-B6F5-4F65-9BCB-BA72C7FC1EB8}"/>
+          </ac:picMkLst>
+        </pc:picChg>
+      </pc:sldChg>
+      <pc:sldChg chg="modSp del mod">
+        <pc:chgData name="Velani, Ankitkumar" userId="039f6639-35cd-4471-8ac8-1e78077ab1db" providerId="ADAL" clId="{1340E681-60A3-43C9-86A2-A614324C29E3}" dt="2022-09-09T01:36:25.137" v="1046" actId="47"/>
+        <pc:sldMkLst>
+          <pc:docMk/>
+          <pc:sldMk cId="4065110562" sldId="272"/>
+        </pc:sldMkLst>
+        <pc:spChg chg="mod">
+          <ac:chgData name="Velani, Ankitkumar" userId="039f6639-35cd-4471-8ac8-1e78077ab1db" providerId="ADAL" clId="{1340E681-60A3-43C9-86A2-A614324C29E3}" dt="2022-09-09T01:28:55.878" v="468" actId="20577"/>
+          <ac:spMkLst>
+            <pc:docMk/>
+            <pc:sldMk cId="4065110562" sldId="272"/>
+            <ac:spMk id="108" creationId="{00000000-0000-0000-0000-000000000000}"/>
+          </ac:spMkLst>
+        </pc:spChg>
+        <pc:spChg chg="mod">
+          <ac:chgData name="Velani, Ankitkumar" userId="039f6639-35cd-4471-8ac8-1e78077ab1db" providerId="ADAL" clId="{1340E681-60A3-43C9-86A2-A614324C29E3}" dt="2022-09-09T01:29:30.664" v="501" actId="20577"/>
+          <ac:spMkLst>
+            <pc:docMk/>
+            <pc:sldMk cId="4065110562" sldId="272"/>
+            <ac:spMk id="109" creationId="{00000000-0000-0000-0000-000000000000}"/>
+          </ac:spMkLst>
+        </pc:spChg>
+      </pc:sldChg>
+      <pc:sldChg chg="modSp mod">
+        <pc:chgData name="Velani, Ankitkumar" userId="039f6639-35cd-4471-8ac8-1e78077ab1db" providerId="ADAL" clId="{1340E681-60A3-43C9-86A2-A614324C29E3}" dt="2022-09-09T02:02:23.375" v="1244" actId="20577"/>
+        <pc:sldMkLst>
+          <pc:docMk/>
+          <pc:sldMk cId="114794549" sldId="273"/>
+        </pc:sldMkLst>
+        <pc:spChg chg="mod">
+          <ac:chgData name="Velani, Ankitkumar" userId="039f6639-35cd-4471-8ac8-1e78077ab1db" providerId="ADAL" clId="{1340E681-60A3-43C9-86A2-A614324C29E3}" dt="2022-09-08T15:16:49.581" v="75" actId="20577"/>
+          <ac:spMkLst>
+            <pc:docMk/>
+            <pc:sldMk cId="114794549" sldId="273"/>
+            <ac:spMk id="108" creationId="{00000000-0000-0000-0000-000000000000}"/>
+          </ac:spMkLst>
+        </pc:spChg>
+        <pc:spChg chg="mod">
+          <ac:chgData name="Velani, Ankitkumar" userId="039f6639-35cd-4471-8ac8-1e78077ab1db" providerId="ADAL" clId="{1340E681-60A3-43C9-86A2-A614324C29E3}" dt="2022-09-09T02:02:23.375" v="1244" actId="20577"/>
+          <ac:spMkLst>
+            <pc:docMk/>
+            <pc:sldMk cId="114794549" sldId="273"/>
+            <ac:spMk id="109" creationId="{00000000-0000-0000-0000-000000000000}"/>
+          </ac:spMkLst>
+        </pc:spChg>
+      </pc:sldChg>
+      <pc:sldChg chg="del">
+        <pc:chgData name="Velani, Ankitkumar" userId="039f6639-35cd-4471-8ac8-1e78077ab1db" providerId="ADAL" clId="{1340E681-60A3-43C9-86A2-A614324C29E3}" dt="2022-09-08T15:18:26.722" v="91" actId="47"/>
+        <pc:sldMkLst>
+          <pc:docMk/>
+          <pc:sldMk cId="1592126093" sldId="274"/>
+        </pc:sldMkLst>
+      </pc:sldChg>
+      <pc:sldChg chg="del">
+        <pc:chgData name="Velani, Ankitkumar" userId="039f6639-35cd-4471-8ac8-1e78077ab1db" providerId="ADAL" clId="{1340E681-60A3-43C9-86A2-A614324C29E3}" dt="2022-09-08T15:18:28.897" v="92" actId="47"/>
+        <pc:sldMkLst>
+          <pc:docMk/>
+          <pc:sldMk cId="2959000939" sldId="275"/>
+        </pc:sldMkLst>
+      </pc:sldChg>
+      <pc:sldChg chg="del">
+        <pc:chgData name="Velani, Ankitkumar" userId="039f6639-35cd-4471-8ac8-1e78077ab1db" providerId="ADAL" clId="{1340E681-60A3-43C9-86A2-A614324C29E3}" dt="2022-09-08T15:18:29.467" v="93" actId="47"/>
+        <pc:sldMkLst>
+          <pc:docMk/>
+          <pc:sldMk cId="1688761229" sldId="276"/>
+        </pc:sldMkLst>
+      </pc:sldChg>
+      <pc:sldChg chg="addSp delSp modSp mod">
+        <pc:chgData name="Velani, Ankitkumar" userId="039f6639-35cd-4471-8ac8-1e78077ab1db" providerId="ADAL" clId="{1340E681-60A3-43C9-86A2-A614324C29E3}" dt="2022-09-09T01:59:00.182" v="1213" actId="20577"/>
+        <pc:sldMkLst>
+          <pc:docMk/>
+          <pc:sldMk cId="435176371" sldId="277"/>
+        </pc:sldMkLst>
+        <pc:spChg chg="mod">
+          <ac:chgData name="Velani, Ankitkumar" userId="039f6639-35cd-4471-8ac8-1e78077ab1db" providerId="ADAL" clId="{1340E681-60A3-43C9-86A2-A614324C29E3}" dt="2022-09-09T01:58:44.148" v="1176" actId="20577"/>
+          <ac:spMkLst>
+            <pc:docMk/>
+            <pc:sldMk cId="435176371" sldId="277"/>
+            <ac:spMk id="108" creationId="{00000000-0000-0000-0000-000000000000}"/>
+          </ac:spMkLst>
+        </pc:spChg>
+        <pc:spChg chg="mod">
+          <ac:chgData name="Velani, Ankitkumar" userId="039f6639-35cd-4471-8ac8-1e78077ab1db" providerId="ADAL" clId="{1340E681-60A3-43C9-86A2-A614324C29E3}" dt="2022-09-09T01:59:00.182" v="1213" actId="20577"/>
+          <ac:spMkLst>
+            <pc:docMk/>
+            <pc:sldMk cId="435176371" sldId="277"/>
+            <ac:spMk id="109" creationId="{00000000-0000-0000-0000-000000000000}"/>
+          </ac:spMkLst>
+        </pc:spChg>
+        <pc:picChg chg="add del mod">
+          <ac:chgData name="Velani, Ankitkumar" userId="039f6639-35cd-4471-8ac8-1e78077ab1db" providerId="ADAL" clId="{1340E681-60A3-43C9-86A2-A614324C29E3}" dt="2022-09-09T01:54:14.914" v="1087" actId="478"/>
+          <ac:picMkLst>
+            <pc:docMk/>
+            <pc:sldMk cId="435176371" sldId="277"/>
+            <ac:picMk id="3" creationId="{A64FDB2C-5821-4FDA-A040-592AAA634CEC}"/>
+          </ac:picMkLst>
+        </pc:picChg>
+        <pc:picChg chg="add del mod modCrop">
+          <ac:chgData name="Velani, Ankitkumar" userId="039f6639-35cd-4471-8ac8-1e78077ab1db" providerId="ADAL" clId="{1340E681-60A3-43C9-86A2-A614324C29E3}" dt="2022-09-09T01:54:57.648" v="1097" actId="478"/>
+          <ac:picMkLst>
+            <pc:docMk/>
+            <pc:sldMk cId="435176371" sldId="277"/>
+            <ac:picMk id="5" creationId="{40E43780-CA30-4D68-9C53-28EEF9AE6637}"/>
+          </ac:picMkLst>
+        </pc:picChg>
+        <pc:picChg chg="add mod">
+          <ac:chgData name="Velani, Ankitkumar" userId="039f6639-35cd-4471-8ac8-1e78077ab1db" providerId="ADAL" clId="{1340E681-60A3-43C9-86A2-A614324C29E3}" dt="2022-09-09T01:58:23.947" v="1136" actId="1076"/>
+          <ac:picMkLst>
+            <pc:docMk/>
+            <pc:sldMk cId="435176371" sldId="277"/>
+            <ac:picMk id="7" creationId="{CB0B4D40-9369-4A36-B972-476D305E9622}"/>
+          </ac:picMkLst>
+        </pc:picChg>
+        <pc:picChg chg="add mod">
+          <ac:chgData name="Velani, Ankitkumar" userId="039f6639-35cd-4471-8ac8-1e78077ab1db" providerId="ADAL" clId="{1340E681-60A3-43C9-86A2-A614324C29E3}" dt="2022-09-09T01:58:09.581" v="1132" actId="1076"/>
+          <ac:picMkLst>
+            <pc:docMk/>
+            <pc:sldMk cId="435176371" sldId="277"/>
+            <ac:picMk id="9" creationId="{1EA184A3-FFFA-4982-8965-BF5103A53112}"/>
+          </ac:picMkLst>
+        </pc:picChg>
+      </pc:sldChg>
+      <pc:sldChg chg="modSp del mod">
+        <pc:chgData name="Velani, Ankitkumar" userId="039f6639-35cd-4471-8ac8-1e78077ab1db" providerId="ADAL" clId="{1340E681-60A3-43C9-86A2-A614324C29E3}" dt="2022-09-09T03:18:39.181" v="2020" actId="47"/>
+        <pc:sldMkLst>
+          <pc:docMk/>
+          <pc:sldMk cId="320955946" sldId="278"/>
+        </pc:sldMkLst>
+        <pc:spChg chg="mod">
+          <ac:chgData name="Velani, Ankitkumar" userId="039f6639-35cd-4471-8ac8-1e78077ab1db" providerId="ADAL" clId="{1340E681-60A3-43C9-86A2-A614324C29E3}" dt="2022-09-08T15:19:10.439" v="109" actId="20577"/>
+          <ac:spMkLst>
+            <pc:docMk/>
+            <pc:sldMk cId="320955946" sldId="278"/>
+            <ac:spMk id="109" creationId="{00000000-0000-0000-0000-000000000000}"/>
+          </ac:spMkLst>
+        </pc:spChg>
+      </pc:sldChg>
+      <pc:sldChg chg="del">
+        <pc:chgData name="Velani, Ankitkumar" userId="039f6639-35cd-4471-8ac8-1e78077ab1db" providerId="ADAL" clId="{1340E681-60A3-43C9-86A2-A614324C29E3}" dt="2022-09-08T15:19:13.950" v="110" actId="47"/>
+        <pc:sldMkLst>
+          <pc:docMk/>
+          <pc:sldMk cId="2174626971" sldId="279"/>
+        </pc:sldMkLst>
+      </pc:sldChg>
+      <pc:sldChg chg="modSp mod">
+        <pc:chgData name="Velani, Ankitkumar" userId="039f6639-35cd-4471-8ac8-1e78077ab1db" providerId="ADAL" clId="{1340E681-60A3-43C9-86A2-A614324C29E3}" dt="2022-09-08T15:19:19.881" v="118" actId="20577"/>
+        <pc:sldMkLst>
+          <pc:docMk/>
+          <pc:sldMk cId="2469122854" sldId="280"/>
+        </pc:sldMkLst>
+        <pc:spChg chg="mod">
+          <ac:chgData name="Velani, Ankitkumar" userId="039f6639-35cd-4471-8ac8-1e78077ab1db" providerId="ADAL" clId="{1340E681-60A3-43C9-86A2-A614324C29E3}" dt="2022-09-08T15:19:19.881" v="118" actId="20577"/>
+          <ac:spMkLst>
+            <pc:docMk/>
+            <pc:sldMk cId="2469122854" sldId="280"/>
+            <ac:spMk id="108" creationId="{00000000-0000-0000-0000-000000000000}"/>
+          </ac:spMkLst>
+        </pc:spChg>
+      </pc:sldChg>
+      <pc:sldChg chg="modSp mod ord">
+        <pc:chgData name="Velani, Ankitkumar" userId="039f6639-35cd-4471-8ac8-1e78077ab1db" providerId="ADAL" clId="{1340E681-60A3-43C9-86A2-A614324C29E3}" dt="2022-09-09T02:53:57.803" v="1706" actId="20577"/>
+        <pc:sldMkLst>
+          <pc:docMk/>
+          <pc:sldMk cId="2792662973" sldId="281"/>
+        </pc:sldMkLst>
+        <pc:spChg chg="mod">
+          <ac:chgData name="Velani, Ankitkumar" userId="039f6639-35cd-4471-8ac8-1e78077ab1db" providerId="ADAL" clId="{1340E681-60A3-43C9-86A2-A614324C29E3}" dt="2022-09-09T02:53:57.803" v="1706" actId="20577"/>
+          <ac:spMkLst>
+            <pc:docMk/>
+            <pc:sldMk cId="2792662973" sldId="281"/>
+            <ac:spMk id="109" creationId="{00000000-0000-0000-0000-000000000000}"/>
+          </ac:spMkLst>
+        </pc:spChg>
+      </pc:sldChg>
+      <pc:sldChg chg="modSp del mod">
+        <pc:chgData name="Velani, Ankitkumar" userId="039f6639-35cd-4471-8ac8-1e78077ab1db" providerId="ADAL" clId="{1340E681-60A3-43C9-86A2-A614324C29E3}" dt="2022-09-09T02:54:24.586" v="1707" actId="47"/>
+        <pc:sldMkLst>
+          <pc:docMk/>
+          <pc:sldMk cId="3132053676" sldId="282"/>
+        </pc:sldMkLst>
+        <pc:spChg chg="mod">
+          <ac:chgData name="Velani, Ankitkumar" userId="039f6639-35cd-4471-8ac8-1e78077ab1db" providerId="ADAL" clId="{1340E681-60A3-43C9-86A2-A614324C29E3}" dt="2022-09-08T15:18:55.839" v="96" actId="20577"/>
+          <ac:spMkLst>
+            <pc:docMk/>
+            <pc:sldMk cId="3132053676" sldId="282"/>
+            <ac:spMk id="109" creationId="{00000000-0000-0000-0000-000000000000}"/>
+          </ac:spMkLst>
+        </pc:spChg>
+      </pc:sldChg>
+      <pc:sldChg chg="del">
+        <pc:chgData name="Velani, Ankitkumar" userId="039f6639-35cd-4471-8ac8-1e78077ab1db" providerId="ADAL" clId="{1340E681-60A3-43C9-86A2-A614324C29E3}" dt="2022-09-09T03:12:52.136" v="1864" actId="2696"/>
+        <pc:sldMkLst>
+          <pc:docMk/>
+          <pc:sldMk cId="575650393" sldId="283"/>
+        </pc:sldMkLst>
+      </pc:sldChg>
+      <pc:sldChg chg="del">
+        <pc:chgData name="Velani, Ankitkumar" userId="039f6639-35cd-4471-8ac8-1e78077ab1db" providerId="ADAL" clId="{1340E681-60A3-43C9-86A2-A614324C29E3}" dt="2022-09-08T15:19:14.855" v="111" actId="47"/>
+        <pc:sldMkLst>
+          <pc:docMk/>
+          <pc:sldMk cId="3711818749" sldId="284"/>
+        </pc:sldMkLst>
+      </pc:sldChg>
+      <pc:sldChg chg="modSp mod">
+        <pc:chgData name="Velani, Ankitkumar" userId="039f6639-35cd-4471-8ac8-1e78077ab1db" providerId="ADAL" clId="{1340E681-60A3-43C9-86A2-A614324C29E3}" dt="2022-09-08T15:19:31.867" v="126" actId="20577"/>
+        <pc:sldMkLst>
+          <pc:docMk/>
+          <pc:sldMk cId="1515200759" sldId="285"/>
+        </pc:sldMkLst>
+        <pc:spChg chg="mod">
+          <ac:chgData name="Velani, Ankitkumar" userId="039f6639-35cd-4471-8ac8-1e78077ab1db" providerId="ADAL" clId="{1340E681-60A3-43C9-86A2-A614324C29E3}" dt="2022-09-08T15:19:28.059" v="125" actId="20577"/>
+          <ac:spMkLst>
+            <pc:docMk/>
+            <pc:sldMk cId="1515200759" sldId="285"/>
+            <ac:spMk id="108" creationId="{00000000-0000-0000-0000-000000000000}"/>
+          </ac:spMkLst>
+        </pc:spChg>
+        <pc:spChg chg="mod">
+          <ac:chgData name="Velani, Ankitkumar" userId="039f6639-35cd-4471-8ac8-1e78077ab1db" providerId="ADAL" clId="{1340E681-60A3-43C9-86A2-A614324C29E3}" dt="2022-09-08T15:19:31.867" v="126" actId="20577"/>
+          <ac:spMkLst>
+            <pc:docMk/>
+            <pc:sldMk cId="1515200759" sldId="285"/>
+            <ac:spMk id="109" creationId="{00000000-0000-0000-0000-000000000000}"/>
+          </ac:spMkLst>
+        </pc:spChg>
+      </pc:sldChg>
+      <pc:sldChg chg="modSp mod">
+        <pc:chgData name="Velani, Ankitkumar" userId="039f6639-35cd-4471-8ac8-1e78077ab1db" providerId="ADAL" clId="{1340E681-60A3-43C9-86A2-A614324C29E3}" dt="2022-09-08T15:19:38.184" v="133" actId="20577"/>
+        <pc:sldMkLst>
+          <pc:docMk/>
+          <pc:sldMk cId="4111025725" sldId="286"/>
+        </pc:sldMkLst>
+        <pc:spChg chg="mod">
+          <ac:chgData name="Velani, Ankitkumar" userId="039f6639-35cd-4471-8ac8-1e78077ab1db" providerId="ADAL" clId="{1340E681-60A3-43C9-86A2-A614324C29E3}" dt="2022-09-08T15:19:38.184" v="133" actId="20577"/>
+          <ac:spMkLst>
+            <pc:docMk/>
+            <pc:sldMk cId="4111025725" sldId="286"/>
+            <ac:spMk id="108" creationId="{00000000-0000-0000-0000-000000000000}"/>
+          </ac:spMkLst>
+        </pc:spChg>
+      </pc:sldChg>
+      <pc:sldChg chg="modSp mod">
+        <pc:chgData name="Velani, Ankitkumar" userId="039f6639-35cd-4471-8ac8-1e78077ab1db" providerId="ADAL" clId="{1340E681-60A3-43C9-86A2-A614324C29E3}" dt="2022-09-10T03:12:20.446" v="2062" actId="313"/>
+        <pc:sldMkLst>
+          <pc:docMk/>
+          <pc:sldMk cId="2438622846" sldId="287"/>
+        </pc:sldMkLst>
+        <pc:spChg chg="mod">
+          <ac:chgData name="Velani, Ankitkumar" userId="039f6639-35cd-4471-8ac8-1e78077ab1db" providerId="ADAL" clId="{1340E681-60A3-43C9-86A2-A614324C29E3}" dt="2022-09-10T03:12:20.446" v="2062" actId="313"/>
+          <ac:spMkLst>
+            <pc:docMk/>
+            <pc:sldMk cId="2438622846" sldId="287"/>
+            <ac:spMk id="109" creationId="{00000000-0000-0000-0000-000000000000}"/>
+          </ac:spMkLst>
+        </pc:spChg>
+      </pc:sldChg>
+      <pc:sldChg chg="modSp add del mod">
+        <pc:chgData name="Velani, Ankitkumar" userId="039f6639-35cd-4471-8ac8-1e78077ab1db" providerId="ADAL" clId="{1340E681-60A3-43C9-86A2-A614324C29E3}" dt="2022-09-08T15:23:27.352" v="264" actId="6549"/>
+        <pc:sldMkLst>
+          <pc:docMk/>
+          <pc:sldMk cId="1205780775" sldId="288"/>
+        </pc:sldMkLst>
+        <pc:spChg chg="mod">
+          <ac:chgData name="Velani, Ankitkumar" userId="039f6639-35cd-4471-8ac8-1e78077ab1db" providerId="ADAL" clId="{1340E681-60A3-43C9-86A2-A614324C29E3}" dt="2022-09-08T15:22:16.004" v="211" actId="20577"/>
+          <ac:spMkLst>
+            <pc:docMk/>
+            <pc:sldMk cId="1205780775" sldId="288"/>
+            <ac:spMk id="99" creationId="{00000000-0000-0000-0000-000000000000}"/>
+          </ac:spMkLst>
+        </pc:spChg>
+        <pc:spChg chg="mod">
+          <ac:chgData name="Velani, Ankitkumar" userId="039f6639-35cd-4471-8ac8-1e78077ab1db" providerId="ADAL" clId="{1340E681-60A3-43C9-86A2-A614324C29E3}" dt="2022-09-08T15:23:27.352" v="264" actId="6549"/>
+          <ac:spMkLst>
+            <pc:docMk/>
+            <pc:sldMk cId="1205780775" sldId="288"/>
+            <ac:spMk id="100" creationId="{00000000-0000-0000-0000-000000000000}"/>
+          </ac:spMkLst>
+        </pc:spChg>
+      </pc:sldChg>
+      <pc:sldChg chg="del">
+        <pc:chgData name="Velani, Ankitkumar" userId="039f6639-35cd-4471-8ac8-1e78077ab1db" providerId="ADAL" clId="{1340E681-60A3-43C9-86A2-A614324C29E3}" dt="2022-09-08T15:20:50.712" v="142" actId="47"/>
+        <pc:sldMkLst>
+          <pc:docMk/>
+          <pc:sldMk cId="2344059627" sldId="289"/>
+        </pc:sldMkLst>
+      </pc:sldChg>
+      <pc:sldChg chg="del">
+        <pc:chgData name="Velani, Ankitkumar" userId="039f6639-35cd-4471-8ac8-1e78077ab1db" providerId="ADAL" clId="{1340E681-60A3-43C9-86A2-A614324C29E3}" dt="2022-09-08T15:20:51.013" v="143" actId="47"/>
+        <pc:sldMkLst>
+          <pc:docMk/>
+          <pc:sldMk cId="2673655364" sldId="290"/>
+        </pc:sldMkLst>
+      </pc:sldChg>
+      <pc:sldChg chg="del">
+        <pc:chgData name="Velani, Ankitkumar" userId="039f6639-35cd-4471-8ac8-1e78077ab1db" providerId="ADAL" clId="{1340E681-60A3-43C9-86A2-A614324C29E3}" dt="2022-09-08T15:20:51.276" v="144" actId="47"/>
+        <pc:sldMkLst>
+          <pc:docMk/>
+          <pc:sldMk cId="3671309648" sldId="291"/>
+        </pc:sldMkLst>
+      </pc:sldChg>
+      <pc:sldChg chg="del">
+        <pc:chgData name="Velani, Ankitkumar" userId="039f6639-35cd-4471-8ac8-1e78077ab1db" providerId="ADAL" clId="{1340E681-60A3-43C9-86A2-A614324C29E3}" dt="2022-09-08T15:20:51.577" v="145" actId="47"/>
+        <pc:sldMkLst>
+          <pc:docMk/>
+          <pc:sldMk cId="981376725" sldId="292"/>
+        </pc:sldMkLst>
+      </pc:sldChg>
+      <pc:sldChg chg="del">
+        <pc:chgData name="Velani, Ankitkumar" userId="039f6639-35cd-4471-8ac8-1e78077ab1db" providerId="ADAL" clId="{1340E681-60A3-43C9-86A2-A614324C29E3}" dt="2022-09-08T15:20:52.166" v="146" actId="47"/>
+        <pc:sldMkLst>
+          <pc:docMk/>
+          <pc:sldMk cId="2738354077" sldId="293"/>
+        </pc:sldMkLst>
+      </pc:sldChg>
+      <pc:sldChg chg="add del">
+        <pc:chgData name="Velani, Ankitkumar" userId="039f6639-35cd-4471-8ac8-1e78077ab1db" providerId="ADAL" clId="{1340E681-60A3-43C9-86A2-A614324C29E3}" dt="2022-09-08T15:21:57.002" v="181" actId="47"/>
+        <pc:sldMkLst>
+          <pc:docMk/>
+          <pc:sldMk cId="3138019313" sldId="294"/>
+        </pc:sldMkLst>
+      </pc:sldChg>
+      <pc:sldChg chg="modSp add mod">
+        <pc:chgData name="Velani, Ankitkumar" userId="039f6639-35cd-4471-8ac8-1e78077ab1db" providerId="ADAL" clId="{1340E681-60A3-43C9-86A2-A614324C29E3}" dt="2022-09-08T15:24:14.068" v="294"/>
+        <pc:sldMkLst>
+          <pc:docMk/>
+          <pc:sldMk cId="1416168009" sldId="295"/>
+        </pc:sldMkLst>
+        <pc:spChg chg="mod">
+          <ac:chgData name="Velani, Ankitkumar" userId="039f6639-35cd-4471-8ac8-1e78077ab1db" providerId="ADAL" clId="{1340E681-60A3-43C9-86A2-A614324C29E3}" dt="2022-09-08T15:24:14.068" v="294"/>
+          <ac:spMkLst>
+            <pc:docMk/>
+            <pc:sldMk cId="1416168009" sldId="295"/>
+            <ac:spMk id="108" creationId="{00000000-0000-0000-0000-000000000000}"/>
+          </ac:spMkLst>
+        </pc:spChg>
+      </pc:sldChg>
+      <pc:sldChg chg="del">
+        <pc:chgData name="Velani, Ankitkumar" userId="039f6639-35cd-4471-8ac8-1e78077ab1db" providerId="ADAL" clId="{1340E681-60A3-43C9-86A2-A614324C29E3}" dt="2022-09-08T15:20:55.226" v="151" actId="47"/>
+        <pc:sldMkLst>
+          <pc:docMk/>
+          <pc:sldMk cId="1632705750" sldId="295"/>
+        </pc:sldMkLst>
+      </pc:sldChg>
+      <pc:sldChg chg="add del">
+        <pc:chgData name="Velani, Ankitkumar" userId="039f6639-35cd-4471-8ac8-1e78077ab1db" providerId="ADAL" clId="{1340E681-60A3-43C9-86A2-A614324C29E3}" dt="2022-09-08T15:23:45.049" v="273" actId="47"/>
+        <pc:sldMkLst>
+          <pc:docMk/>
+          <pc:sldMk cId="1513836142" sldId="296"/>
+        </pc:sldMkLst>
+      </pc:sldChg>
+      <pc:sldChg chg="modSp add mod">
+        <pc:chgData name="Velani, Ankitkumar" userId="039f6639-35cd-4471-8ac8-1e78077ab1db" providerId="ADAL" clId="{1340E681-60A3-43C9-86A2-A614324C29E3}" dt="2022-09-08T15:24:23.482" v="300" actId="20577"/>
+        <pc:sldMkLst>
+          <pc:docMk/>
+          <pc:sldMk cId="3632673750" sldId="296"/>
+        </pc:sldMkLst>
+        <pc:spChg chg="mod">
+          <ac:chgData name="Velani, Ankitkumar" userId="039f6639-35cd-4471-8ac8-1e78077ab1db" providerId="ADAL" clId="{1340E681-60A3-43C9-86A2-A614324C29E3}" dt="2022-09-08T15:24:23.482" v="300" actId="20577"/>
+          <ac:spMkLst>
+            <pc:docMk/>
+            <pc:sldMk cId="3632673750" sldId="296"/>
+            <ac:spMk id="108" creationId="{00000000-0000-0000-0000-000000000000}"/>
+          </ac:spMkLst>
+        </pc:spChg>
+      </pc:sldChg>
+      <pc:sldChg chg="del">
+        <pc:chgData name="Velani, Ankitkumar" userId="039f6639-35cd-4471-8ac8-1e78077ab1db" providerId="ADAL" clId="{1340E681-60A3-43C9-86A2-A614324C29E3}" dt="2022-09-08T15:20:53.143" v="147" actId="47"/>
+        <pc:sldMkLst>
+          <pc:docMk/>
+          <pc:sldMk cId="2077387241" sldId="297"/>
+        </pc:sldMkLst>
+      </pc:sldChg>
+      <pc:sldChg chg="modSp add mod">
+        <pc:chgData name="Velani, Ankitkumar" userId="039f6639-35cd-4471-8ac8-1e78077ab1db" providerId="ADAL" clId="{1340E681-60A3-43C9-86A2-A614324C29E3}" dt="2022-09-08T15:24:33.036" v="304" actId="20577"/>
+        <pc:sldMkLst>
+          <pc:docMk/>
+          <pc:sldMk cId="3870813925" sldId="297"/>
+        </pc:sldMkLst>
+        <pc:spChg chg="mod">
+          <ac:chgData name="Velani, Ankitkumar" userId="039f6639-35cd-4471-8ac8-1e78077ab1db" providerId="ADAL" clId="{1340E681-60A3-43C9-86A2-A614324C29E3}" dt="2022-09-08T15:24:33.036" v="304" actId="20577"/>
+          <ac:spMkLst>
+            <pc:docMk/>
+            <pc:sldMk cId="3870813925" sldId="297"/>
+            <ac:spMk id="108" creationId="{00000000-0000-0000-0000-000000000000}"/>
+          </ac:spMkLst>
+        </pc:spChg>
+      </pc:sldChg>
+      <pc:sldChg chg="del">
+        <pc:chgData name="Velani, Ankitkumar" userId="039f6639-35cd-4471-8ac8-1e78077ab1db" providerId="ADAL" clId="{1340E681-60A3-43C9-86A2-A614324C29E3}" dt="2022-09-08T15:20:56.245" v="152" actId="47"/>
+        <pc:sldMkLst>
+          <pc:docMk/>
+          <pc:sldMk cId="1149467149" sldId="298"/>
+        </pc:sldMkLst>
+      </pc:sldChg>
+      <pc:sldChg chg="modSp add mod">
+        <pc:chgData name="Velani, Ankitkumar" userId="039f6639-35cd-4471-8ac8-1e78077ab1db" providerId="ADAL" clId="{1340E681-60A3-43C9-86A2-A614324C29E3}" dt="2022-09-08T15:25:31.519" v="370" actId="108"/>
+        <pc:sldMkLst>
+          <pc:docMk/>
+          <pc:sldMk cId="2537595148" sldId="298"/>
+        </pc:sldMkLst>
+        <pc:spChg chg="mod">
+          <ac:chgData name="Velani, Ankitkumar" userId="039f6639-35cd-4471-8ac8-1e78077ab1db" providerId="ADAL" clId="{1340E681-60A3-43C9-86A2-A614324C29E3}" dt="2022-09-08T15:24:51.723" v="324" actId="20577"/>
+          <ac:spMkLst>
+            <pc:docMk/>
+            <pc:sldMk cId="2537595148" sldId="298"/>
+            <ac:spMk id="108" creationId="{00000000-0000-0000-0000-000000000000}"/>
+          </ac:spMkLst>
+        </pc:spChg>
+        <pc:spChg chg="mod">
+          <ac:chgData name="Velani, Ankitkumar" userId="039f6639-35cd-4471-8ac8-1e78077ab1db" providerId="ADAL" clId="{1340E681-60A3-43C9-86A2-A614324C29E3}" dt="2022-09-08T15:25:31.519" v="370" actId="108"/>
+          <ac:spMkLst>
+            <pc:docMk/>
+            <pc:sldMk cId="2537595148" sldId="298"/>
+            <ac:spMk id="109" creationId="{00000000-0000-0000-0000-000000000000}"/>
+          </ac:spMkLst>
+        </pc:spChg>
+      </pc:sldChg>
+      <pc:sldChg chg="add">
+        <pc:chgData name="Velani, Ankitkumar" userId="039f6639-35cd-4471-8ac8-1e78077ab1db" providerId="ADAL" clId="{1340E681-60A3-43C9-86A2-A614324C29E3}" dt="2022-09-08T15:27:08.942" v="371"/>
+        <pc:sldMkLst>
+          <pc:docMk/>
+          <pc:sldMk cId="1714319504" sldId="299"/>
+        </pc:sldMkLst>
+      </pc:sldChg>
+      <pc:sldChg chg="del">
+        <pc:chgData name="Velani, Ankitkumar" userId="039f6639-35cd-4471-8ac8-1e78077ab1db" providerId="ADAL" clId="{1340E681-60A3-43C9-86A2-A614324C29E3}" dt="2022-09-08T15:20:57.763" v="153" actId="47"/>
+        <pc:sldMkLst>
+          <pc:docMk/>
+          <pc:sldMk cId="2809169825" sldId="299"/>
+        </pc:sldMkLst>
+      </pc:sldChg>
+      <pc:sldChg chg="del">
+        <pc:chgData name="Velani, Ankitkumar" userId="039f6639-35cd-4471-8ac8-1e78077ab1db" providerId="ADAL" clId="{1340E681-60A3-43C9-86A2-A614324C29E3}" dt="2022-09-08T15:20:53.469" v="148" actId="47"/>
+        <pc:sldMkLst>
+          <pc:docMk/>
+          <pc:sldMk cId="1642795635" sldId="300"/>
+        </pc:sldMkLst>
+      </pc:sldChg>
+      <pc:sldChg chg="modSp add del mod">
+        <pc:chgData name="Velani, Ankitkumar" userId="039f6639-35cd-4471-8ac8-1e78077ab1db" providerId="ADAL" clId="{1340E681-60A3-43C9-86A2-A614324C29E3}" dt="2022-09-08T15:27:40.977" v="378" actId="47"/>
+        <pc:sldMkLst>
+          <pc:docMk/>
+          <pc:sldMk cId="2169210693" sldId="300"/>
+        </pc:sldMkLst>
+        <pc:spChg chg="mod">
+          <ac:chgData name="Velani, Ankitkumar" userId="039f6639-35cd-4471-8ac8-1e78077ab1db" providerId="ADAL" clId="{1340E681-60A3-43C9-86A2-A614324C29E3}" dt="2022-09-08T15:27:13.651" v="373"/>
+          <ac:spMkLst>
+            <pc:docMk/>
+            <pc:sldMk cId="2169210693" sldId="300"/>
+            <ac:spMk id="108" creationId="{00000000-0000-0000-0000-000000000000}"/>
+          </ac:spMkLst>
+        </pc:spChg>
+      </pc:sldChg>
+      <pc:sldChg chg="del">
+        <pc:chgData name="Velani, Ankitkumar" userId="039f6639-35cd-4471-8ac8-1e78077ab1db" providerId="ADAL" clId="{1340E681-60A3-43C9-86A2-A614324C29E3}" dt="2022-09-08T15:20:54.756" v="149" actId="47"/>
+        <pc:sldMkLst>
+          <pc:docMk/>
+          <pc:sldMk cId="3179861112" sldId="301"/>
+        </pc:sldMkLst>
+      </pc:sldChg>
+      <pc:sldChg chg="add">
+        <pc:chgData name="Velani, Ankitkumar" userId="039f6639-35cd-4471-8ac8-1e78077ab1db" providerId="ADAL" clId="{1340E681-60A3-43C9-86A2-A614324C29E3}" dt="2022-09-08T15:27:22.169" v="374"/>
+        <pc:sldMkLst>
+          <pc:docMk/>
+          <pc:sldMk cId="3340506046" sldId="301"/>
+        </pc:sldMkLst>
+      </pc:sldChg>
+      <pc:sldChg chg="modSp add mod">
+        <pc:chgData name="Velani, Ankitkumar" userId="039f6639-35cd-4471-8ac8-1e78077ab1db" providerId="ADAL" clId="{1340E681-60A3-43C9-86A2-A614324C29E3}" dt="2022-09-08T15:27:29.508" v="377" actId="20577"/>
+        <pc:sldMkLst>
+          <pc:docMk/>
+          <pc:sldMk cId="115505484" sldId="302"/>
+        </pc:sldMkLst>
+        <pc:spChg chg="mod">
+          <ac:chgData name="Velani, Ankitkumar" userId="039f6639-35cd-4471-8ac8-1e78077ab1db" providerId="ADAL" clId="{1340E681-60A3-43C9-86A2-A614324C29E3}" dt="2022-09-08T15:27:29.508" v="377" actId="20577"/>
+          <ac:spMkLst>
+            <pc:docMk/>
+            <pc:sldMk cId="115505484" sldId="302"/>
+            <ac:spMk id="108" creationId="{00000000-0000-0000-0000-000000000000}"/>
+          </ac:spMkLst>
+        </pc:spChg>
+      </pc:sldChg>
+      <pc:sldChg chg="del">
+        <pc:chgData name="Velani, Ankitkumar" userId="039f6639-35cd-4471-8ac8-1e78077ab1db" providerId="ADAL" clId="{1340E681-60A3-43C9-86A2-A614324C29E3}" dt="2022-09-08T15:20:54.988" v="150" actId="47"/>
+        <pc:sldMkLst>
+          <pc:docMk/>
+          <pc:sldMk cId="1531365578" sldId="302"/>
+        </pc:sldMkLst>
+      </pc:sldChg>
+      <pc:sldChg chg="add del">
+        <pc:chgData name="Velani, Ankitkumar" userId="039f6639-35cd-4471-8ac8-1e78077ab1db" providerId="ADAL" clId="{1340E681-60A3-43C9-86A2-A614324C29E3}" dt="2022-09-08T15:23:29.800" v="265" actId="47"/>
+        <pc:sldMkLst>
+          <pc:docMk/>
+          <pc:sldMk cId="1104195167" sldId="303"/>
+        </pc:sldMkLst>
+      </pc:sldChg>
+      <pc:sldChg chg="modSp add mod">
+        <pc:chgData name="Velani, Ankitkumar" userId="039f6639-35cd-4471-8ac8-1e78077ab1db" providerId="ADAL" clId="{1340E681-60A3-43C9-86A2-A614324C29E3}" dt="2022-09-08T15:27:53.372" v="398" actId="20577"/>
+        <pc:sldMkLst>
+          <pc:docMk/>
+          <pc:sldMk cId="3367843845" sldId="303"/>
+        </pc:sldMkLst>
+        <pc:spChg chg="mod">
+          <ac:chgData name="Velani, Ankitkumar" userId="039f6639-35cd-4471-8ac8-1e78077ab1db" providerId="ADAL" clId="{1340E681-60A3-43C9-86A2-A614324C29E3}" dt="2022-09-08T15:27:53.372" v="398" actId="20577"/>
+          <ac:spMkLst>
+            <pc:docMk/>
+            <pc:sldMk cId="3367843845" sldId="303"/>
+            <ac:spMk id="108" creationId="{00000000-0000-0000-0000-000000000000}"/>
+          </ac:spMkLst>
+        </pc:spChg>
+      </pc:sldChg>
+      <pc:sldChg chg="add del">
+        <pc:chgData name="Velani, Ankitkumar" userId="039f6639-35cd-4471-8ac8-1e78077ab1db" providerId="ADAL" clId="{1340E681-60A3-43C9-86A2-A614324C29E3}" dt="2022-09-08T15:23:31.044" v="266" actId="47"/>
+        <pc:sldMkLst>
+          <pc:docMk/>
+          <pc:sldMk cId="2310146408" sldId="304"/>
+        </pc:sldMkLst>
+      </pc:sldChg>
+      <pc:sldChg chg="modSp add mod">
+        <pc:chgData name="Velani, Ankitkumar" userId="039f6639-35cd-4471-8ac8-1e78077ab1db" providerId="ADAL" clId="{1340E681-60A3-43C9-86A2-A614324C29E3}" dt="2022-09-08T15:28:02.021" v="410" actId="20577"/>
+        <pc:sldMkLst>
+          <pc:docMk/>
+          <pc:sldMk cId="3065635960" sldId="304"/>
+        </pc:sldMkLst>
+        <pc:spChg chg="mod">
+          <ac:chgData name="Velani, Ankitkumar" userId="039f6639-35cd-4471-8ac8-1e78077ab1db" providerId="ADAL" clId="{1340E681-60A3-43C9-86A2-A614324C29E3}" dt="2022-09-08T15:28:02.021" v="410" actId="20577"/>
+          <ac:spMkLst>
+            <pc:docMk/>
+            <pc:sldMk cId="3065635960" sldId="304"/>
+            <ac:spMk id="108" creationId="{00000000-0000-0000-0000-000000000000}"/>
+          </ac:spMkLst>
+        </pc:spChg>
+      </pc:sldChg>
+      <pc:sldChg chg="modSp add mod">
+        <pc:chgData name="Velani, Ankitkumar" userId="039f6639-35cd-4471-8ac8-1e78077ab1db" providerId="ADAL" clId="{1340E681-60A3-43C9-86A2-A614324C29E3}" dt="2022-09-09T02:55:39.720" v="1726" actId="20577"/>
+        <pc:sldMkLst>
+          <pc:docMk/>
+          <pc:sldMk cId="1505795841" sldId="305"/>
+        </pc:sldMkLst>
+        <pc:spChg chg="mod">
+          <ac:chgData name="Velani, Ankitkumar" userId="039f6639-35cd-4471-8ac8-1e78077ab1db" providerId="ADAL" clId="{1340E681-60A3-43C9-86A2-A614324C29E3}" dt="2022-09-08T15:29:46.485" v="412"/>
+          <ac:spMkLst>
+            <pc:docMk/>
+            <pc:sldMk cId="1505795841" sldId="305"/>
+            <ac:spMk id="108" creationId="{00000000-0000-0000-0000-000000000000}"/>
+          </ac:spMkLst>
+        </pc:spChg>
+        <pc:spChg chg="mod">
+          <ac:chgData name="Velani, Ankitkumar" userId="039f6639-35cd-4471-8ac8-1e78077ab1db" providerId="ADAL" clId="{1340E681-60A3-43C9-86A2-A614324C29E3}" dt="2022-09-09T02:55:39.720" v="1726" actId="20577"/>
+          <ac:spMkLst>
+            <pc:docMk/>
+            <pc:sldMk cId="1505795841" sldId="305"/>
+            <ac:spMk id="109" creationId="{00000000-0000-0000-0000-000000000000}"/>
+          </ac:spMkLst>
+        </pc:spChg>
+      </pc:sldChg>
+      <pc:sldChg chg="add del">
+        <pc:chgData name="Velani, Ankitkumar" userId="039f6639-35cd-4471-8ac8-1e78077ab1db" providerId="ADAL" clId="{1340E681-60A3-43C9-86A2-A614324C29E3}" dt="2022-09-08T15:23:33.139" v="267" actId="47"/>
+        <pc:sldMkLst>
+          <pc:docMk/>
+          <pc:sldMk cId="3164702486" sldId="305"/>
+        </pc:sldMkLst>
+      </pc:sldChg>
+      <pc:sldChg chg="addSp delSp modSp new mod">
+        <pc:chgData name="Velani, Ankitkumar" userId="039f6639-35cd-4471-8ac8-1e78077ab1db" providerId="ADAL" clId="{1340E681-60A3-43C9-86A2-A614324C29E3}" dt="2022-09-09T01:35:56.010" v="1045" actId="20577"/>
+        <pc:sldMkLst>
+          <pc:docMk/>
+          <pc:sldMk cId="1610246580" sldId="306"/>
+        </pc:sldMkLst>
+        <pc:spChg chg="del">
+          <ac:chgData name="Velani, Ankitkumar" userId="039f6639-35cd-4471-8ac8-1e78077ab1db" providerId="ADAL" clId="{1340E681-60A3-43C9-86A2-A614324C29E3}" dt="2022-09-09T01:31:09.639" v="508" actId="478"/>
+          <ac:spMkLst>
+            <pc:docMk/>
+            <pc:sldMk cId="1610246580" sldId="306"/>
+            <ac:spMk id="2" creationId="{EBBB610B-7CA0-4FCF-B719-2B753275CC96}"/>
+          </ac:spMkLst>
+        </pc:spChg>
+        <pc:spChg chg="del">
+          <ac:chgData name="Velani, Ankitkumar" userId="039f6639-35cd-4471-8ac8-1e78077ab1db" providerId="ADAL" clId="{1340E681-60A3-43C9-86A2-A614324C29E3}" dt="2022-09-09T01:31:08.324" v="507" actId="478"/>
+          <ac:spMkLst>
+            <pc:docMk/>
+            <pc:sldMk cId="1610246580" sldId="306"/>
+            <ac:spMk id="3" creationId="{51E8E4B7-CA69-4182-A6D1-DD6A265D97AB}"/>
+          </ac:spMkLst>
+        </pc:spChg>
+        <pc:spChg chg="add del mod">
+          <ac:chgData name="Velani, Ankitkumar" userId="039f6639-35cd-4471-8ac8-1e78077ab1db" providerId="ADAL" clId="{1340E681-60A3-43C9-86A2-A614324C29E3}" dt="2022-09-09T01:31:07.108" v="506"/>
+          <ac:spMkLst>
+            <pc:docMk/>
+            <pc:sldMk cId="1610246580" sldId="306"/>
+            <ac:spMk id="7" creationId="{D09BDA12-2AED-47C5-A5A4-C1DD44F95948}"/>
+          </ac:spMkLst>
+        </pc:spChg>
+        <pc:spChg chg="add del mod">
+          <ac:chgData name="Velani, Ankitkumar" userId="039f6639-35cd-4471-8ac8-1e78077ab1db" providerId="ADAL" clId="{1340E681-60A3-43C9-86A2-A614324C29E3}" dt="2022-09-09T01:31:07.108" v="506"/>
+          <ac:spMkLst>
+            <pc:docMk/>
+            <pc:sldMk cId="1610246580" sldId="306"/>
+            <ac:spMk id="8" creationId="{A5C2A38B-BD47-4F59-887F-C7339BA7261F}"/>
+          </ac:spMkLst>
+        </pc:spChg>
+        <pc:spChg chg="add mod">
+          <ac:chgData name="Velani, Ankitkumar" userId="039f6639-35cd-4471-8ac8-1e78077ab1db" providerId="ADAL" clId="{1340E681-60A3-43C9-86A2-A614324C29E3}" dt="2022-09-09T01:31:14.723" v="516" actId="20577"/>
+          <ac:spMkLst>
+            <pc:docMk/>
+            <pc:sldMk cId="1610246580" sldId="306"/>
+            <ac:spMk id="9" creationId="{DAD87299-AFA6-4612-AD6C-C7C8F879B512}"/>
+          </ac:spMkLst>
+        </pc:spChg>
+        <pc:spChg chg="add mod">
+          <ac:chgData name="Velani, Ankitkumar" userId="039f6639-35cd-4471-8ac8-1e78077ab1db" providerId="ADAL" clId="{1340E681-60A3-43C9-86A2-A614324C29E3}" dt="2022-09-09T01:35:56.010" v="1045" actId="20577"/>
+          <ac:spMkLst>
+            <pc:docMk/>
+            <pc:sldMk cId="1610246580" sldId="306"/>
+            <ac:spMk id="10" creationId="{16A03AE6-6BA9-4260-8580-96DB254B59A2}"/>
+          </ac:spMkLst>
+        </pc:spChg>
+      </pc:sldChg>
+      <pc:sldChg chg="add del">
+        <pc:chgData name="Velani, Ankitkumar" userId="039f6639-35cd-4471-8ac8-1e78077ab1db" providerId="ADAL" clId="{1340E681-60A3-43C9-86A2-A614324C29E3}" dt="2022-09-08T15:23:33.634" v="268" actId="47"/>
+        <pc:sldMkLst>
+          <pc:docMk/>
+          <pc:sldMk cId="3836807520" sldId="306"/>
+        </pc:sldMkLst>
+      </pc:sldChg>
+      <pc:sldChg chg="addSp modSp add mod">
+        <pc:chgData name="Velani, Ankitkumar" userId="039f6639-35cd-4471-8ac8-1e78077ab1db" providerId="ADAL" clId="{1340E681-60A3-43C9-86A2-A614324C29E3}" dt="2022-09-09T02:36:11.968" v="1356" actId="20577"/>
+        <pc:sldMkLst>
+          <pc:docMk/>
+          <pc:sldMk cId="1372787291" sldId="307"/>
+        </pc:sldMkLst>
+        <pc:spChg chg="add mod">
+          <ac:chgData name="Velani, Ankitkumar" userId="039f6639-35cd-4471-8ac8-1e78077ab1db" providerId="ADAL" clId="{1340E681-60A3-43C9-86A2-A614324C29E3}" dt="2022-09-09T02:36:11.968" v="1356" actId="20577"/>
+          <ac:spMkLst>
+            <pc:docMk/>
+            <pc:sldMk cId="1372787291" sldId="307"/>
+            <ac:spMk id="3" creationId="{E6D78361-0904-456A-99B6-AC02ABF44868}"/>
+          </ac:spMkLst>
+        </pc:spChg>
+        <pc:spChg chg="add mod">
+          <ac:chgData name="Velani, Ankitkumar" userId="039f6639-35cd-4471-8ac8-1e78077ab1db" providerId="ADAL" clId="{1340E681-60A3-43C9-86A2-A614324C29E3}" dt="2022-09-09T02:35:00.712" v="1337" actId="1076"/>
+          <ac:spMkLst>
+            <pc:docMk/>
+            <pc:sldMk cId="1372787291" sldId="307"/>
+            <ac:spMk id="8" creationId="{E8D47BD8-FE8D-46E7-9BE7-CF7680474D93}"/>
+          </ac:spMkLst>
+        </pc:spChg>
+        <pc:spChg chg="mod">
+          <ac:chgData name="Velani, Ankitkumar" userId="039f6639-35cd-4471-8ac8-1e78077ab1db" providerId="ADAL" clId="{1340E681-60A3-43C9-86A2-A614324C29E3}" dt="2022-09-09T02:32:41.673" v="1298" actId="20577"/>
+          <ac:spMkLst>
+            <pc:docMk/>
+            <pc:sldMk cId="1372787291" sldId="307"/>
+            <ac:spMk id="109" creationId="{00000000-0000-0000-0000-000000000000}"/>
+          </ac:spMkLst>
+        </pc:spChg>
+      </pc:sldChg>
+      <pc:sldChg chg="add del">
+        <pc:chgData name="Velani, Ankitkumar" userId="039f6639-35cd-4471-8ac8-1e78077ab1db" providerId="ADAL" clId="{1340E681-60A3-43C9-86A2-A614324C29E3}" dt="2022-09-08T15:23:34.151" v="269" actId="47"/>
+        <pc:sldMkLst>
+          <pc:docMk/>
+          <pc:sldMk cId="2944235571" sldId="307"/>
+        </pc:sldMkLst>
+      </pc:sldChg>
+      <pc:sldChg chg="add del">
+        <pc:chgData name="Velani, Ankitkumar" userId="039f6639-35cd-4471-8ac8-1e78077ab1db" providerId="ADAL" clId="{1340E681-60A3-43C9-86A2-A614324C29E3}" dt="2022-09-08T15:23:34.489" v="270" actId="47"/>
+        <pc:sldMkLst>
+          <pc:docMk/>
+          <pc:sldMk cId="3224482173" sldId="308"/>
+        </pc:sldMkLst>
+      </pc:sldChg>
+      <pc:sldChg chg="addSp modSp add mod ord">
+        <pc:chgData name="Velani, Ankitkumar" userId="039f6639-35cd-4471-8ac8-1e78077ab1db" providerId="ADAL" clId="{1340E681-60A3-43C9-86A2-A614324C29E3}" dt="2022-09-09T02:30:15.775" v="1291" actId="20577"/>
+        <pc:sldMkLst>
+          <pc:docMk/>
+          <pc:sldMk cId="4199906352" sldId="308"/>
+        </pc:sldMkLst>
+        <pc:spChg chg="mod">
+          <ac:chgData name="Velani, Ankitkumar" userId="039f6639-35cd-4471-8ac8-1e78077ab1db" providerId="ADAL" clId="{1340E681-60A3-43C9-86A2-A614324C29E3}" dt="2022-09-09T02:03:19.450" v="1246"/>
+          <ac:spMkLst>
+            <pc:docMk/>
+            <pc:sldMk cId="4199906352" sldId="308"/>
+            <ac:spMk id="108" creationId="{00000000-0000-0000-0000-000000000000}"/>
+          </ac:spMkLst>
+        </pc:spChg>
+        <pc:spChg chg="mod">
+          <ac:chgData name="Velani, Ankitkumar" userId="039f6639-35cd-4471-8ac8-1e78077ab1db" providerId="ADAL" clId="{1340E681-60A3-43C9-86A2-A614324C29E3}" dt="2022-09-09T02:30:15.775" v="1291" actId="20577"/>
+          <ac:spMkLst>
+            <pc:docMk/>
+            <pc:sldMk cId="4199906352" sldId="308"/>
+            <ac:spMk id="109" creationId="{00000000-0000-0000-0000-000000000000}"/>
+          </ac:spMkLst>
+        </pc:spChg>
+        <pc:graphicFrameChg chg="add mod modGraphic">
+          <ac:chgData name="Velani, Ankitkumar" userId="039f6639-35cd-4471-8ac8-1e78077ab1db" providerId="ADAL" clId="{1340E681-60A3-43C9-86A2-A614324C29E3}" dt="2022-09-09T02:05:42.290" v="1290" actId="1035"/>
+          <ac:graphicFrameMkLst>
+            <pc:docMk/>
+            <pc:sldMk cId="4199906352" sldId="308"/>
+            <ac:graphicFrameMk id="2" creationId="{A8914A6C-0D51-4015-B3E6-B5B7064383B8}"/>
+          </ac:graphicFrameMkLst>
+        </pc:graphicFrameChg>
+      </pc:sldChg>
+      <pc:sldChg chg="addSp modSp add mod">
+        <pc:chgData name="Velani, Ankitkumar" userId="039f6639-35cd-4471-8ac8-1e78077ab1db" providerId="ADAL" clId="{1340E681-60A3-43C9-86A2-A614324C29E3}" dt="2022-09-09T02:48:10.538" v="1583" actId="207"/>
+        <pc:sldMkLst>
+          <pc:docMk/>
+          <pc:sldMk cId="1586293684" sldId="309"/>
+        </pc:sldMkLst>
+        <pc:spChg chg="add mod">
+          <ac:chgData name="Velani, Ankitkumar" userId="039f6639-35cd-4471-8ac8-1e78077ab1db" providerId="ADAL" clId="{1340E681-60A3-43C9-86A2-A614324C29E3}" dt="2022-09-09T02:45:50.624" v="1524" actId="20577"/>
+          <ac:spMkLst>
+            <pc:docMk/>
+            <pc:sldMk cId="1586293684" sldId="309"/>
+            <ac:spMk id="2" creationId="{73824065-2495-47FD-9A82-EC928C433F48}"/>
+          </ac:spMkLst>
+        </pc:spChg>
+        <pc:spChg chg="add mod">
+          <ac:chgData name="Velani, Ankitkumar" userId="039f6639-35cd-4471-8ac8-1e78077ab1db" providerId="ADAL" clId="{1340E681-60A3-43C9-86A2-A614324C29E3}" dt="2022-09-09T02:46:44.286" v="1559" actId="1076"/>
+          <ac:spMkLst>
+            <pc:docMk/>
+            <pc:sldMk cId="1586293684" sldId="309"/>
+            <ac:spMk id="3" creationId="{1DF16D99-916A-48EB-B164-D6F1AF63EA35}"/>
+          </ac:spMkLst>
+        </pc:spChg>
+        <pc:spChg chg="add mod">
+          <ac:chgData name="Velani, Ankitkumar" userId="039f6639-35cd-4471-8ac8-1e78077ab1db" providerId="ADAL" clId="{1340E681-60A3-43C9-86A2-A614324C29E3}" dt="2022-09-09T02:47:55.047" v="1577" actId="208"/>
+          <ac:spMkLst>
+            <pc:docMk/>
+            <pc:sldMk cId="1586293684" sldId="309"/>
+            <ac:spMk id="9" creationId="{4054F86A-B8A7-469C-B67E-4D92E1DB07C8}"/>
+          </ac:spMkLst>
+        </pc:spChg>
+        <pc:spChg chg="add mod">
+          <ac:chgData name="Velani, Ankitkumar" userId="039f6639-35cd-4471-8ac8-1e78077ab1db" providerId="ADAL" clId="{1340E681-60A3-43C9-86A2-A614324C29E3}" dt="2022-09-09T02:48:10.538" v="1583" actId="207"/>
+          <ac:spMkLst>
+            <pc:docMk/>
+            <pc:sldMk cId="1586293684" sldId="309"/>
+            <ac:spMk id="10" creationId="{2A228307-70D6-4269-9C25-6CC272D4FF85}"/>
+          </ac:spMkLst>
+        </pc:spChg>
+        <pc:spChg chg="mod">
+          <ac:chgData name="Velani, Ankitkumar" userId="039f6639-35cd-4471-8ac8-1e78077ab1db" providerId="ADAL" clId="{1340E681-60A3-43C9-86A2-A614324C29E3}" dt="2022-09-09T02:46:59.997" v="1561" actId="20577"/>
+          <ac:spMkLst>
+            <pc:docMk/>
+            <pc:sldMk cId="1586293684" sldId="309"/>
+            <ac:spMk id="109" creationId="{00000000-0000-0000-0000-000000000000}"/>
+          </ac:spMkLst>
+        </pc:spChg>
+      </pc:sldChg>
+      <pc:sldChg chg="add del">
+        <pc:chgData name="Velani, Ankitkumar" userId="039f6639-35cd-4471-8ac8-1e78077ab1db" providerId="ADAL" clId="{1340E681-60A3-43C9-86A2-A614324C29E3}" dt="2022-09-08T15:23:35.121" v="271" actId="47"/>
+        <pc:sldMkLst>
+          <pc:docMk/>
+          <pc:sldMk cId="2995025662" sldId="309"/>
+        </pc:sldMkLst>
+      </pc:sldChg>
+      <pc:sldChg chg="delSp modSp add mod">
+        <pc:chgData name="Velani, Ankitkumar" userId="039f6639-35cd-4471-8ac8-1e78077ab1db" providerId="ADAL" clId="{1340E681-60A3-43C9-86A2-A614324C29E3}" dt="2022-09-09T02:51:19.280" v="1662" actId="5793"/>
+        <pc:sldMkLst>
+          <pc:docMk/>
+          <pc:sldMk cId="2623842265" sldId="310"/>
+        </pc:sldMkLst>
+        <pc:spChg chg="del">
+          <ac:chgData name="Velani, Ankitkumar" userId="039f6639-35cd-4471-8ac8-1e78077ab1db" providerId="ADAL" clId="{1340E681-60A3-43C9-86A2-A614324C29E3}" dt="2022-09-09T02:48:48.791" v="1592" actId="478"/>
+          <ac:spMkLst>
+            <pc:docMk/>
+            <pc:sldMk cId="2623842265" sldId="310"/>
+            <ac:spMk id="2" creationId="{73824065-2495-47FD-9A82-EC928C433F48}"/>
+          </ac:spMkLst>
+        </pc:spChg>
+        <pc:spChg chg="del">
+          <ac:chgData name="Velani, Ankitkumar" userId="039f6639-35cd-4471-8ac8-1e78077ab1db" providerId="ADAL" clId="{1340E681-60A3-43C9-86A2-A614324C29E3}" dt="2022-09-09T02:48:41.817" v="1589" actId="478"/>
+          <ac:spMkLst>
+            <pc:docMk/>
+            <pc:sldMk cId="2623842265" sldId="310"/>
+            <ac:spMk id="3" creationId="{1DF16D99-916A-48EB-B164-D6F1AF63EA35}"/>
+          </ac:spMkLst>
+        </pc:spChg>
+        <pc:spChg chg="del">
+          <ac:chgData name="Velani, Ankitkumar" userId="039f6639-35cd-4471-8ac8-1e78077ab1db" providerId="ADAL" clId="{1340E681-60A3-43C9-86A2-A614324C29E3}" dt="2022-09-09T02:48:47.273" v="1591" actId="478"/>
+          <ac:spMkLst>
+            <pc:docMk/>
+            <pc:sldMk cId="2623842265" sldId="310"/>
+            <ac:spMk id="9" creationId="{4054F86A-B8A7-469C-B67E-4D92E1DB07C8}"/>
+          </ac:spMkLst>
+        </pc:spChg>
+        <pc:spChg chg="del">
+          <ac:chgData name="Velani, Ankitkumar" userId="039f6639-35cd-4471-8ac8-1e78077ab1db" providerId="ADAL" clId="{1340E681-60A3-43C9-86A2-A614324C29E3}" dt="2022-09-09T02:48:44.998" v="1590" actId="478"/>
+          <ac:spMkLst>
+            <pc:docMk/>
+            <pc:sldMk cId="2623842265" sldId="310"/>
+            <ac:spMk id="10" creationId="{2A228307-70D6-4269-9C25-6CC272D4FF85}"/>
+          </ac:spMkLst>
+        </pc:spChg>
+        <pc:spChg chg="mod">
+          <ac:chgData name="Velani, Ankitkumar" userId="039f6639-35cd-4471-8ac8-1e78077ab1db" providerId="ADAL" clId="{1340E681-60A3-43C9-86A2-A614324C29E3}" dt="2022-09-09T02:51:19.280" v="1662" actId="5793"/>
+          <ac:spMkLst>
+            <pc:docMk/>
+            <pc:sldMk cId="2623842265" sldId="310"/>
+            <ac:spMk id="109" creationId="{00000000-0000-0000-0000-000000000000}"/>
+          </ac:spMkLst>
+        </pc:spChg>
+      </pc:sldChg>
+      <pc:sldChg chg="add del">
+        <pc:chgData name="Velani, Ankitkumar" userId="039f6639-35cd-4471-8ac8-1e78077ab1db" providerId="ADAL" clId="{1340E681-60A3-43C9-86A2-A614324C29E3}" dt="2022-09-08T15:23:35.738" v="272" actId="47"/>
+        <pc:sldMkLst>
+          <pc:docMk/>
+          <pc:sldMk cId="3743774038" sldId="310"/>
+        </pc:sldMkLst>
+      </pc:sldChg>
+      <pc:sldChg chg="addSp delSp modSp add mod">
+        <pc:chgData name="Velani, Ankitkumar" userId="039f6639-35cd-4471-8ac8-1e78077ab1db" providerId="ADAL" clId="{1340E681-60A3-43C9-86A2-A614324C29E3}" dt="2022-09-09T03:00:57.316" v="1817" actId="1038"/>
+        <pc:sldMkLst>
+          <pc:docMk/>
+          <pc:sldMk cId="2666916628" sldId="311"/>
+        </pc:sldMkLst>
+        <pc:spChg chg="add del">
+          <ac:chgData name="Velani, Ankitkumar" userId="039f6639-35cd-4471-8ac8-1e78077ab1db" providerId="ADAL" clId="{1340E681-60A3-43C9-86A2-A614324C29E3}" dt="2022-09-09T02:56:17.593" v="1731"/>
+          <ac:spMkLst>
+            <pc:docMk/>
+            <pc:sldMk cId="2666916628" sldId="311"/>
+            <ac:spMk id="2" creationId="{DB7CD58B-3CCD-41B9-9B92-F102D75BA61B}"/>
+          </ac:spMkLst>
+        </pc:spChg>
+        <pc:spChg chg="add del mod">
+          <ac:chgData name="Velani, Ankitkumar" userId="039f6639-35cd-4471-8ac8-1e78077ab1db" providerId="ADAL" clId="{1340E681-60A3-43C9-86A2-A614324C29E3}" dt="2022-09-09T02:56:22.710" v="1734" actId="478"/>
+          <ac:spMkLst>
+            <pc:docMk/>
+            <pc:sldMk cId="2666916628" sldId="311"/>
+            <ac:spMk id="3" creationId="{81880FD7-9F1A-446C-A549-EF3C911931CD}"/>
+          </ac:spMkLst>
+        </pc:spChg>
+        <pc:spChg chg="add mod">
+          <ac:chgData name="Velani, Ankitkumar" userId="039f6639-35cd-4471-8ac8-1e78077ab1db" providerId="ADAL" clId="{1340E681-60A3-43C9-86A2-A614324C29E3}" dt="2022-09-09T02:59:40.610" v="1783"/>
+          <ac:spMkLst>
+            <pc:docMk/>
+            <pc:sldMk cId="2666916628" sldId="311"/>
+            <ac:spMk id="8" creationId="{DDC6BBA7-39AC-4C36-8846-4F31F1AFFB90}"/>
+          </ac:spMkLst>
+        </pc:spChg>
+        <pc:spChg chg="add mod">
+          <ac:chgData name="Velani, Ankitkumar" userId="039f6639-35cd-4471-8ac8-1e78077ab1db" providerId="ADAL" clId="{1340E681-60A3-43C9-86A2-A614324C29E3}" dt="2022-09-09T03:00:28.888" v="1810" actId="1037"/>
+          <ac:spMkLst>
+            <pc:docMk/>
+            <pc:sldMk cId="2666916628" sldId="311"/>
+            <ac:spMk id="14" creationId="{857E0607-8876-42DB-B5A0-A92474BC8076}"/>
+          </ac:spMkLst>
+        </pc:spChg>
+        <pc:spChg chg="add del mod">
+          <ac:chgData name="Velani, Ankitkumar" userId="039f6639-35cd-4471-8ac8-1e78077ab1db" providerId="ADAL" clId="{1340E681-60A3-43C9-86A2-A614324C29E3}" dt="2022-09-09T02:58:30.256" v="1767"/>
+          <ac:spMkLst>
+            <pc:docMk/>
+            <pc:sldMk cId="2666916628" sldId="311"/>
+            <ac:spMk id="15" creationId="{800348C7-A55E-467F-AE3F-FB25B240D3BF}"/>
+          </ac:spMkLst>
+        </pc:spChg>
+        <pc:spChg chg="del mod">
+          <ac:chgData name="Velani, Ankitkumar" userId="039f6639-35cd-4471-8ac8-1e78077ab1db" providerId="ADAL" clId="{1340E681-60A3-43C9-86A2-A614324C29E3}" dt="2022-09-09T02:56:12.388" v="1729" actId="478"/>
+          <ac:spMkLst>
+            <pc:docMk/>
+            <pc:sldMk cId="2666916628" sldId="311"/>
+            <ac:spMk id="109" creationId="{00000000-0000-0000-0000-000000000000}"/>
+          </ac:spMkLst>
+        </pc:spChg>
+        <pc:picChg chg="add mod">
+          <ac:chgData name="Velani, Ankitkumar" userId="039f6639-35cd-4471-8ac8-1e78077ab1db" providerId="ADAL" clId="{1340E681-60A3-43C9-86A2-A614324C29E3}" dt="2022-09-09T02:58:05.998" v="1746" actId="208"/>
+          <ac:picMkLst>
+            <pc:docMk/>
+            <pc:sldMk cId="2666916628" sldId="311"/>
+            <ac:picMk id="5" creationId="{161CC3B4-A4EC-4853-8B36-03F8C15D64F1}"/>
+          </ac:picMkLst>
+        </pc:picChg>
+        <pc:picChg chg="add mod">
+          <ac:chgData name="Velani, Ankitkumar" userId="039f6639-35cd-4471-8ac8-1e78077ab1db" providerId="ADAL" clId="{1340E681-60A3-43C9-86A2-A614324C29E3}" dt="2022-09-09T02:57:48.300" v="1744" actId="1440"/>
+          <ac:picMkLst>
+            <pc:docMk/>
+            <pc:sldMk cId="2666916628" sldId="311"/>
+            <ac:picMk id="7" creationId="{D7D72AA9-75E2-46C1-9D0B-B3B594A71878}"/>
+          </ac:picMkLst>
+        </pc:picChg>
+        <pc:cxnChg chg="add mod">
+          <ac:chgData name="Velani, Ankitkumar" userId="039f6639-35cd-4471-8ac8-1e78077ab1db" providerId="ADAL" clId="{1340E681-60A3-43C9-86A2-A614324C29E3}" dt="2022-09-09T03:00:57.316" v="1817" actId="1038"/>
+          <ac:cxnSpMkLst>
+            <pc:docMk/>
+            <pc:sldMk cId="2666916628" sldId="311"/>
+            <ac:cxnSpMk id="10" creationId="{61C95CAF-69C7-495C-89DF-D5A4659A3E30}"/>
+          </ac:cxnSpMkLst>
+        </pc:cxnChg>
+        <pc:cxnChg chg="add mod">
+          <ac:chgData name="Velani, Ankitkumar" userId="039f6639-35cd-4471-8ac8-1e78077ab1db" providerId="ADAL" clId="{1340E681-60A3-43C9-86A2-A614324C29E3}" dt="2022-09-09T03:00:40.947" v="1813" actId="1037"/>
+          <ac:cxnSpMkLst>
+            <pc:docMk/>
+            <pc:sldMk cId="2666916628" sldId="311"/>
+            <ac:cxnSpMk id="12" creationId="{5C79C032-4434-4443-A06D-A830E8FB735A}"/>
+          </ac:cxnSpMkLst>
+        </pc:cxnChg>
+      </pc:sldChg>
+      <pc:sldChg chg="add del">
+        <pc:chgData name="Velani, Ankitkumar" userId="039f6639-35cd-4471-8ac8-1e78077ab1db" providerId="ADAL" clId="{1340E681-60A3-43C9-86A2-A614324C29E3}" dt="2022-09-08T15:23:45.418" v="274" actId="47"/>
+        <pc:sldMkLst>
+          <pc:docMk/>
+          <pc:sldMk cId="3535413999" sldId="311"/>
+        </pc:sldMkLst>
+      </pc:sldChg>
+      <pc:sldChg chg="add del">
+        <pc:chgData name="Velani, Ankitkumar" userId="039f6639-35cd-4471-8ac8-1e78077ab1db" providerId="ADAL" clId="{1340E681-60A3-43C9-86A2-A614324C29E3}" dt="2022-09-08T15:23:46.699" v="275" actId="47"/>
+        <pc:sldMkLst>
+          <pc:docMk/>
+          <pc:sldMk cId="2675418257" sldId="312"/>
+        </pc:sldMkLst>
+      </pc:sldChg>
+      <pc:sldChg chg="addSp delSp modSp add mod">
+        <pc:chgData name="Velani, Ankitkumar" userId="039f6639-35cd-4471-8ac8-1e78077ab1db" providerId="ADAL" clId="{1340E681-60A3-43C9-86A2-A614324C29E3}" dt="2022-09-09T03:04:25.467" v="1845" actId="14100"/>
+        <pc:sldMkLst>
+          <pc:docMk/>
+          <pc:sldMk cId="3785170993" sldId="312"/>
+        </pc:sldMkLst>
+        <pc:spChg chg="add del mod">
+          <ac:chgData name="Velani, Ankitkumar" userId="039f6639-35cd-4471-8ac8-1e78077ab1db" providerId="ADAL" clId="{1340E681-60A3-43C9-86A2-A614324C29E3}" dt="2022-09-09T03:03:21.555" v="1834"/>
+          <ac:spMkLst>
+            <pc:docMk/>
+            <pc:sldMk cId="3785170993" sldId="312"/>
+            <ac:spMk id="2" creationId="{2217D3EA-E58E-4EFD-82CC-F2C8B3FCD1D6}"/>
+          </ac:spMkLst>
+        </pc:spChg>
+        <pc:spChg chg="del">
+          <ac:chgData name="Velani, Ankitkumar" userId="039f6639-35cd-4471-8ac8-1e78077ab1db" providerId="ADAL" clId="{1340E681-60A3-43C9-86A2-A614324C29E3}" dt="2022-09-09T03:02:29.354" v="1821" actId="478"/>
+          <ac:spMkLst>
+            <pc:docMk/>
+            <pc:sldMk cId="3785170993" sldId="312"/>
+            <ac:spMk id="8" creationId="{DDC6BBA7-39AC-4C36-8846-4F31F1AFFB90}"/>
+          </ac:spMkLst>
+        </pc:spChg>
+        <pc:spChg chg="add mod">
+          <ac:chgData name="Velani, Ankitkumar" userId="039f6639-35cd-4471-8ac8-1e78077ab1db" providerId="ADAL" clId="{1340E681-60A3-43C9-86A2-A614324C29E3}" dt="2022-09-09T03:03:00.993" v="1830" actId="20577"/>
+          <ac:spMkLst>
+            <pc:docMk/>
+            <pc:sldMk cId="3785170993" sldId="312"/>
+            <ac:spMk id="13" creationId="{03C6A7A5-E466-44CD-B02B-85F9B86D8D56}"/>
+          </ac:spMkLst>
+        </pc:spChg>
+        <pc:spChg chg="del">
+          <ac:chgData name="Velani, Ankitkumar" userId="039f6639-35cd-4471-8ac8-1e78077ab1db" providerId="ADAL" clId="{1340E681-60A3-43C9-86A2-A614324C29E3}" dt="2022-09-09T03:02:38.058" v="1825" actId="478"/>
+          <ac:spMkLst>
+            <pc:docMk/>
+            <pc:sldMk cId="3785170993" sldId="312"/>
+            <ac:spMk id="14" creationId="{857E0607-8876-42DB-B5A0-A92474BC8076}"/>
+          </ac:spMkLst>
+        </pc:spChg>
+        <pc:spChg chg="mod">
+          <ac:chgData name="Velani, Ankitkumar" userId="039f6639-35cd-4471-8ac8-1e78077ab1db" providerId="ADAL" clId="{1340E681-60A3-43C9-86A2-A614324C29E3}" dt="2022-09-09T03:02:24.207" v="1819"/>
+          <ac:spMkLst>
+            <pc:docMk/>
+            <pc:sldMk cId="3785170993" sldId="312"/>
+            <ac:spMk id="108" creationId="{00000000-0000-0000-0000-000000000000}"/>
+          </ac:spMkLst>
+        </pc:spChg>
+        <pc:picChg chg="add del mod">
+          <ac:chgData name="Velani, Ankitkumar" userId="039f6639-35cd-4471-8ac8-1e78077ab1db" providerId="ADAL" clId="{1340E681-60A3-43C9-86A2-A614324C29E3}" dt="2022-09-09T03:03:50.353" v="1838" actId="478"/>
+          <ac:picMkLst>
+            <pc:docMk/>
+            <pc:sldMk cId="3785170993" sldId="312"/>
+            <ac:picMk id="4" creationId="{B73033A9-B8CD-4B91-AC36-1D89FB14A3E9}"/>
+          </ac:picMkLst>
+        </pc:picChg>
+        <pc:picChg chg="del">
+          <ac:chgData name="Velani, Ankitkumar" userId="039f6639-35cd-4471-8ac8-1e78077ab1db" providerId="ADAL" clId="{1340E681-60A3-43C9-86A2-A614324C29E3}" dt="2022-09-09T03:02:27.186" v="1820" actId="478"/>
+          <ac:picMkLst>
+            <pc:docMk/>
+            <pc:sldMk cId="3785170993" sldId="312"/>
+            <ac:picMk id="5" creationId="{161CC3B4-A4EC-4853-8B36-03F8C15D64F1}"/>
+          </ac:picMkLst>
+        </pc:picChg>
+        <pc:picChg chg="del">
+          <ac:chgData name="Velani, Ankitkumar" userId="039f6639-35cd-4471-8ac8-1e78077ab1db" providerId="ADAL" clId="{1340E681-60A3-43C9-86A2-A614324C29E3}" dt="2022-09-09T03:02:34.861" v="1823" actId="478"/>
+          <ac:picMkLst>
+            <pc:docMk/>
+            <pc:sldMk cId="3785170993" sldId="312"/>
+            <ac:picMk id="7" creationId="{D7D72AA9-75E2-46C1-9D0B-B3B594A71878}"/>
+          </ac:picMkLst>
+        </pc:picChg>
+        <pc:picChg chg="add mod modCrop">
+          <ac:chgData name="Velani, Ankitkumar" userId="039f6639-35cd-4471-8ac8-1e78077ab1db" providerId="ADAL" clId="{1340E681-60A3-43C9-86A2-A614324C29E3}" dt="2022-09-09T03:04:25.467" v="1845" actId="14100"/>
+          <ac:picMkLst>
+            <pc:docMk/>
+            <pc:sldMk cId="3785170993" sldId="312"/>
+            <ac:picMk id="9" creationId="{23C07B96-92CD-4C87-88CA-A1E53B995380}"/>
+          </ac:picMkLst>
+        </pc:picChg>
+        <pc:cxnChg chg="del">
+          <ac:chgData name="Velani, Ankitkumar" userId="039f6639-35cd-4471-8ac8-1e78077ab1db" providerId="ADAL" clId="{1340E681-60A3-43C9-86A2-A614324C29E3}" dt="2022-09-09T03:02:30.826" v="1822" actId="478"/>
+          <ac:cxnSpMkLst>
+            <pc:docMk/>
+            <pc:sldMk cId="3785170993" sldId="312"/>
+            <ac:cxnSpMk id="10" creationId="{61C95CAF-69C7-495C-89DF-D5A4659A3E30}"/>
+          </ac:cxnSpMkLst>
+        </pc:cxnChg>
+        <pc:cxnChg chg="del">
+          <ac:chgData name="Velani, Ankitkumar" userId="039f6639-35cd-4471-8ac8-1e78077ab1db" providerId="ADAL" clId="{1340E681-60A3-43C9-86A2-A614324C29E3}" dt="2022-09-09T03:02:36.076" v="1824" actId="478"/>
+          <ac:cxnSpMkLst>
+            <pc:docMk/>
+            <pc:sldMk cId="3785170993" sldId="312"/>
+            <ac:cxnSpMk id="12" creationId="{5C79C032-4434-4443-A06D-A830E8FB735A}"/>
+          </ac:cxnSpMkLst>
+        </pc:cxnChg>
+      </pc:sldChg>
+      <pc:sldChg chg="add del">
+        <pc:chgData name="Velani, Ankitkumar" userId="039f6639-35cd-4471-8ac8-1e78077ab1db" providerId="ADAL" clId="{1340E681-60A3-43C9-86A2-A614324C29E3}" dt="2022-09-08T15:23:47.185" v="276" actId="47"/>
+        <pc:sldMkLst>
+          <pc:docMk/>
+          <pc:sldMk cId="2772585780" sldId="313"/>
+        </pc:sldMkLst>
+      </pc:sldChg>
+      <pc:sldChg chg="addSp delSp modSp add mod">
+        <pc:chgData name="Velani, Ankitkumar" userId="039f6639-35cd-4471-8ac8-1e78077ab1db" providerId="ADAL" clId="{1340E681-60A3-43C9-86A2-A614324C29E3}" dt="2022-09-09T03:06:27.095" v="1854" actId="14100"/>
+        <pc:sldMkLst>
+          <pc:docMk/>
+          <pc:sldMk cId="3490158369" sldId="313"/>
+        </pc:sldMkLst>
+        <pc:spChg chg="mod">
+          <ac:chgData name="Velani, Ankitkumar" userId="039f6639-35cd-4471-8ac8-1e78077ab1db" providerId="ADAL" clId="{1340E681-60A3-43C9-86A2-A614324C29E3}" dt="2022-09-09T03:05:48.281" v="1851" actId="20577"/>
+          <ac:spMkLst>
+            <pc:docMk/>
+            <pc:sldMk cId="3490158369" sldId="313"/>
+            <ac:spMk id="13" creationId="{03C6A7A5-E466-44CD-B02B-85F9B86D8D56}"/>
+          </ac:spMkLst>
+        </pc:spChg>
+        <pc:spChg chg="mod">
+          <ac:chgData name="Velani, Ankitkumar" userId="039f6639-35cd-4471-8ac8-1e78077ab1db" providerId="ADAL" clId="{1340E681-60A3-43C9-86A2-A614324C29E3}" dt="2022-09-09T03:05:15.243" v="1847"/>
+          <ac:spMkLst>
+            <pc:docMk/>
+            <pc:sldMk cId="3490158369" sldId="313"/>
+            <ac:spMk id="108" creationId="{00000000-0000-0000-0000-000000000000}"/>
+          </ac:spMkLst>
+        </pc:spChg>
+        <pc:picChg chg="add mod">
+          <ac:chgData name="Velani, Ankitkumar" userId="039f6639-35cd-4471-8ac8-1e78077ab1db" providerId="ADAL" clId="{1340E681-60A3-43C9-86A2-A614324C29E3}" dt="2022-09-09T03:06:27.095" v="1854" actId="14100"/>
+          <ac:picMkLst>
+            <pc:docMk/>
+            <pc:sldMk cId="3490158369" sldId="313"/>
+            <ac:picMk id="3" creationId="{FEDB3D5E-3B6B-4827-87FB-5B99BED3D05E}"/>
+          </ac:picMkLst>
+        </pc:picChg>
+        <pc:picChg chg="del">
+          <ac:chgData name="Velani, Ankitkumar" userId="039f6639-35cd-4471-8ac8-1e78077ab1db" providerId="ADAL" clId="{1340E681-60A3-43C9-86A2-A614324C29E3}" dt="2022-09-09T03:05:21.841" v="1848" actId="478"/>
+          <ac:picMkLst>
+            <pc:docMk/>
+            <pc:sldMk cId="3490158369" sldId="313"/>
+            <ac:picMk id="9" creationId="{23C07B96-92CD-4C87-88CA-A1E53B995380}"/>
+          </ac:picMkLst>
+        </pc:picChg>
+      </pc:sldChg>
+      <pc:sldChg chg="add del">
+        <pc:chgData name="Velani, Ankitkumar" userId="039f6639-35cd-4471-8ac8-1e78077ab1db" providerId="ADAL" clId="{1340E681-60A3-43C9-86A2-A614324C29E3}" dt="2022-09-08T15:23:56.416" v="282" actId="47"/>
+        <pc:sldMkLst>
+          <pc:docMk/>
+          <pc:sldMk cId="967904056" sldId="314"/>
+        </pc:sldMkLst>
+      </pc:sldChg>
+      <pc:sldChg chg="addSp delSp modSp add mod">
+        <pc:chgData name="Velani, Ankitkumar" userId="039f6639-35cd-4471-8ac8-1e78077ab1db" providerId="ADAL" clId="{1340E681-60A3-43C9-86A2-A614324C29E3}" dt="2022-09-09T03:19:25.354" v="2044" actId="14100"/>
+        <pc:sldMkLst>
+          <pc:docMk/>
+          <pc:sldMk cId="2618532024" sldId="314"/>
+        </pc:sldMkLst>
+        <pc:spChg chg="add mod">
+          <ac:chgData name="Velani, Ankitkumar" userId="039f6639-35cd-4471-8ac8-1e78077ab1db" providerId="ADAL" clId="{1340E681-60A3-43C9-86A2-A614324C29E3}" dt="2022-09-09T03:16:38.966" v="1878" actId="208"/>
+          <ac:spMkLst>
+            <pc:docMk/>
+            <pc:sldMk cId="2618532024" sldId="314"/>
+            <ac:spMk id="8" creationId="{705C474F-DDA9-4B51-BA31-F0C930DE1ABF}"/>
+          </ac:spMkLst>
+        </pc:spChg>
+        <pc:spChg chg="add mod">
+          <ac:chgData name="Velani, Ankitkumar" userId="039f6639-35cd-4471-8ac8-1e78077ab1db" providerId="ADAL" clId="{1340E681-60A3-43C9-86A2-A614324C29E3}" dt="2022-09-09T03:19:25.354" v="2044" actId="14100"/>
+          <ac:spMkLst>
+            <pc:docMk/>
+            <pc:sldMk cId="2618532024" sldId="314"/>
+            <ac:spMk id="9" creationId="{1DF6D864-4962-40F0-AA63-88A2C0478874}"/>
+          </ac:spMkLst>
+        </pc:spChg>
+        <pc:spChg chg="mod">
+          <ac:chgData name="Velani, Ankitkumar" userId="039f6639-35cd-4471-8ac8-1e78077ab1db" providerId="ADAL" clId="{1340E681-60A3-43C9-86A2-A614324C29E3}" dt="2022-09-09T03:09:31.518" v="1860" actId="21"/>
+          <ac:spMkLst>
+            <pc:docMk/>
+            <pc:sldMk cId="2618532024" sldId="314"/>
+            <ac:spMk id="109" creationId="{00000000-0000-0000-0000-000000000000}"/>
+          </ac:spMkLst>
+        </pc:spChg>
+        <pc:picChg chg="add del mod">
+          <ac:chgData name="Velani, Ankitkumar" userId="039f6639-35cd-4471-8ac8-1e78077ab1db" providerId="ADAL" clId="{1340E681-60A3-43C9-86A2-A614324C29E3}" dt="2022-09-09T03:14:05.705" v="1865" actId="478"/>
+          <ac:picMkLst>
+            <pc:docMk/>
+            <pc:sldMk cId="2618532024" sldId="314"/>
+            <ac:picMk id="3" creationId="{95D91836-3D1C-44D1-8BE5-7C4AE7D7154D}"/>
+          </ac:picMkLst>
+        </pc:picChg>
+        <pc:picChg chg="add del mod">
+          <ac:chgData name="Velani, Ankitkumar" userId="039f6639-35cd-4471-8ac8-1e78077ab1db" providerId="ADAL" clId="{1340E681-60A3-43C9-86A2-A614324C29E3}" dt="2022-09-09T03:15:53.807" v="1870" actId="478"/>
+          <ac:picMkLst>
+            <pc:docMk/>
+            <pc:sldMk cId="2618532024" sldId="314"/>
+            <ac:picMk id="5" creationId="{1B4B2A00-95F4-4098-AA93-2BB92B248140}"/>
+          </ac:picMkLst>
+        </pc:picChg>
+        <pc:picChg chg="add mod">
+          <ac:chgData name="Velani, Ankitkumar" userId="039f6639-35cd-4471-8ac8-1e78077ab1db" providerId="ADAL" clId="{1340E681-60A3-43C9-86A2-A614324C29E3}" dt="2022-09-09T03:16:01.928" v="1873" actId="14100"/>
+          <ac:picMkLst>
+            <pc:docMk/>
+            <pc:sldMk cId="2618532024" sldId="314"/>
+            <ac:picMk id="7" creationId="{10F2695B-6D81-400A-BB90-615F5E13AD2F}"/>
+          </ac:picMkLst>
+        </pc:picChg>
+      </pc:sldChg>
+      <pc:sldChg chg="add del">
+        <pc:chgData name="Velani, Ankitkumar" userId="039f6639-35cd-4471-8ac8-1e78077ab1db" providerId="ADAL" clId="{1340E681-60A3-43C9-86A2-A614324C29E3}" dt="2022-09-08T15:23:53.325" v="277" actId="47"/>
+        <pc:sldMkLst>
+          <pc:docMk/>
+          <pc:sldMk cId="1220571586" sldId="315"/>
+        </pc:sldMkLst>
+      </pc:sldChg>
+      <pc:sldChg chg="add del">
+        <pc:chgData name="Velani, Ankitkumar" userId="039f6639-35cd-4471-8ac8-1e78077ab1db" providerId="ADAL" clId="{1340E681-60A3-43C9-86A2-A614324C29E3}" dt="2022-09-08T15:23:54.127" v="278" actId="47"/>
+        <pc:sldMkLst>
+          <pc:docMk/>
+          <pc:sldMk cId="1006699271" sldId="316"/>
+        </pc:sldMkLst>
+      </pc:sldChg>
+      <pc:sldChg chg="modSp new mod">
+        <pc:chgData name="Velani, Ankitkumar" userId="039f6639-35cd-4471-8ac8-1e78077ab1db" providerId="ADAL" clId="{1340E681-60A3-43C9-86A2-A614324C29E3}" dt="2022-09-17T03:13:27.668" v="13872" actId="20577"/>
+        <pc:sldMkLst>
+          <pc:docMk/>
+          <pc:sldMk cId="506897760" sldId="317"/>
+        </pc:sldMkLst>
+        <pc:spChg chg="mod">
+          <ac:chgData name="Velani, Ankitkumar" userId="039f6639-35cd-4471-8ac8-1e78077ab1db" providerId="ADAL" clId="{1340E681-60A3-43C9-86A2-A614324C29E3}" dt="2022-09-16T08:02:17.171" v="2083" actId="20577"/>
+          <ac:spMkLst>
+            <pc:docMk/>
+            <pc:sldMk cId="506897760" sldId="317"/>
+            <ac:spMk id="2" creationId="{9F837788-56EF-4088-BC93-C4434B0D7699}"/>
+          </ac:spMkLst>
+        </pc:spChg>
+        <pc:spChg chg="mod">
+          <ac:chgData name="Velani, Ankitkumar" userId="039f6639-35cd-4471-8ac8-1e78077ab1db" providerId="ADAL" clId="{1340E681-60A3-43C9-86A2-A614324C29E3}" dt="2022-09-17T03:13:27.668" v="13872" actId="20577"/>
+          <ac:spMkLst>
+            <pc:docMk/>
+            <pc:sldMk cId="506897760" sldId="317"/>
+            <ac:spMk id="3" creationId="{94109C72-812E-422E-B62B-0E6BC222A87B}"/>
+          </ac:spMkLst>
+        </pc:spChg>
+      </pc:sldChg>
+      <pc:sldChg chg="add del">
+        <pc:chgData name="Velani, Ankitkumar" userId="039f6639-35cd-4471-8ac8-1e78077ab1db" providerId="ADAL" clId="{1340E681-60A3-43C9-86A2-A614324C29E3}" dt="2022-09-08T15:23:54.580" v="279" actId="47"/>
+        <pc:sldMkLst>
+          <pc:docMk/>
+          <pc:sldMk cId="3804771162" sldId="317"/>
+        </pc:sldMkLst>
+      </pc:sldChg>
+      <pc:sldChg chg="add del">
+        <pc:chgData name="Velani, Ankitkumar" userId="039f6639-35cd-4471-8ac8-1e78077ab1db" providerId="ADAL" clId="{1340E681-60A3-43C9-86A2-A614324C29E3}" dt="2022-09-08T15:23:55.028" v="280" actId="47"/>
+        <pc:sldMkLst>
+          <pc:docMk/>
+          <pc:sldMk cId="882034974" sldId="318"/>
+        </pc:sldMkLst>
+      </pc:sldChg>
+      <pc:sldChg chg="modSp new mod">
+        <pc:chgData name="Velani, Ankitkumar" userId="039f6639-35cd-4471-8ac8-1e78077ab1db" providerId="ADAL" clId="{1340E681-60A3-43C9-86A2-A614324C29E3}" dt="2022-09-16T08:12:56.950" v="2921" actId="207"/>
+        <pc:sldMkLst>
+          <pc:docMk/>
+          <pc:sldMk cId="4079943098" sldId="318"/>
+        </pc:sldMkLst>
+        <pc:spChg chg="mod">
+          <ac:chgData name="Velani, Ankitkumar" userId="039f6639-35cd-4471-8ac8-1e78077ab1db" providerId="ADAL" clId="{1340E681-60A3-43C9-86A2-A614324C29E3}" dt="2022-09-16T08:05:18.624" v="2377" actId="20577"/>
+          <ac:spMkLst>
+            <pc:docMk/>
+            <pc:sldMk cId="4079943098" sldId="318"/>
+            <ac:spMk id="2" creationId="{5A9CE919-3EF4-4D25-BB9E-524589E72E44}"/>
+          </ac:spMkLst>
+        </pc:spChg>
+        <pc:spChg chg="mod">
+          <ac:chgData name="Velani, Ankitkumar" userId="039f6639-35cd-4471-8ac8-1e78077ab1db" providerId="ADAL" clId="{1340E681-60A3-43C9-86A2-A614324C29E3}" dt="2022-09-16T08:12:56.950" v="2921" actId="207"/>
+          <ac:spMkLst>
+            <pc:docMk/>
+            <pc:sldMk cId="4079943098" sldId="318"/>
+            <ac:spMk id="3" creationId="{D8F3A0AA-EEA9-4AC9-8042-81AF1DE9E5E3}"/>
+          </ac:spMkLst>
+        </pc:spChg>
+      </pc:sldChg>
+      <pc:sldChg chg="add del">
+        <pc:chgData name="Velani, Ankitkumar" userId="039f6639-35cd-4471-8ac8-1e78077ab1db" providerId="ADAL" clId="{1340E681-60A3-43C9-86A2-A614324C29E3}" dt="2022-09-08T15:23:55.366" v="281" actId="47"/>
+        <pc:sldMkLst>
+          <pc:docMk/>
+          <pc:sldMk cId="2257831915" sldId="319"/>
+        </pc:sldMkLst>
+      </pc:sldChg>
+      <pc:sldChg chg="modSp add mod">
+        <pc:chgData name="Velani, Ankitkumar" userId="039f6639-35cd-4471-8ac8-1e78077ab1db" providerId="ADAL" clId="{1340E681-60A3-43C9-86A2-A614324C29E3}" dt="2022-09-16T08:16:12.159" v="3168" actId="20577"/>
+        <pc:sldMkLst>
+          <pc:docMk/>
+          <pc:sldMk cId="2467551705" sldId="319"/>
+        </pc:sldMkLst>
+        <pc:spChg chg="mod">
+          <ac:chgData name="Velani, Ankitkumar" userId="039f6639-35cd-4471-8ac8-1e78077ab1db" providerId="ADAL" clId="{1340E681-60A3-43C9-86A2-A614324C29E3}" dt="2022-09-16T08:16:12.159" v="3168" actId="20577"/>
+          <ac:spMkLst>
+            <pc:docMk/>
+            <pc:sldMk cId="2467551705" sldId="319"/>
+            <ac:spMk id="3" creationId="{D8F3A0AA-EEA9-4AC9-8042-81AF1DE9E5E3}"/>
+          </ac:spMkLst>
+        </pc:spChg>
+      </pc:sldChg>
+      <pc:sldChg chg="add del">
+        <pc:chgData name="Velani, Ankitkumar" userId="039f6639-35cd-4471-8ac8-1e78077ab1db" providerId="ADAL" clId="{1340E681-60A3-43C9-86A2-A614324C29E3}" dt="2022-09-08T15:20:49.604" v="141" actId="47"/>
+        <pc:sldMkLst>
+          <pc:docMk/>
+          <pc:sldMk cId="1003457964" sldId="320"/>
+        </pc:sldMkLst>
+      </pc:sldChg>
+      <pc:sldChg chg="addSp delSp modSp add mod">
+        <pc:chgData name="Velani, Ankitkumar" userId="039f6639-35cd-4471-8ac8-1e78077ab1db" providerId="ADAL" clId="{1340E681-60A3-43C9-86A2-A614324C29E3}" dt="2022-09-16T14:19:36.298" v="13840"/>
+        <pc:sldMkLst>
+          <pc:docMk/>
+          <pc:sldMk cId="3872793968" sldId="320"/>
+        </pc:sldMkLst>
+        <pc:spChg chg="mod">
+          <ac:chgData name="Velani, Ankitkumar" userId="039f6639-35cd-4471-8ac8-1e78077ab1db" providerId="ADAL" clId="{1340E681-60A3-43C9-86A2-A614324C29E3}" dt="2022-09-16T08:23:11.282" v="3685" actId="403"/>
+          <ac:spMkLst>
+            <pc:docMk/>
+            <pc:sldMk cId="3872793968" sldId="320"/>
+            <ac:spMk id="3" creationId="{D8F3A0AA-EEA9-4AC9-8042-81AF1DE9E5E3}"/>
+          </ac:spMkLst>
+        </pc:spChg>
+        <pc:spChg chg="add del mod">
+          <ac:chgData name="Velani, Ankitkumar" userId="039f6639-35cd-4471-8ac8-1e78077ab1db" providerId="ADAL" clId="{1340E681-60A3-43C9-86A2-A614324C29E3}" dt="2022-09-16T14:19:36.298" v="13840"/>
+          <ac:spMkLst>
+            <pc:docMk/>
+            <pc:sldMk cId="3872793968" sldId="320"/>
+            <ac:spMk id="7" creationId="{3B18D3A3-1D6A-4860-966B-CA699D718EF3}"/>
+          </ac:spMkLst>
+        </pc:spChg>
+      </pc:sldChg>
+      <pc:sldChg chg="delSp modSp add mod">
+        <pc:chgData name="Velani, Ankitkumar" userId="039f6639-35cd-4471-8ac8-1e78077ab1db" providerId="ADAL" clId="{1340E681-60A3-43C9-86A2-A614324C29E3}" dt="2022-09-16T08:33:46.621" v="4125" actId="108"/>
+        <pc:sldMkLst>
+          <pc:docMk/>
+          <pc:sldMk cId="3673499148" sldId="321"/>
+        </pc:sldMkLst>
+        <pc:spChg chg="mod">
+          <ac:chgData name="Velani, Ankitkumar" userId="039f6639-35cd-4471-8ac8-1e78077ab1db" providerId="ADAL" clId="{1340E681-60A3-43C9-86A2-A614324C29E3}" dt="2022-09-16T08:28:18.388" v="3713" actId="20577"/>
+          <ac:spMkLst>
+            <pc:docMk/>
+            <pc:sldMk cId="3673499148" sldId="321"/>
+            <ac:spMk id="2" creationId="{5A9CE919-3EF4-4D25-BB9E-524589E72E44}"/>
+          </ac:spMkLst>
+        </pc:spChg>
+        <pc:spChg chg="mod">
+          <ac:chgData name="Velani, Ankitkumar" userId="039f6639-35cd-4471-8ac8-1e78077ab1db" providerId="ADAL" clId="{1340E681-60A3-43C9-86A2-A614324C29E3}" dt="2022-09-16T08:33:46.621" v="4125" actId="108"/>
+          <ac:spMkLst>
+            <pc:docMk/>
+            <pc:sldMk cId="3673499148" sldId="321"/>
+            <ac:spMk id="3" creationId="{D8F3A0AA-EEA9-4AC9-8042-81AF1DE9E5E3}"/>
+          </ac:spMkLst>
+        </pc:spChg>
+        <pc:spChg chg="del">
+          <ac:chgData name="Velani, Ankitkumar" userId="039f6639-35cd-4471-8ac8-1e78077ab1db" providerId="ADAL" clId="{1340E681-60A3-43C9-86A2-A614324C29E3}" dt="2022-09-16T08:30:00.936" v="3934" actId="478"/>
+          <ac:spMkLst>
+            <pc:docMk/>
+            <pc:sldMk cId="3673499148" sldId="321"/>
+            <ac:spMk id="7" creationId="{3B18D3A3-1D6A-4860-966B-CA699D718EF3}"/>
+          </ac:spMkLst>
+        </pc:spChg>
+      </pc:sldChg>
+      <pc:sldChg chg="modSp add mod">
+        <pc:chgData name="Velani, Ankitkumar" userId="039f6639-35cd-4471-8ac8-1e78077ab1db" providerId="ADAL" clId="{1340E681-60A3-43C9-86A2-A614324C29E3}" dt="2022-09-16T08:36:23.394" v="4323" actId="20577"/>
+        <pc:sldMkLst>
+          <pc:docMk/>
+          <pc:sldMk cId="3529883501" sldId="322"/>
+        </pc:sldMkLst>
+        <pc:spChg chg="mod">
+          <ac:chgData name="Velani, Ankitkumar" userId="039f6639-35cd-4471-8ac8-1e78077ab1db" providerId="ADAL" clId="{1340E681-60A3-43C9-86A2-A614324C29E3}" dt="2022-09-16T08:36:23.394" v="4323" actId="20577"/>
+          <ac:spMkLst>
+            <pc:docMk/>
+            <pc:sldMk cId="3529883501" sldId="322"/>
+            <ac:spMk id="3" creationId="{D8F3A0AA-EEA9-4AC9-8042-81AF1DE9E5E3}"/>
+          </ac:spMkLst>
+        </pc:spChg>
+      </pc:sldChg>
+      <pc:sldChg chg="modSp add mod">
+        <pc:chgData name="Velani, Ankitkumar" userId="039f6639-35cd-4471-8ac8-1e78077ab1db" providerId="ADAL" clId="{1340E681-60A3-43C9-86A2-A614324C29E3}" dt="2022-09-16T08:40:23.558" v="4847" actId="20577"/>
+        <pc:sldMkLst>
+          <pc:docMk/>
+          <pc:sldMk cId="241652326" sldId="323"/>
+        </pc:sldMkLst>
+        <pc:spChg chg="mod">
+          <ac:chgData name="Velani, Ankitkumar" userId="039f6639-35cd-4471-8ac8-1e78077ab1db" providerId="ADAL" clId="{1340E681-60A3-43C9-86A2-A614324C29E3}" dt="2022-09-16T08:40:23.558" v="4847" actId="20577"/>
+          <ac:spMkLst>
+            <pc:docMk/>
+            <pc:sldMk cId="241652326" sldId="323"/>
+            <ac:spMk id="3" creationId="{D8F3A0AA-EEA9-4AC9-8042-81AF1DE9E5E3}"/>
+          </ac:spMkLst>
+        </pc:spChg>
+      </pc:sldChg>
+      <pc:sldChg chg="modSp add mod">
+        <pc:chgData name="Velani, Ankitkumar" userId="039f6639-35cd-4471-8ac8-1e78077ab1db" providerId="ADAL" clId="{1340E681-60A3-43C9-86A2-A614324C29E3}" dt="2022-09-16T08:44:17.609" v="5124"/>
+        <pc:sldMkLst>
+          <pc:docMk/>
+          <pc:sldMk cId="2259152632" sldId="324"/>
+        </pc:sldMkLst>
+        <pc:spChg chg="mod">
+          <ac:chgData name="Velani, Ankitkumar" userId="039f6639-35cd-4471-8ac8-1e78077ab1db" providerId="ADAL" clId="{1340E681-60A3-43C9-86A2-A614324C29E3}" dt="2022-09-16T08:44:17.609" v="5124"/>
+          <ac:spMkLst>
+            <pc:docMk/>
+            <pc:sldMk cId="2259152632" sldId="324"/>
+            <ac:spMk id="3" creationId="{D8F3A0AA-EEA9-4AC9-8042-81AF1DE9E5E3}"/>
+          </ac:spMkLst>
+        </pc:spChg>
+      </pc:sldChg>
+      <pc:sldChg chg="modSp new mod">
+        <pc:chgData name="Velani, Ankitkumar" userId="039f6639-35cd-4471-8ac8-1e78077ab1db" providerId="ADAL" clId="{1340E681-60A3-43C9-86A2-A614324C29E3}" dt="2022-09-16T09:14:45.075" v="6833" actId="114"/>
+        <pc:sldMkLst>
+          <pc:docMk/>
+          <pc:sldMk cId="233899321" sldId="325"/>
+        </pc:sldMkLst>
+        <pc:spChg chg="mod">
+          <ac:chgData name="Velani, Ankitkumar" userId="039f6639-35cd-4471-8ac8-1e78077ab1db" providerId="ADAL" clId="{1340E681-60A3-43C9-86A2-A614324C29E3}" dt="2022-09-16T09:11:33.676" v="6362" actId="20577"/>
+          <ac:spMkLst>
+            <pc:docMk/>
+            <pc:sldMk cId="233899321" sldId="325"/>
+            <ac:spMk id="2" creationId="{E3406395-9EBC-45BB-911E-58402D0ABDB9}"/>
+          </ac:spMkLst>
+        </pc:spChg>
+        <pc:spChg chg="mod">
+          <ac:chgData name="Velani, Ankitkumar" userId="039f6639-35cd-4471-8ac8-1e78077ab1db" providerId="ADAL" clId="{1340E681-60A3-43C9-86A2-A614324C29E3}" dt="2022-09-16T09:14:45.075" v="6833" actId="114"/>
+          <ac:spMkLst>
+            <pc:docMk/>
+            <pc:sldMk cId="233899321" sldId="325"/>
+            <ac:spMk id="3" creationId="{CE7B9E59-1E6D-40DF-89DE-D72987E646C6}"/>
+          </ac:spMkLst>
+        </pc:spChg>
+      </pc:sldChg>
+      <pc:sldChg chg="modSp add mod">
+        <pc:chgData name="Velani, Ankitkumar" userId="039f6639-35cd-4471-8ac8-1e78077ab1db" providerId="ADAL" clId="{1340E681-60A3-43C9-86A2-A614324C29E3}" dt="2022-09-16T08:51:39.421" v="5705" actId="20577"/>
+        <pc:sldMkLst>
+          <pc:docMk/>
+          <pc:sldMk cId="4134971013" sldId="326"/>
+        </pc:sldMkLst>
+        <pc:spChg chg="mod">
+          <ac:chgData name="Velani, Ankitkumar" userId="039f6639-35cd-4471-8ac8-1e78077ab1db" providerId="ADAL" clId="{1340E681-60A3-43C9-86A2-A614324C29E3}" dt="2022-09-16T08:46:27.145" v="5155" actId="20577"/>
+          <ac:spMkLst>
+            <pc:docMk/>
+            <pc:sldMk cId="4134971013" sldId="326"/>
+            <ac:spMk id="2" creationId="{5A9CE919-3EF4-4D25-BB9E-524589E72E44}"/>
+          </ac:spMkLst>
+        </pc:spChg>
+        <pc:spChg chg="mod">
+          <ac:chgData name="Velani, Ankitkumar" userId="039f6639-35cd-4471-8ac8-1e78077ab1db" providerId="ADAL" clId="{1340E681-60A3-43C9-86A2-A614324C29E3}" dt="2022-09-16T08:51:39.421" v="5705" actId="20577"/>
+          <ac:spMkLst>
+            <pc:docMk/>
+            <pc:sldMk cId="4134971013" sldId="326"/>
+            <ac:spMk id="3" creationId="{D8F3A0AA-EEA9-4AC9-8042-81AF1DE9E5E3}"/>
+          </ac:spMkLst>
+        </pc:spChg>
+      </pc:sldChg>
+      <pc:sldChg chg="addSp delSp modSp add mod">
+        <pc:chgData name="Velani, Ankitkumar" userId="039f6639-35cd-4471-8ac8-1e78077ab1db" providerId="ADAL" clId="{1340E681-60A3-43C9-86A2-A614324C29E3}" dt="2022-09-16T08:53:08.237" v="5848" actId="22"/>
+        <pc:sldMkLst>
+          <pc:docMk/>
+          <pc:sldMk cId="4291762077" sldId="327"/>
+        </pc:sldMkLst>
+        <pc:spChg chg="mod">
+          <ac:chgData name="Velani, Ankitkumar" userId="039f6639-35cd-4471-8ac8-1e78077ab1db" providerId="ADAL" clId="{1340E681-60A3-43C9-86A2-A614324C29E3}" dt="2022-09-16T08:53:03.381" v="5846" actId="20577"/>
+          <ac:spMkLst>
+            <pc:docMk/>
+            <pc:sldMk cId="4291762077" sldId="327"/>
+            <ac:spMk id="2" creationId="{5A9CE919-3EF4-4D25-BB9E-524589E72E44}"/>
+          </ac:spMkLst>
+        </pc:spChg>
+        <pc:spChg chg="mod">
+          <ac:chgData name="Velani, Ankitkumar" userId="039f6639-35cd-4471-8ac8-1e78077ab1db" providerId="ADAL" clId="{1340E681-60A3-43C9-86A2-A614324C29E3}" dt="2022-09-16T08:52:33.820" v="5824" actId="20577"/>
+          <ac:spMkLst>
+            <pc:docMk/>
+            <pc:sldMk cId="4291762077" sldId="327"/>
+            <ac:spMk id="3" creationId="{D8F3A0AA-EEA9-4AC9-8042-81AF1DE9E5E3}"/>
+          </ac:spMkLst>
+        </pc:spChg>
+        <pc:spChg chg="add del">
+          <ac:chgData name="Velani, Ankitkumar" userId="039f6639-35cd-4471-8ac8-1e78077ab1db" providerId="ADAL" clId="{1340E681-60A3-43C9-86A2-A614324C29E3}" dt="2022-09-16T08:53:08.237" v="5848" actId="22"/>
+          <ac:spMkLst>
+            <pc:docMk/>
+            <pc:sldMk cId="4291762077" sldId="327"/>
+            <ac:spMk id="8" creationId="{70FDE504-2910-41B3-99D3-2BDECDA392CE}"/>
+          </ac:spMkLst>
+        </pc:spChg>
+      </pc:sldChg>
+      <pc:sldChg chg="addSp delSp modSp add mod">
+        <pc:chgData name="Velani, Ankitkumar" userId="039f6639-35cd-4471-8ac8-1e78077ab1db" providerId="ADAL" clId="{1340E681-60A3-43C9-86A2-A614324C29E3}" dt="2022-09-16T08:55:47.076" v="6065" actId="207"/>
+        <pc:sldMkLst>
+          <pc:docMk/>
+          <pc:sldMk cId="1493480280" sldId="328"/>
+        </pc:sldMkLst>
+        <pc:spChg chg="mod">
+          <ac:chgData name="Velani, Ankitkumar" userId="039f6639-35cd-4471-8ac8-1e78077ab1db" providerId="ADAL" clId="{1340E681-60A3-43C9-86A2-A614324C29E3}" dt="2022-09-16T08:55:47.076" v="6065" actId="207"/>
+          <ac:spMkLst>
+            <pc:docMk/>
+            <pc:sldMk cId="1493480280" sldId="328"/>
+            <ac:spMk id="3" creationId="{D8F3A0AA-EEA9-4AC9-8042-81AF1DE9E5E3}"/>
+          </ac:spMkLst>
+        </pc:spChg>
+        <pc:spChg chg="add del">
+          <ac:chgData name="Velani, Ankitkumar" userId="039f6639-35cd-4471-8ac8-1e78077ab1db" providerId="ADAL" clId="{1340E681-60A3-43C9-86A2-A614324C29E3}" dt="2022-09-16T08:54:45.313" v="6011" actId="478"/>
+          <ac:spMkLst>
+            <pc:docMk/>
+            <pc:sldMk cId="1493480280" sldId="328"/>
+            <ac:spMk id="8" creationId="{4B472B68-D326-4A5E-A4EC-B61C829E7A41}"/>
+          </ac:spMkLst>
+        </pc:spChg>
+      </pc:sldChg>
+      <pc:sldChg chg="modSp add mod">
+        <pc:chgData name="Velani, Ankitkumar" userId="039f6639-35cd-4471-8ac8-1e78077ab1db" providerId="ADAL" clId="{1340E681-60A3-43C9-86A2-A614324C29E3}" dt="2022-09-16T09:05:04.164" v="6330" actId="1035"/>
+        <pc:sldMkLst>
+          <pc:docMk/>
+          <pc:sldMk cId="2367872627" sldId="329"/>
+        </pc:sldMkLst>
+        <pc:spChg chg="mod">
+          <ac:chgData name="Velani, Ankitkumar" userId="039f6639-35cd-4471-8ac8-1e78077ab1db" providerId="ADAL" clId="{1340E681-60A3-43C9-86A2-A614324C29E3}" dt="2022-09-16T09:05:01.644" v="6323" actId="1035"/>
+          <ac:spMkLst>
+            <pc:docMk/>
+            <pc:sldMk cId="2367872627" sldId="329"/>
+            <ac:spMk id="2" creationId="{5A9CE919-3EF4-4D25-BB9E-524589E72E44}"/>
+          </ac:spMkLst>
+        </pc:spChg>
+        <pc:spChg chg="mod">
+          <ac:chgData name="Velani, Ankitkumar" userId="039f6639-35cd-4471-8ac8-1e78077ab1db" providerId="ADAL" clId="{1340E681-60A3-43C9-86A2-A614324C29E3}" dt="2022-09-16T09:05:04.164" v="6330" actId="1035"/>
+          <ac:spMkLst>
+            <pc:docMk/>
+            <pc:sldMk cId="2367872627" sldId="329"/>
+            <ac:spMk id="3" creationId="{D8F3A0AA-EEA9-4AC9-8042-81AF1DE9E5E3}"/>
+          </ac:spMkLst>
+        </pc:spChg>
+      </pc:sldChg>
+      <pc:sldChg chg="modSp add mod">
+        <pc:chgData name="Velani, Ankitkumar" userId="039f6639-35cd-4471-8ac8-1e78077ab1db" providerId="ADAL" clId="{1340E681-60A3-43C9-86A2-A614324C29E3}" dt="2022-09-16T09:17:48.785" v="6959" actId="20577"/>
+        <pc:sldMkLst>
+          <pc:docMk/>
+          <pc:sldMk cId="4061011985" sldId="330"/>
+        </pc:sldMkLst>
+        <pc:spChg chg="mod">
+          <ac:chgData name="Velani, Ankitkumar" userId="039f6639-35cd-4471-8ac8-1e78077ab1db" providerId="ADAL" clId="{1340E681-60A3-43C9-86A2-A614324C29E3}" dt="2022-09-16T09:17:48.785" v="6959" actId="20577"/>
+          <ac:spMkLst>
+            <pc:docMk/>
+            <pc:sldMk cId="4061011985" sldId="330"/>
+            <ac:spMk id="3" creationId="{CE7B9E59-1E6D-40DF-89DE-D72987E646C6}"/>
+          </ac:spMkLst>
+        </pc:spChg>
+      </pc:sldChg>
+      <pc:sldChg chg="modSp add mod">
+        <pc:chgData name="Velani, Ankitkumar" userId="039f6639-35cd-4471-8ac8-1e78077ab1db" providerId="ADAL" clId="{1340E681-60A3-43C9-86A2-A614324C29E3}" dt="2022-09-16T09:19:11.668" v="7151" actId="20577"/>
+        <pc:sldMkLst>
+          <pc:docMk/>
+          <pc:sldMk cId="3969524351" sldId="331"/>
+        </pc:sldMkLst>
+        <pc:spChg chg="mod">
+          <ac:chgData name="Velani, Ankitkumar" userId="039f6639-35cd-4471-8ac8-1e78077ab1db" providerId="ADAL" clId="{1340E681-60A3-43C9-86A2-A614324C29E3}" dt="2022-09-16T09:19:11.668" v="7151" actId="20577"/>
+          <ac:spMkLst>
+            <pc:docMk/>
+            <pc:sldMk cId="3969524351" sldId="331"/>
+            <ac:spMk id="3" creationId="{CE7B9E59-1E6D-40DF-89DE-D72987E646C6}"/>
+          </ac:spMkLst>
+        </pc:spChg>
+      </pc:sldChg>
+      <pc:sldChg chg="modSp add mod">
+        <pc:chgData name="Velani, Ankitkumar" userId="039f6639-35cd-4471-8ac8-1e78077ab1db" providerId="ADAL" clId="{1340E681-60A3-43C9-86A2-A614324C29E3}" dt="2022-09-16T12:10:40.266" v="9993" actId="20577"/>
+        <pc:sldMkLst>
+          <pc:docMk/>
+          <pc:sldMk cId="4004607695" sldId="332"/>
+        </pc:sldMkLst>
+        <pc:spChg chg="mod">
+          <ac:chgData name="Velani, Ankitkumar" userId="039f6639-35cd-4471-8ac8-1e78077ab1db" providerId="ADAL" clId="{1340E681-60A3-43C9-86A2-A614324C29E3}" dt="2022-09-16T11:19:07.966" v="7440" actId="20577"/>
+          <ac:spMkLst>
+            <pc:docMk/>
+            <pc:sldMk cId="4004607695" sldId="332"/>
+            <ac:spMk id="2" creationId="{E3406395-9EBC-45BB-911E-58402D0ABDB9}"/>
+          </ac:spMkLst>
+        </pc:spChg>
+        <pc:spChg chg="mod">
+          <ac:chgData name="Velani, Ankitkumar" userId="039f6639-35cd-4471-8ac8-1e78077ab1db" providerId="ADAL" clId="{1340E681-60A3-43C9-86A2-A614324C29E3}" dt="2022-09-16T12:10:40.266" v="9993" actId="20577"/>
+          <ac:spMkLst>
+            <pc:docMk/>
+            <pc:sldMk cId="4004607695" sldId="332"/>
+            <ac:spMk id="3" creationId="{CE7B9E59-1E6D-40DF-89DE-D72987E646C6}"/>
+          </ac:spMkLst>
+        </pc:spChg>
+      </pc:sldChg>
+      <pc:sldChg chg="add del">
+        <pc:chgData name="Velani, Ankitkumar" userId="039f6639-35cd-4471-8ac8-1e78077ab1db" providerId="ADAL" clId="{1340E681-60A3-43C9-86A2-A614324C29E3}" dt="2022-09-16T12:10:57.322" v="9994" actId="2696"/>
+        <pc:sldMkLst>
+          <pc:docMk/>
+          <pc:sldMk cId="2833369650" sldId="333"/>
+        </pc:sldMkLst>
+      </pc:sldChg>
+      <pc:sldChg chg="modSp new mod">
+        <pc:chgData name="Velani, Ankitkumar" userId="039f6639-35cd-4471-8ac8-1e78077ab1db" providerId="ADAL" clId="{1340E681-60A3-43C9-86A2-A614324C29E3}" dt="2022-09-16T11:33:55.410" v="7902"/>
+        <pc:sldMkLst>
+          <pc:docMk/>
+          <pc:sldMk cId="572725005" sldId="334"/>
+        </pc:sldMkLst>
+        <pc:spChg chg="mod">
+          <ac:chgData name="Velani, Ankitkumar" userId="039f6639-35cd-4471-8ac8-1e78077ab1db" providerId="ADAL" clId="{1340E681-60A3-43C9-86A2-A614324C29E3}" dt="2022-09-16T11:33:55.410" v="7902"/>
+          <ac:spMkLst>
+            <pc:docMk/>
+            <pc:sldMk cId="572725005" sldId="334"/>
+            <ac:spMk id="2" creationId="{41113981-29E2-4BA4-BB88-07177203CC7A}"/>
+          </ac:spMkLst>
+        </pc:spChg>
+        <pc:spChg chg="mod">
+          <ac:chgData name="Velani, Ankitkumar" userId="039f6639-35cd-4471-8ac8-1e78077ab1db" providerId="ADAL" clId="{1340E681-60A3-43C9-86A2-A614324C29E3}" dt="2022-09-16T11:33:43.820" v="7894" actId="1035"/>
+          <ac:spMkLst>
+            <pc:docMk/>
+            <pc:sldMk cId="572725005" sldId="334"/>
+            <ac:spMk id="3" creationId="{991B0D35-7733-4902-B757-35D951D1C833}"/>
+          </ac:spMkLst>
+        </pc:spChg>
+      </pc:sldChg>
+      <pc:sldChg chg="modSp add mod">
+        <pc:chgData name="Velani, Ankitkumar" userId="039f6639-35cd-4471-8ac8-1e78077ab1db" providerId="ADAL" clId="{1340E681-60A3-43C9-86A2-A614324C29E3}" dt="2022-09-16T11:39:51.355" v="8351" actId="20577"/>
+        <pc:sldMkLst>
+          <pc:docMk/>
+          <pc:sldMk cId="1034237041" sldId="335"/>
+        </pc:sldMkLst>
+        <pc:spChg chg="mod">
+          <ac:chgData name="Velani, Ankitkumar" userId="039f6639-35cd-4471-8ac8-1e78077ab1db" providerId="ADAL" clId="{1340E681-60A3-43C9-86A2-A614324C29E3}" dt="2022-09-16T11:39:51.355" v="8351" actId="20577"/>
+          <ac:spMkLst>
+            <pc:docMk/>
+            <pc:sldMk cId="1034237041" sldId="335"/>
+            <ac:spMk id="3" creationId="{991B0D35-7733-4902-B757-35D951D1C833}"/>
+          </ac:spMkLst>
+        </pc:spChg>
+      </pc:sldChg>
+      <pc:sldChg chg="addSp delSp modSp new del mod">
+        <pc:chgData name="Velani, Ankitkumar" userId="039f6639-35cd-4471-8ac8-1e78077ab1db" providerId="ADAL" clId="{1340E681-60A3-43C9-86A2-A614324C29E3}" dt="2022-09-16T11:34:32.820" v="7944" actId="2696"/>
+        <pc:sldMkLst>
+          <pc:docMk/>
+          <pc:sldMk cId="4034981322" sldId="335"/>
+        </pc:sldMkLst>
+        <pc:spChg chg="del mod">
+          <ac:chgData name="Velani, Ankitkumar" userId="039f6639-35cd-4471-8ac8-1e78077ab1db" providerId="ADAL" clId="{1340E681-60A3-43C9-86A2-A614324C29E3}" dt="2022-09-16T11:34:29.082" v="7943" actId="478"/>
+          <ac:spMkLst>
+            <pc:docMk/>
+            <pc:sldMk cId="4034981322" sldId="335"/>
+            <ac:spMk id="2" creationId="{B0A38FE1-27CA-4F40-8791-0EE50ECCD2EC}"/>
+          </ac:spMkLst>
+        </pc:spChg>
+        <pc:spChg chg="add mod">
+          <ac:chgData name="Velani, Ankitkumar" userId="039f6639-35cd-4471-8ac8-1e78077ab1db" providerId="ADAL" clId="{1340E681-60A3-43C9-86A2-A614324C29E3}" dt="2022-09-16T11:34:29.082" v="7943" actId="478"/>
+          <ac:spMkLst>
+            <pc:docMk/>
+            <pc:sldMk cId="4034981322" sldId="335"/>
+            <ac:spMk id="8" creationId="{DEF6F482-EEB2-42A7-B8FB-7333502C44B0}"/>
+          </ac:spMkLst>
+        </pc:spChg>
+      </pc:sldChg>
+      <pc:sldChg chg="add">
+        <pc:chgData name="Velani, Ankitkumar" userId="039f6639-35cd-4471-8ac8-1e78077ab1db" providerId="ADAL" clId="{1340E681-60A3-43C9-86A2-A614324C29E3}" dt="2022-09-16T11:39:47.419" v="8349"/>
+        <pc:sldMkLst>
+          <pc:docMk/>
+          <pc:sldMk cId="2548740241" sldId="336"/>
+        </pc:sldMkLst>
+      </pc:sldChg>
+      <pc:sldChg chg="modSp add mod">
+        <pc:chgData name="Velani, Ankitkumar" userId="039f6639-35cd-4471-8ac8-1e78077ab1db" providerId="ADAL" clId="{1340E681-60A3-43C9-86A2-A614324C29E3}" dt="2022-09-16T11:43:33.819" v="8725" actId="20577"/>
+        <pc:sldMkLst>
+          <pc:docMk/>
+          <pc:sldMk cId="430525681" sldId="337"/>
+        </pc:sldMkLst>
+        <pc:spChg chg="mod">
+          <ac:chgData name="Velani, Ankitkumar" userId="039f6639-35cd-4471-8ac8-1e78077ab1db" providerId="ADAL" clId="{1340E681-60A3-43C9-86A2-A614324C29E3}" dt="2022-09-16T11:43:33.819" v="8725" actId="20577"/>
+          <ac:spMkLst>
+            <pc:docMk/>
+            <pc:sldMk cId="430525681" sldId="337"/>
+            <ac:spMk id="3" creationId="{991B0D35-7733-4902-B757-35D951D1C833}"/>
+          </ac:spMkLst>
+        </pc:spChg>
+      </pc:sldChg>
+      <pc:sldChg chg="modSp add mod">
+        <pc:chgData name="Velani, Ankitkumar" userId="039f6639-35cd-4471-8ac8-1e78077ab1db" providerId="ADAL" clId="{1340E681-60A3-43C9-86A2-A614324C29E3}" dt="2022-09-16T12:28:32.160" v="10376" actId="20577"/>
+        <pc:sldMkLst>
+          <pc:docMk/>
+          <pc:sldMk cId="3225106126" sldId="338"/>
+        </pc:sldMkLst>
+        <pc:spChg chg="mod">
+          <ac:chgData name="Velani, Ankitkumar" userId="039f6639-35cd-4471-8ac8-1e78077ab1db" providerId="ADAL" clId="{1340E681-60A3-43C9-86A2-A614324C29E3}" dt="2022-09-16T11:48:48.158" v="9083" actId="1035"/>
+          <ac:spMkLst>
+            <pc:docMk/>
+            <pc:sldMk cId="3225106126" sldId="338"/>
+            <ac:spMk id="2" creationId="{41113981-29E2-4BA4-BB88-07177203CC7A}"/>
+          </ac:spMkLst>
+        </pc:spChg>
+        <pc:spChg chg="mod">
+          <ac:chgData name="Velani, Ankitkumar" userId="039f6639-35cd-4471-8ac8-1e78077ab1db" providerId="ADAL" clId="{1340E681-60A3-43C9-86A2-A614324C29E3}" dt="2022-09-16T12:28:32.160" v="10376" actId="20577"/>
+          <ac:spMkLst>
+            <pc:docMk/>
+            <pc:sldMk cId="3225106126" sldId="338"/>
+            <ac:spMk id="3" creationId="{991B0D35-7733-4902-B757-35D951D1C833}"/>
+          </ac:spMkLst>
+        </pc:spChg>
+      </pc:sldChg>
+      <pc:sldChg chg="addSp delSp modSp add mod">
+        <pc:chgData name="Velani, Ankitkumar" userId="039f6639-35cd-4471-8ac8-1e78077ab1db" providerId="ADAL" clId="{1340E681-60A3-43C9-86A2-A614324C29E3}" dt="2022-09-16T12:02:06.337" v="9632" actId="20577"/>
+        <pc:sldMkLst>
+          <pc:docMk/>
+          <pc:sldMk cId="2381061063" sldId="339"/>
+        </pc:sldMkLst>
+        <pc:spChg chg="mod">
+          <ac:chgData name="Velani, Ankitkumar" userId="039f6639-35cd-4471-8ac8-1e78077ab1db" providerId="ADAL" clId="{1340E681-60A3-43C9-86A2-A614324C29E3}" dt="2022-09-16T12:02:06.337" v="9632" actId="20577"/>
+          <ac:spMkLst>
+            <pc:docMk/>
+            <pc:sldMk cId="2381061063" sldId="339"/>
+            <ac:spMk id="3" creationId="{991B0D35-7733-4902-B757-35D951D1C833}"/>
+          </ac:spMkLst>
+        </pc:spChg>
+        <pc:spChg chg="add del">
+          <ac:chgData name="Velani, Ankitkumar" userId="039f6639-35cd-4471-8ac8-1e78077ab1db" providerId="ADAL" clId="{1340E681-60A3-43C9-86A2-A614324C29E3}" dt="2022-09-16T11:54:44.321" v="9541"/>
+          <ac:spMkLst>
+            <pc:docMk/>
+            <pc:sldMk cId="2381061063" sldId="339"/>
+            <ac:spMk id="7" creationId="{3E0CE50A-A455-4B5D-A782-F67FFB181494}"/>
+          </ac:spMkLst>
+        </pc:spChg>
+      </pc:sldChg>
+      <pc:sldChg chg="addSp delSp modSp add mod">
+        <pc:chgData name="Velani, Ankitkumar" userId="039f6639-35cd-4471-8ac8-1e78077ab1db" providerId="ADAL" clId="{1340E681-60A3-43C9-86A2-A614324C29E3}" dt="2022-09-16T12:05:22.469" v="9973" actId="20577"/>
+        <pc:sldMkLst>
+          <pc:docMk/>
+          <pc:sldMk cId="4012364920" sldId="340"/>
+        </pc:sldMkLst>
+        <pc:spChg chg="mod">
+          <ac:chgData name="Velani, Ankitkumar" userId="039f6639-35cd-4471-8ac8-1e78077ab1db" providerId="ADAL" clId="{1340E681-60A3-43C9-86A2-A614324C29E3}" dt="2022-09-16T12:05:22.469" v="9973" actId="20577"/>
+          <ac:spMkLst>
+            <pc:docMk/>
+            <pc:sldMk cId="4012364920" sldId="340"/>
+            <ac:spMk id="3" creationId="{991B0D35-7733-4902-B757-35D951D1C833}"/>
+          </ac:spMkLst>
+        </pc:spChg>
+        <pc:spChg chg="add del">
+          <ac:chgData name="Velani, Ankitkumar" userId="039f6639-35cd-4471-8ac8-1e78077ab1db" providerId="ADAL" clId="{1340E681-60A3-43C9-86A2-A614324C29E3}" dt="2022-09-16T12:04:59.856" v="9966"/>
+          <ac:spMkLst>
+            <pc:docMk/>
+            <pc:sldMk cId="4012364920" sldId="340"/>
+            <ac:spMk id="7" creationId="{595E64D4-E1CE-4D41-87A3-9C60B693793F}"/>
+          </ac:spMkLst>
+        </pc:spChg>
+      </pc:sldChg>
+      <pc:sldChg chg="addSp delSp modSp add mod">
+        <pc:chgData name="Velani, Ankitkumar" userId="039f6639-35cd-4471-8ac8-1e78077ab1db" providerId="ADAL" clId="{1340E681-60A3-43C9-86A2-A614324C29E3}" dt="2022-09-16T12:16:20.907" v="10247" actId="22"/>
+        <pc:sldMkLst>
+          <pc:docMk/>
+          <pc:sldMk cId="319314961" sldId="341"/>
+        </pc:sldMkLst>
+        <pc:spChg chg="mod">
+          <ac:chgData name="Velani, Ankitkumar" userId="039f6639-35cd-4471-8ac8-1e78077ab1db" providerId="ADAL" clId="{1340E681-60A3-43C9-86A2-A614324C29E3}" dt="2022-09-16T12:11:16.374" v="10002" actId="20577"/>
+          <ac:spMkLst>
+            <pc:docMk/>
+            <pc:sldMk cId="319314961" sldId="341"/>
+            <ac:spMk id="2" creationId="{41113981-29E2-4BA4-BB88-07177203CC7A}"/>
+          </ac:spMkLst>
+        </pc:spChg>
+        <pc:spChg chg="mod">
+          <ac:chgData name="Velani, Ankitkumar" userId="039f6639-35cd-4471-8ac8-1e78077ab1db" providerId="ADAL" clId="{1340E681-60A3-43C9-86A2-A614324C29E3}" dt="2022-09-16T12:14:22.022" v="10210"/>
+          <ac:spMkLst>
+            <pc:docMk/>
+            <pc:sldMk cId="319314961" sldId="341"/>
+            <ac:spMk id="3" creationId="{991B0D35-7733-4902-B757-35D951D1C833}"/>
+          </ac:spMkLst>
+        </pc:spChg>
+        <pc:spChg chg="add del">
+          <ac:chgData name="Velani, Ankitkumar" userId="039f6639-35cd-4471-8ac8-1e78077ab1db" providerId="ADAL" clId="{1340E681-60A3-43C9-86A2-A614324C29E3}" dt="2022-09-16T12:16:20.907" v="10247" actId="22"/>
+          <ac:spMkLst>
+            <pc:docMk/>
+            <pc:sldMk cId="319314961" sldId="341"/>
+            <ac:spMk id="8" creationId="{FF079DE8-7B5E-405A-8B56-9CE46CCD1AC4}"/>
+          </ac:spMkLst>
+        </pc:spChg>
+      </pc:sldChg>
+      <pc:sldChg chg="add del">
+        <pc:chgData name="Velani, Ankitkumar" userId="039f6639-35cd-4471-8ac8-1e78077ab1db" providerId="ADAL" clId="{1340E681-60A3-43C9-86A2-A614324C29E3}" dt="2022-09-16T12:10:03.294" v="9975" actId="2890"/>
+        <pc:sldMkLst>
+          <pc:docMk/>
+          <pc:sldMk cId="793385323" sldId="341"/>
+        </pc:sldMkLst>
+      </pc:sldChg>
+      <pc:sldChg chg="add del">
+        <pc:chgData name="Velani, Ankitkumar" userId="039f6639-35cd-4471-8ac8-1e78077ab1db" providerId="ADAL" clId="{1340E681-60A3-43C9-86A2-A614324C29E3}" dt="2022-09-16T12:11:08.639" v="9996" actId="2890"/>
+        <pc:sldMkLst>
+          <pc:docMk/>
+          <pc:sldMk cId="2769478184" sldId="341"/>
+        </pc:sldMkLst>
+      </pc:sldChg>
+      <pc:sldChg chg="addSp delSp modSp add mod ord">
+        <pc:chgData name="Velani, Ankitkumar" userId="039f6639-35cd-4471-8ac8-1e78077ab1db" providerId="ADAL" clId="{1340E681-60A3-43C9-86A2-A614324C29E3}" dt="2022-09-16T13:00:34.901" v="11039" actId="20577"/>
+        <pc:sldMkLst>
+          <pc:docMk/>
+          <pc:sldMk cId="3889110516" sldId="342"/>
+        </pc:sldMkLst>
+        <pc:spChg chg="mod">
+          <ac:chgData name="Velani, Ankitkumar" userId="039f6639-35cd-4471-8ac8-1e78077ab1db" providerId="ADAL" clId="{1340E681-60A3-43C9-86A2-A614324C29E3}" dt="2022-09-16T12:14:43.110" v="10216" actId="20577"/>
+          <ac:spMkLst>
+            <pc:docMk/>
+            <pc:sldMk cId="3889110516" sldId="342"/>
+            <ac:spMk id="2" creationId="{41113981-29E2-4BA4-BB88-07177203CC7A}"/>
+          </ac:spMkLst>
+        </pc:spChg>
+        <pc:spChg chg="mod">
+          <ac:chgData name="Velani, Ankitkumar" userId="039f6639-35cd-4471-8ac8-1e78077ab1db" providerId="ADAL" clId="{1340E681-60A3-43C9-86A2-A614324C29E3}" dt="2022-09-16T13:00:34.901" v="11039" actId="20577"/>
+          <ac:spMkLst>
+            <pc:docMk/>
+            <pc:sldMk cId="3889110516" sldId="342"/>
+            <ac:spMk id="3" creationId="{991B0D35-7733-4902-B757-35D951D1C833}"/>
+          </ac:spMkLst>
+        </pc:spChg>
+        <pc:spChg chg="add del">
+          <ac:chgData name="Velani, Ankitkumar" userId="039f6639-35cd-4471-8ac8-1e78077ab1db" providerId="ADAL" clId="{1340E681-60A3-43C9-86A2-A614324C29E3}" dt="2022-09-16T12:16:06.793" v="10243" actId="22"/>
+          <ac:spMkLst>
+            <pc:docMk/>
+            <pc:sldMk cId="3889110516" sldId="342"/>
+            <ac:spMk id="8" creationId="{AB90A715-9EC9-404D-9351-868D980420B9}"/>
+          </ac:spMkLst>
+        </pc:spChg>
+      </pc:sldChg>
+      <pc:sldChg chg="modSp add mod">
+        <pc:chgData name="Velani, Ankitkumar" userId="039f6639-35cd-4471-8ac8-1e78077ab1db" providerId="ADAL" clId="{1340E681-60A3-43C9-86A2-A614324C29E3}" dt="2022-09-16T12:16:12.642" v="10245" actId="6549"/>
+        <pc:sldMkLst>
+          <pc:docMk/>
+          <pc:sldMk cId="1775039272" sldId="343"/>
+        </pc:sldMkLst>
+        <pc:spChg chg="mod">
+          <ac:chgData name="Velani, Ankitkumar" userId="039f6639-35cd-4471-8ac8-1e78077ab1db" providerId="ADAL" clId="{1340E681-60A3-43C9-86A2-A614324C29E3}" dt="2022-09-16T12:16:12.642" v="10245" actId="6549"/>
+          <ac:spMkLst>
+            <pc:docMk/>
+            <pc:sldMk cId="1775039272" sldId="343"/>
+            <ac:spMk id="3" creationId="{991B0D35-7733-4902-B757-35D951D1C833}"/>
+          </ac:spMkLst>
+        </pc:spChg>
+      </pc:sldChg>
+      <pc:sldChg chg="modSp add mod">
+        <pc:chgData name="Velani, Ankitkumar" userId="039f6639-35cd-4471-8ac8-1e78077ab1db" providerId="ADAL" clId="{1340E681-60A3-43C9-86A2-A614324C29E3}" dt="2022-09-16T12:23:57.453" v="10275" actId="20577"/>
+        <pc:sldMkLst>
+          <pc:docMk/>
+          <pc:sldMk cId="1992316243" sldId="344"/>
+        </pc:sldMkLst>
+        <pc:spChg chg="mod">
+          <ac:chgData name="Velani, Ankitkumar" userId="039f6639-35cd-4471-8ac8-1e78077ab1db" providerId="ADAL" clId="{1340E681-60A3-43C9-86A2-A614324C29E3}" dt="2022-09-16T12:23:38.112" v="10255" actId="20577"/>
+          <ac:spMkLst>
+            <pc:docMk/>
+            <pc:sldMk cId="1992316243" sldId="344"/>
+            <ac:spMk id="2" creationId="{41113981-29E2-4BA4-BB88-07177203CC7A}"/>
+          </ac:spMkLst>
+        </pc:spChg>
+        <pc:spChg chg="mod">
+          <ac:chgData name="Velani, Ankitkumar" userId="039f6639-35cd-4471-8ac8-1e78077ab1db" providerId="ADAL" clId="{1340E681-60A3-43C9-86A2-A614324C29E3}" dt="2022-09-16T12:23:57.453" v="10275" actId="20577"/>
+          <ac:spMkLst>
+            <pc:docMk/>
+            <pc:sldMk cId="1992316243" sldId="344"/>
+            <ac:spMk id="3" creationId="{991B0D35-7733-4902-B757-35D951D1C833}"/>
+          </ac:spMkLst>
+        </pc:spChg>
+      </pc:sldChg>
+      <pc:sldChg chg="modSp add mod">
+        <pc:chgData name="Velani, Ankitkumar" userId="039f6639-35cd-4471-8ac8-1e78077ab1db" providerId="ADAL" clId="{1340E681-60A3-43C9-86A2-A614324C29E3}" dt="2022-09-16T12:27:51.053" v="10368" actId="20577"/>
+        <pc:sldMkLst>
+          <pc:docMk/>
+          <pc:sldMk cId="309694075" sldId="345"/>
+        </pc:sldMkLst>
+        <pc:spChg chg="mod">
+          <ac:chgData name="Velani, Ankitkumar" userId="039f6639-35cd-4471-8ac8-1e78077ab1db" providerId="ADAL" clId="{1340E681-60A3-43C9-86A2-A614324C29E3}" dt="2022-09-16T12:25:14" v="10290" actId="20577"/>
+          <ac:spMkLst>
+            <pc:docMk/>
+            <pc:sldMk cId="309694075" sldId="345"/>
+            <ac:spMk id="2" creationId="{41113981-29E2-4BA4-BB88-07177203CC7A}"/>
+          </ac:spMkLst>
+        </pc:spChg>
+        <pc:spChg chg="mod">
+          <ac:chgData name="Velani, Ankitkumar" userId="039f6639-35cd-4471-8ac8-1e78077ab1db" providerId="ADAL" clId="{1340E681-60A3-43C9-86A2-A614324C29E3}" dt="2022-09-16T12:27:51.053" v="10368" actId="20577"/>
+          <ac:spMkLst>
+            <pc:docMk/>
+            <pc:sldMk cId="309694075" sldId="345"/>
+            <ac:spMk id="3" creationId="{991B0D35-7733-4902-B757-35D951D1C833}"/>
+          </ac:spMkLst>
+        </pc:spChg>
+      </pc:sldChg>
+      <pc:sldChg chg="modSp add mod">
+        <pc:chgData name="Velani, Ankitkumar" userId="039f6639-35cd-4471-8ac8-1e78077ab1db" providerId="ADAL" clId="{1340E681-60A3-43C9-86A2-A614324C29E3}" dt="2022-09-16T12:30:28.093" v="10455" actId="20577"/>
+        <pc:sldMkLst>
+          <pc:docMk/>
+          <pc:sldMk cId="2895461078" sldId="346"/>
+        </pc:sldMkLst>
+        <pc:spChg chg="mod">
+          <ac:chgData name="Velani, Ankitkumar" userId="039f6639-35cd-4471-8ac8-1e78077ab1db" providerId="ADAL" clId="{1340E681-60A3-43C9-86A2-A614324C29E3}" dt="2022-09-16T12:28:59.953" v="10382" actId="20577"/>
+          <ac:spMkLst>
+            <pc:docMk/>
+            <pc:sldMk cId="2895461078" sldId="346"/>
+            <ac:spMk id="2" creationId="{41113981-29E2-4BA4-BB88-07177203CC7A}"/>
+          </ac:spMkLst>
+        </pc:spChg>
+        <pc:spChg chg="mod">
+          <ac:chgData name="Velani, Ankitkumar" userId="039f6639-35cd-4471-8ac8-1e78077ab1db" providerId="ADAL" clId="{1340E681-60A3-43C9-86A2-A614324C29E3}" dt="2022-09-16T12:30:28.093" v="10455" actId="20577"/>
+          <ac:spMkLst>
+            <pc:docMk/>
+            <pc:sldMk cId="2895461078" sldId="346"/>
+            <ac:spMk id="3" creationId="{991B0D35-7733-4902-B757-35D951D1C833}"/>
+          </ac:spMkLst>
+        </pc:spChg>
+      </pc:sldChg>
+      <pc:sldChg chg="addSp modSp add mod">
+        <pc:chgData name="Velani, Ankitkumar" userId="039f6639-35cd-4471-8ac8-1e78077ab1db" providerId="ADAL" clId="{1340E681-60A3-43C9-86A2-A614324C29E3}" dt="2022-09-16T12:54:31.991" v="10705" actId="20577"/>
+        <pc:sldMkLst>
+          <pc:docMk/>
+          <pc:sldMk cId="2540036734" sldId="347"/>
+        </pc:sldMkLst>
+        <pc:spChg chg="mod">
+          <ac:chgData name="Velani, Ankitkumar" userId="039f6639-35cd-4471-8ac8-1e78077ab1db" providerId="ADAL" clId="{1340E681-60A3-43C9-86A2-A614324C29E3}" dt="2022-09-16T12:54:31.991" v="10705" actId="20577"/>
+          <ac:spMkLst>
+            <pc:docMk/>
+            <pc:sldMk cId="2540036734" sldId="347"/>
+            <ac:spMk id="3" creationId="{991B0D35-7733-4902-B757-35D951D1C833}"/>
+          </ac:spMkLst>
+        </pc:spChg>
+        <pc:picChg chg="add mod modCrop">
+          <ac:chgData name="Velani, Ankitkumar" userId="039f6639-35cd-4471-8ac8-1e78077ab1db" providerId="ADAL" clId="{1340E681-60A3-43C9-86A2-A614324C29E3}" dt="2022-09-16T12:54:18.929" v="10703" actId="1076"/>
+          <ac:picMkLst>
+            <pc:docMk/>
+            <pc:sldMk cId="2540036734" sldId="347"/>
+            <ac:picMk id="8" creationId="{FA5039B2-EBC0-4E8D-AAF5-44A8D1E0B4A9}"/>
+          </ac:picMkLst>
+        </pc:picChg>
+      </pc:sldChg>
+      <pc:sldChg chg="modSp add mod">
+        <pc:chgData name="Velani, Ankitkumar" userId="039f6639-35cd-4471-8ac8-1e78077ab1db" providerId="ADAL" clId="{1340E681-60A3-43C9-86A2-A614324C29E3}" dt="2022-09-16T13:02:52.324" v="11047" actId="20577"/>
+        <pc:sldMkLst>
+          <pc:docMk/>
+          <pc:sldMk cId="1969430800" sldId="348"/>
+        </pc:sldMkLst>
+        <pc:spChg chg="mod">
+          <ac:chgData name="Velani, Ankitkumar" userId="039f6639-35cd-4471-8ac8-1e78077ab1db" providerId="ADAL" clId="{1340E681-60A3-43C9-86A2-A614324C29E3}" dt="2022-09-16T12:55:28.132" v="10709" actId="20577"/>
+          <ac:spMkLst>
+            <pc:docMk/>
+            <pc:sldMk cId="1969430800" sldId="348"/>
+            <ac:spMk id="2" creationId="{41113981-29E2-4BA4-BB88-07177203CC7A}"/>
+          </ac:spMkLst>
+        </pc:spChg>
+        <pc:spChg chg="mod">
+          <ac:chgData name="Velani, Ankitkumar" userId="039f6639-35cd-4471-8ac8-1e78077ab1db" providerId="ADAL" clId="{1340E681-60A3-43C9-86A2-A614324C29E3}" dt="2022-09-16T13:02:52.324" v="11047" actId="20577"/>
+          <ac:spMkLst>
+            <pc:docMk/>
+            <pc:sldMk cId="1969430800" sldId="348"/>
+            <ac:spMk id="3" creationId="{991B0D35-7733-4902-B757-35D951D1C833}"/>
+          </ac:spMkLst>
+        </pc:spChg>
+      </pc:sldChg>
+      <pc:sldChg chg="modSp add mod">
+        <pc:chgData name="Velani, Ankitkumar" userId="039f6639-35cd-4471-8ac8-1e78077ab1db" providerId="ADAL" clId="{1340E681-60A3-43C9-86A2-A614324C29E3}" dt="2022-09-16T13:18:38.811" v="11449" actId="113"/>
+        <pc:sldMkLst>
+          <pc:docMk/>
+          <pc:sldMk cId="2702041135" sldId="349"/>
+        </pc:sldMkLst>
+        <pc:spChg chg="mod">
+          <ac:chgData name="Velani, Ankitkumar" userId="039f6639-35cd-4471-8ac8-1e78077ab1db" providerId="ADAL" clId="{1340E681-60A3-43C9-86A2-A614324C29E3}" dt="2022-09-16T13:18:38.811" v="11449" actId="113"/>
+          <ac:spMkLst>
+            <pc:docMk/>
+            <pc:sldMk cId="2702041135" sldId="349"/>
+            <ac:spMk id="3" creationId="{991B0D35-7733-4902-B757-35D951D1C833}"/>
+          </ac:spMkLst>
+        </pc:spChg>
+      </pc:sldChg>
+      <pc:sldChg chg="modSp add mod">
+        <pc:chgData name="Velani, Ankitkumar" userId="039f6639-35cd-4471-8ac8-1e78077ab1db" providerId="ADAL" clId="{1340E681-60A3-43C9-86A2-A614324C29E3}" dt="2022-09-16T13:19:04.164" v="11475" actId="20577"/>
+        <pc:sldMkLst>
+          <pc:docMk/>
+          <pc:sldMk cId="2886325107" sldId="350"/>
+        </pc:sldMkLst>
+        <pc:spChg chg="mod">
+          <ac:chgData name="Velani, Ankitkumar" userId="039f6639-35cd-4471-8ac8-1e78077ab1db" providerId="ADAL" clId="{1340E681-60A3-43C9-86A2-A614324C29E3}" dt="2022-09-16T13:19:04.164" v="11475" actId="20577"/>
+          <ac:spMkLst>
+            <pc:docMk/>
+            <pc:sldMk cId="2886325107" sldId="350"/>
+            <ac:spMk id="3" creationId="{991B0D35-7733-4902-B757-35D951D1C833}"/>
+          </ac:spMkLst>
+        </pc:spChg>
+      </pc:sldChg>
+      <pc:sldChg chg="addSp modSp add mod">
+        <pc:chgData name="Velani, Ankitkumar" userId="039f6639-35cd-4471-8ac8-1e78077ab1db" providerId="ADAL" clId="{1340E681-60A3-43C9-86A2-A614324C29E3}" dt="2022-09-16T13:19:54.942" v="11519"/>
+        <pc:sldMkLst>
+          <pc:docMk/>
+          <pc:sldMk cId="86991763" sldId="351"/>
+        </pc:sldMkLst>
+        <pc:spChg chg="mod">
+          <ac:chgData name="Velani, Ankitkumar" userId="039f6639-35cd-4471-8ac8-1e78077ab1db" providerId="ADAL" clId="{1340E681-60A3-43C9-86A2-A614324C29E3}" dt="2022-09-16T13:19:54.942" v="11519"/>
+          <ac:spMkLst>
+            <pc:docMk/>
+            <pc:sldMk cId="86991763" sldId="351"/>
+            <ac:spMk id="3" creationId="{991B0D35-7733-4902-B757-35D951D1C833}"/>
+          </ac:spMkLst>
+        </pc:spChg>
+        <pc:spChg chg="add mod">
+          <ac:chgData name="Velani, Ankitkumar" userId="039f6639-35cd-4471-8ac8-1e78077ab1db" providerId="ADAL" clId="{1340E681-60A3-43C9-86A2-A614324C29E3}" dt="2022-09-16T13:19:49.419" v="11518" actId="1076"/>
+          <ac:spMkLst>
+            <pc:docMk/>
+            <pc:sldMk cId="86991763" sldId="351"/>
+            <ac:spMk id="8" creationId="{08AA278A-4635-40CD-A672-3289CC86B238}"/>
+          </ac:spMkLst>
+        </pc:spChg>
+      </pc:sldChg>
+      <pc:sldChg chg="addSp delSp modSp add del mod">
+        <pc:chgData name="Velani, Ankitkumar" userId="039f6639-35cd-4471-8ac8-1e78077ab1db" providerId="ADAL" clId="{1340E681-60A3-43C9-86A2-A614324C29E3}" dt="2022-09-16T13:21:08.021" v="11532" actId="2696"/>
+        <pc:sldMkLst>
+          <pc:docMk/>
+          <pc:sldMk cId="1300742902" sldId="352"/>
+        </pc:sldMkLst>
+        <pc:spChg chg="del mod">
+          <ac:chgData name="Velani, Ankitkumar" userId="039f6639-35cd-4471-8ac8-1e78077ab1db" providerId="ADAL" clId="{1340E681-60A3-43C9-86A2-A614324C29E3}" dt="2022-09-16T13:21:03.824" v="11531" actId="478"/>
+          <ac:spMkLst>
+            <pc:docMk/>
+            <pc:sldMk cId="1300742902" sldId="352"/>
+            <ac:spMk id="2" creationId="{41113981-29E2-4BA4-BB88-07177203CC7A}"/>
+          </ac:spMkLst>
+        </pc:spChg>
+        <pc:spChg chg="add mod">
+          <ac:chgData name="Velani, Ankitkumar" userId="039f6639-35cd-4471-8ac8-1e78077ab1db" providerId="ADAL" clId="{1340E681-60A3-43C9-86A2-A614324C29E3}" dt="2022-09-16T13:21:03.824" v="11531" actId="478"/>
+          <ac:spMkLst>
+            <pc:docMk/>
+            <pc:sldMk cId="1300742902" sldId="352"/>
+            <ac:spMk id="9" creationId="{B0F9EAA8-0340-41F5-97F0-7992A55F83AB}"/>
+          </ac:spMkLst>
+        </pc:spChg>
+      </pc:sldChg>
+      <pc:sldChg chg="addSp delSp modSp add mod">
+        <pc:chgData name="Velani, Ankitkumar" userId="039f6639-35cd-4471-8ac8-1e78077ab1db" providerId="ADAL" clId="{1340E681-60A3-43C9-86A2-A614324C29E3}" dt="2022-09-16T13:26:37.285" v="11813" actId="20577"/>
+        <pc:sldMkLst>
+          <pc:docMk/>
+          <pc:sldMk cId="4235283516" sldId="352"/>
+        </pc:sldMkLst>
+        <pc:spChg chg="mod">
+          <ac:chgData name="Velani, Ankitkumar" userId="039f6639-35cd-4471-8ac8-1e78077ab1db" providerId="ADAL" clId="{1340E681-60A3-43C9-86A2-A614324C29E3}" dt="2022-09-16T13:21:16.984" v="11543" actId="20577"/>
+          <ac:spMkLst>
+            <pc:docMk/>
+            <pc:sldMk cId="4235283516" sldId="352"/>
+            <ac:spMk id="2" creationId="{41113981-29E2-4BA4-BB88-07177203CC7A}"/>
+          </ac:spMkLst>
+        </pc:spChg>
+        <pc:spChg chg="mod">
+          <ac:chgData name="Velani, Ankitkumar" userId="039f6639-35cd-4471-8ac8-1e78077ab1db" providerId="ADAL" clId="{1340E681-60A3-43C9-86A2-A614324C29E3}" dt="2022-09-16T13:26:37.285" v="11813" actId="20577"/>
+          <ac:spMkLst>
+            <pc:docMk/>
+            <pc:sldMk cId="4235283516" sldId="352"/>
+            <ac:spMk id="3" creationId="{991B0D35-7733-4902-B757-35D951D1C833}"/>
+          </ac:spMkLst>
+        </pc:spChg>
+        <pc:spChg chg="add del">
+          <ac:chgData name="Velani, Ankitkumar" userId="039f6639-35cd-4471-8ac8-1e78077ab1db" providerId="ADAL" clId="{1340E681-60A3-43C9-86A2-A614324C29E3}" dt="2022-09-16T13:26:34.059" v="11807" actId="22"/>
+          <ac:spMkLst>
+            <pc:docMk/>
+            <pc:sldMk cId="4235283516" sldId="352"/>
+            <ac:spMk id="8" creationId="{2A74441D-E7E3-4352-9782-37F1B104EE1D}"/>
+          </ac:spMkLst>
+        </pc:spChg>
+      </pc:sldChg>
+      <pc:sldChg chg="modSp add mod">
+        <pc:chgData name="Velani, Ankitkumar" userId="039f6639-35cd-4471-8ac8-1e78077ab1db" providerId="ADAL" clId="{1340E681-60A3-43C9-86A2-A614324C29E3}" dt="2022-09-16T13:34:02.884" v="11950" actId="113"/>
+        <pc:sldMkLst>
+          <pc:docMk/>
+          <pc:sldMk cId="3069673117" sldId="353"/>
+        </pc:sldMkLst>
+        <pc:spChg chg="mod">
+          <ac:chgData name="Velani, Ankitkumar" userId="039f6639-35cd-4471-8ac8-1e78077ab1db" providerId="ADAL" clId="{1340E681-60A3-43C9-86A2-A614324C29E3}" dt="2022-09-16T13:26:49.967" v="11824" actId="20577"/>
+          <ac:spMkLst>
+            <pc:docMk/>
+            <pc:sldMk cId="3069673117" sldId="353"/>
+            <ac:spMk id="2" creationId="{41113981-29E2-4BA4-BB88-07177203CC7A}"/>
+          </ac:spMkLst>
+        </pc:spChg>
+        <pc:spChg chg="mod">
+          <ac:chgData name="Velani, Ankitkumar" userId="039f6639-35cd-4471-8ac8-1e78077ab1db" providerId="ADAL" clId="{1340E681-60A3-43C9-86A2-A614324C29E3}" dt="2022-09-16T13:34:02.884" v="11950" actId="113"/>
+          <ac:spMkLst>
+            <pc:docMk/>
+            <pc:sldMk cId="3069673117" sldId="353"/>
+            <ac:spMk id="3" creationId="{991B0D35-7733-4902-B757-35D951D1C833}"/>
+          </ac:spMkLst>
+        </pc:spChg>
+      </pc:sldChg>
+      <pc:sldChg chg="new del">
+        <pc:chgData name="Velani, Ankitkumar" userId="039f6639-35cd-4471-8ac8-1e78077ab1db" providerId="ADAL" clId="{1340E681-60A3-43C9-86A2-A614324C29E3}" dt="2022-09-16T13:34:16.258" v="11953" actId="47"/>
+        <pc:sldMkLst>
+          <pc:docMk/>
+          <pc:sldMk cId="204481584" sldId="354"/>
+        </pc:sldMkLst>
+      </pc:sldChg>
+      <pc:sldChg chg="modSp add mod">
+        <pc:chgData name="Velani, Ankitkumar" userId="039f6639-35cd-4471-8ac8-1e78077ab1db" providerId="ADAL" clId="{1340E681-60A3-43C9-86A2-A614324C29E3}" dt="2022-09-16T13:38:23.498" v="12458" actId="113"/>
+        <pc:sldMkLst>
+          <pc:docMk/>
+          <pc:sldMk cId="3365004016" sldId="355"/>
+        </pc:sldMkLst>
+        <pc:spChg chg="mod">
+          <ac:chgData name="Velani, Ankitkumar" userId="039f6639-35cd-4471-8ac8-1e78077ab1db" providerId="ADAL" clId="{1340E681-60A3-43C9-86A2-A614324C29E3}" dt="2022-09-16T13:38:23.498" v="12458" actId="113"/>
+          <ac:spMkLst>
+            <pc:docMk/>
+            <pc:sldMk cId="3365004016" sldId="355"/>
+            <ac:spMk id="3" creationId="{991B0D35-7733-4902-B757-35D951D1C833}"/>
+          </ac:spMkLst>
+        </pc:spChg>
+      </pc:sldChg>
+      <pc:sldChg chg="addSp delSp modSp new mod">
+        <pc:chgData name="Velani, Ankitkumar" userId="039f6639-35cd-4471-8ac8-1e78077ab1db" providerId="ADAL" clId="{1340E681-60A3-43C9-86A2-A614324C29E3}" dt="2022-09-16T14:01:28.353" v="13594" actId="3064"/>
+        <pc:sldMkLst>
+          <pc:docMk/>
+          <pc:sldMk cId="1659337161" sldId="356"/>
+        </pc:sldMkLst>
+        <pc:spChg chg="mod">
+          <ac:chgData name="Velani, Ankitkumar" userId="039f6639-35cd-4471-8ac8-1e78077ab1db" providerId="ADAL" clId="{1340E681-60A3-43C9-86A2-A614324C29E3}" dt="2022-09-16T14:00:57.639" v="13575" actId="1036"/>
+          <ac:spMkLst>
+            <pc:docMk/>
+            <pc:sldMk cId="1659337161" sldId="356"/>
+            <ac:spMk id="2" creationId="{07611007-3F9F-45F7-9D21-B136E10B0CA1}"/>
+          </ac:spMkLst>
+        </pc:spChg>
+        <pc:spChg chg="del">
+          <ac:chgData name="Velani, Ankitkumar" userId="039f6639-35cd-4471-8ac8-1e78077ab1db" providerId="ADAL" clId="{1340E681-60A3-43C9-86A2-A614324C29E3}" dt="2022-09-16T13:41:00.214" v="12460" actId="478"/>
+          <ac:spMkLst>
+            <pc:docMk/>
+            <pc:sldMk cId="1659337161" sldId="356"/>
+            <ac:spMk id="3" creationId="{0B983C72-32D3-4541-9516-E63A7F24D84D}"/>
+          </ac:spMkLst>
+        </pc:spChg>
+        <pc:graphicFrameChg chg="add del modGraphic">
+          <ac:chgData name="Velani, Ankitkumar" userId="039f6639-35cd-4471-8ac8-1e78077ab1db" providerId="ADAL" clId="{1340E681-60A3-43C9-86A2-A614324C29E3}" dt="2022-09-16T13:41:19.649" v="12464" actId="478"/>
+          <ac:graphicFrameMkLst>
+            <pc:docMk/>
+            <pc:sldMk cId="1659337161" sldId="356"/>
+            <ac:graphicFrameMk id="7" creationId="{02055777-4701-4C34-B1C5-2AB50E81CB98}"/>
+          </ac:graphicFrameMkLst>
+        </pc:graphicFrameChg>
+        <pc:graphicFrameChg chg="add mod modGraphic">
+          <ac:chgData name="Velani, Ankitkumar" userId="039f6639-35cd-4471-8ac8-1e78077ab1db" providerId="ADAL" clId="{1340E681-60A3-43C9-86A2-A614324C29E3}" dt="2022-09-16T14:01:28.353" v="13594" actId="3064"/>
+          <ac:graphicFrameMkLst>
+            <pc:docMk/>
+            <pc:sldMk cId="1659337161" sldId="356"/>
+            <ac:graphicFrameMk id="8" creationId="{C3978E0C-EC43-4BA4-B2D9-7BEA551570E5}"/>
+          </ac:graphicFrameMkLst>
+        </pc:graphicFrameChg>
+      </pc:sldChg>
+      <pc:sldChg chg="modSp add mod">
+        <pc:chgData name="Velani, Ankitkumar" userId="039f6639-35cd-4471-8ac8-1e78077ab1db" providerId="ADAL" clId="{1340E681-60A3-43C9-86A2-A614324C29E3}" dt="2022-09-16T13:56:30.580" v="13344" actId="113"/>
+        <pc:sldMkLst>
+          <pc:docMk/>
+          <pc:sldMk cId="2220053797" sldId="357"/>
+        </pc:sldMkLst>
+        <pc:spChg chg="mod">
+          <ac:chgData name="Velani, Ankitkumar" userId="039f6639-35cd-4471-8ac8-1e78077ab1db" providerId="ADAL" clId="{1340E681-60A3-43C9-86A2-A614324C29E3}" dt="2022-09-16T13:56:30.580" v="13344" actId="113"/>
+          <ac:spMkLst>
+            <pc:docMk/>
+            <pc:sldMk cId="2220053797" sldId="357"/>
+            <ac:spMk id="3" creationId="{991B0D35-7733-4902-B757-35D951D1C833}"/>
+          </ac:spMkLst>
+        </pc:spChg>
+      </pc:sldChg>
+      <pc:sldChg chg="modSp new del mod">
+        <pc:chgData name="Velani, Ankitkumar" userId="039f6639-35cd-4471-8ac8-1e78077ab1db" providerId="ADAL" clId="{1340E681-60A3-43C9-86A2-A614324C29E3}" dt="2022-09-16T14:17:09.703" v="13762" actId="47"/>
+        <pc:sldMkLst>
+          <pc:docMk/>
+          <pc:sldMk cId="31706455" sldId="358"/>
+        </pc:sldMkLst>
+        <pc:spChg chg="mod">
+          <ac:chgData name="Velani, Ankitkumar" userId="039f6639-35cd-4471-8ac8-1e78077ab1db" providerId="ADAL" clId="{1340E681-60A3-43C9-86A2-A614324C29E3}" dt="2022-09-16T14:09:37.301" v="13619" actId="20577"/>
+          <ac:spMkLst>
+            <pc:docMk/>
+            <pc:sldMk cId="31706455" sldId="358"/>
+            <ac:spMk id="2" creationId="{007A773A-839D-43B5-A848-486C9C8D3AF2}"/>
+          </ac:spMkLst>
+        </pc:spChg>
+        <pc:spChg chg="mod">
+          <ac:chgData name="Velani, Ankitkumar" userId="039f6639-35cd-4471-8ac8-1e78077ab1db" providerId="ADAL" clId="{1340E681-60A3-43C9-86A2-A614324C29E3}" dt="2022-09-16T14:10:42.353" v="13701" actId="20577"/>
+          <ac:spMkLst>
+            <pc:docMk/>
+            <pc:sldMk cId="31706455" sldId="358"/>
+            <ac:spMk id="3" creationId="{4354D82C-AC95-4BBC-873B-24198C0FDA74}"/>
+          </ac:spMkLst>
+        </pc:spChg>
+      </pc:sldChg>
+      <pc:sldChg chg="modSp add mod">
+        <pc:chgData name="Velani, Ankitkumar" userId="039f6639-35cd-4471-8ac8-1e78077ab1db" providerId="ADAL" clId="{1340E681-60A3-43C9-86A2-A614324C29E3}" dt="2022-09-16T14:16:19.793" v="13761" actId="255"/>
+        <pc:sldMkLst>
+          <pc:docMk/>
+          <pc:sldMk cId="304758632" sldId="359"/>
+        </pc:sldMkLst>
+        <pc:spChg chg="mod">
+          <ac:chgData name="Velani, Ankitkumar" userId="039f6639-35cd-4471-8ac8-1e78077ab1db" providerId="ADAL" clId="{1340E681-60A3-43C9-86A2-A614324C29E3}" dt="2022-09-16T14:16:19.793" v="13761" actId="255"/>
+          <ac:spMkLst>
+            <pc:docMk/>
+            <pc:sldMk cId="304758632" sldId="359"/>
+            <ac:spMk id="3" creationId="{4354D82C-AC95-4BBC-873B-24198C0FDA74}"/>
+          </ac:spMkLst>
+        </pc:spChg>
+      </pc:sldChg>
+      <pc:sldChg chg="modSp add mod">
+        <pc:chgData name="Velani, Ankitkumar" userId="039f6639-35cd-4471-8ac8-1e78077ab1db" providerId="ADAL" clId="{1340E681-60A3-43C9-86A2-A614324C29E3}" dt="2022-09-16T14:18:40.790" v="13835" actId="20577"/>
+        <pc:sldMkLst>
+          <pc:docMk/>
+          <pc:sldMk cId="3463991970" sldId="360"/>
+        </pc:sldMkLst>
+        <pc:spChg chg="mod">
+          <ac:chgData name="Velani, Ankitkumar" userId="039f6639-35cd-4471-8ac8-1e78077ab1db" providerId="ADAL" clId="{1340E681-60A3-43C9-86A2-A614324C29E3}" dt="2022-09-16T14:18:40.790" v="13835" actId="20577"/>
+          <ac:spMkLst>
+            <pc:docMk/>
+            <pc:sldMk cId="3463991970" sldId="360"/>
+            <ac:spMk id="3" creationId="{4354D82C-AC95-4BBC-873B-24198C0FDA74}"/>
+          </ac:spMkLst>
+        </pc:spChg>
+      </pc:sldChg>
+      <pc:sldChg chg="add">
+        <pc:chgData name="Velani, Ankitkumar" userId="039f6639-35cd-4471-8ac8-1e78077ab1db" providerId="ADAL" clId="{1340E681-60A3-43C9-86A2-A614324C29E3}" dt="2022-09-16T14:19:29.230" v="13836"/>
+        <pc:sldMkLst>
+          <pc:docMk/>
+          <pc:sldMk cId="1523300418" sldId="361"/>
+        </pc:sldMkLst>
+      </pc:sldChg>
+    </pc:docChg>
+  </pc:docChgLst>
   <pc:docChgLst>
     <pc:chgData name="Velani, Ankitkumar" userId="039f6639-35cd-4471-8ac8-1e78077ab1db" providerId="ADAL" clId="{055FE474-FC6F-4576-84F9-43E7CB649EFC}"/>
     <pc:docChg chg="undo redo custSel addSld delSld modSld sldOrd">
@@ -1132,2234 +3365,103 @@
     </pc:docChg>
   </pc:docChgLst>
   <pc:docChgLst>
-    <pc:chgData name="Velani, Ankitkumar" userId="039f6639-35cd-4471-8ac8-1e78077ab1db" providerId="ADAL" clId="{1340E681-60A3-43C9-86A2-A614324C29E3}"/>
-    <pc:docChg chg="undo custSel addSld delSld modSld sldOrd">
-      <pc:chgData name="Velani, Ankitkumar" userId="039f6639-35cd-4471-8ac8-1e78077ab1db" providerId="ADAL" clId="{1340E681-60A3-43C9-86A2-A614324C29E3}" dt="2022-09-17T03:13:27.668" v="13872" actId="20577"/>
+    <pc:chgData name="Velani, Ankitkumar" userId="039f6639-35cd-4471-8ac8-1e78077ab1db" providerId="ADAL" clId="{33E50C66-1FDE-455D-A400-8B63EAA4D6C7}"/>
+    <pc:docChg chg="undo custSel addSld modSld">
+      <pc:chgData name="Velani, Ankitkumar" userId="039f6639-35cd-4471-8ac8-1e78077ab1db" providerId="ADAL" clId="{33E50C66-1FDE-455D-A400-8B63EAA4D6C7}" dt="2022-09-30T16:09:41.298" v="155" actId="1076"/>
       <pc:docMkLst>
         <pc:docMk/>
       </pc:docMkLst>
-      <pc:sldChg chg="addSp delSp modSp mod">
-        <pc:chgData name="Velani, Ankitkumar" userId="039f6639-35cd-4471-8ac8-1e78077ab1db" providerId="ADAL" clId="{1340E681-60A3-43C9-86A2-A614324C29E3}" dt="2022-09-08T14:48:31.241" v="43" actId="1076"/>
-        <pc:sldMkLst>
-          <pc:docMk/>
-          <pc:sldMk cId="0" sldId="256"/>
+      <pc:sldChg chg="modSp mod">
+        <pc:chgData name="Velani, Ankitkumar" userId="039f6639-35cd-4471-8ac8-1e78077ab1db" providerId="ADAL" clId="{33E50C66-1FDE-455D-A400-8B63EAA4D6C7}" dt="2022-09-30T15:35:20.491" v="52" actId="20577"/>
+        <pc:sldMkLst>
+          <pc:docMk/>
+          <pc:sldMk cId="3341720833" sldId="324"/>
         </pc:sldMkLst>
         <pc:spChg chg="mod">
-          <ac:chgData name="Velani, Ankitkumar" userId="039f6639-35cd-4471-8ac8-1e78077ab1db" providerId="ADAL" clId="{1340E681-60A3-43C9-86A2-A614324C29E3}" dt="2022-09-08T14:47:52.380" v="38" actId="1038"/>
-          <ac:spMkLst>
-            <pc:docMk/>
-            <pc:sldMk cId="0" sldId="256"/>
-            <ac:spMk id="90" creationId="{00000000-0000-0000-0000-000000000000}"/>
-          </ac:spMkLst>
-        </pc:spChg>
-        <pc:picChg chg="del">
-          <ac:chgData name="Velani, Ankitkumar" userId="039f6639-35cd-4471-8ac8-1e78077ab1db" providerId="ADAL" clId="{1340E681-60A3-43C9-86A2-A614324C29E3}" dt="2022-09-08T14:47:46.424" v="26" actId="478"/>
-          <ac:picMkLst>
-            <pc:docMk/>
-            <pc:sldMk cId="0" sldId="256"/>
-            <ac:picMk id="91" creationId="{00000000-0000-0000-0000-000000000000}"/>
-          </ac:picMkLst>
-        </pc:picChg>
-        <pc:picChg chg="add mod">
-          <ac:chgData name="Velani, Ankitkumar" userId="039f6639-35cd-4471-8ac8-1e78077ab1db" providerId="ADAL" clId="{1340E681-60A3-43C9-86A2-A614324C29E3}" dt="2022-09-08T14:48:31.241" v="43" actId="1076"/>
-          <ac:picMkLst>
-            <pc:docMk/>
-            <pc:sldMk cId="0" sldId="256"/>
-            <ac:picMk id="1026" creationId="{32CA916F-CC2F-44D8-860F-51EEBE75F0C3}"/>
-          </ac:picMkLst>
-        </pc:picChg>
+          <ac:chgData name="Velani, Ankitkumar" userId="039f6639-35cd-4471-8ac8-1e78077ab1db" providerId="ADAL" clId="{33E50C66-1FDE-455D-A400-8B63EAA4D6C7}" dt="2022-09-30T15:35:20.491" v="52" actId="20577"/>
+          <ac:spMkLst>
+            <pc:docMk/>
+            <pc:sldMk cId="3341720833" sldId="324"/>
+            <ac:spMk id="3" creationId="{7F8F2A5C-1157-A1D4-9D9F-D8A8B9C22C1D}"/>
+          </ac:spMkLst>
+        </pc:spChg>
       </pc:sldChg>
       <pc:sldChg chg="modSp mod">
-        <pc:chgData name="Velani, Ankitkumar" userId="039f6639-35cd-4471-8ac8-1e78077ab1db" providerId="ADAL" clId="{1340E681-60A3-43C9-86A2-A614324C29E3}" dt="2022-09-09T13:24:15.023" v="2052" actId="20577"/>
-        <pc:sldMkLst>
-          <pc:docMk/>
-          <pc:sldMk cId="0" sldId="257"/>
+        <pc:chgData name="Velani, Ankitkumar" userId="039f6639-35cd-4471-8ac8-1e78077ab1db" providerId="ADAL" clId="{33E50C66-1FDE-455D-A400-8B63EAA4D6C7}" dt="2022-09-30T16:04:02.929" v="57" actId="20577"/>
+        <pc:sldMkLst>
+          <pc:docMk/>
+          <pc:sldMk cId="58289629" sldId="325"/>
         </pc:sldMkLst>
         <pc:spChg chg="mod">
-          <ac:chgData name="Velani, Ankitkumar" userId="039f6639-35cd-4471-8ac8-1e78077ab1db" providerId="ADAL" clId="{1340E681-60A3-43C9-86A2-A614324C29E3}" dt="2022-09-09T13:24:15.023" v="2052" actId="20577"/>
-          <ac:spMkLst>
-            <pc:docMk/>
-            <pc:sldMk cId="0" sldId="257"/>
-            <ac:spMk id="99" creationId="{00000000-0000-0000-0000-000000000000}"/>
+          <ac:chgData name="Velani, Ankitkumar" userId="039f6639-35cd-4471-8ac8-1e78077ab1db" providerId="ADAL" clId="{33E50C66-1FDE-455D-A400-8B63EAA4D6C7}" dt="2022-09-30T15:34:57.705" v="45" actId="20577"/>
+          <ac:spMkLst>
+            <pc:docMk/>
+            <pc:sldMk cId="58289629" sldId="325"/>
+            <ac:spMk id="3" creationId="{7F8F2A5C-1157-A1D4-9D9F-D8A8B9C22C1D}"/>
           </ac:spMkLst>
         </pc:spChg>
         <pc:spChg chg="mod">
-          <ac:chgData name="Velani, Ankitkumar" userId="039f6639-35cd-4471-8ac8-1e78077ab1db" providerId="ADAL" clId="{1340E681-60A3-43C9-86A2-A614324C29E3}" dt="2022-09-09T13:24:08.674" v="2051" actId="20577"/>
-          <ac:spMkLst>
-            <pc:docMk/>
-            <pc:sldMk cId="0" sldId="257"/>
-            <ac:spMk id="100" creationId="{00000000-0000-0000-0000-000000000000}"/>
-          </ac:spMkLst>
-        </pc:spChg>
-      </pc:sldChg>
-      <pc:sldChg chg="addSp delSp modSp mod">
-        <pc:chgData name="Velani, Ankitkumar" userId="039f6639-35cd-4471-8ac8-1e78077ab1db" providerId="ADAL" clId="{1340E681-60A3-43C9-86A2-A614324C29E3}" dt="2022-09-09T01:31:02.814" v="503"/>
-        <pc:sldMkLst>
-          <pc:docMk/>
-          <pc:sldMk cId="0" sldId="258"/>
-        </pc:sldMkLst>
-        <pc:spChg chg="add del mod">
-          <ac:chgData name="Velani, Ankitkumar" userId="039f6639-35cd-4471-8ac8-1e78077ab1db" providerId="ADAL" clId="{1340E681-60A3-43C9-86A2-A614324C29E3}" dt="2022-09-09T01:31:02.814" v="503"/>
-          <ac:spMkLst>
-            <pc:docMk/>
-            <pc:sldMk cId="0" sldId="258"/>
-            <ac:spMk id="7" creationId="{ADEEC505-20C6-4691-A645-258AE9F6F855}"/>
-          </ac:spMkLst>
-        </pc:spChg>
-        <pc:spChg chg="add del mod">
-          <ac:chgData name="Velani, Ankitkumar" userId="039f6639-35cd-4471-8ac8-1e78077ab1db" providerId="ADAL" clId="{1340E681-60A3-43C9-86A2-A614324C29E3}" dt="2022-09-09T01:31:02.814" v="503"/>
-          <ac:spMkLst>
-            <pc:docMk/>
-            <pc:sldMk cId="0" sldId="258"/>
-            <ac:spMk id="8" creationId="{64E402EA-1A34-40D5-9749-932A69D1C086}"/>
-          </ac:spMkLst>
-        </pc:spChg>
+          <ac:chgData name="Velani, Ankitkumar" userId="039f6639-35cd-4471-8ac8-1e78077ab1db" providerId="ADAL" clId="{33E50C66-1FDE-455D-A400-8B63EAA4D6C7}" dt="2022-09-30T16:04:02.929" v="57" actId="20577"/>
+          <ac:spMkLst>
+            <pc:docMk/>
+            <pc:sldMk cId="58289629" sldId="325"/>
+            <ac:spMk id="8" creationId="{A8675174-13B1-9DE8-11BA-E2D2242A8A53}"/>
+          </ac:spMkLst>
+        </pc:spChg>
+      </pc:sldChg>
+      <pc:sldChg chg="modSp mod">
+        <pc:chgData name="Velani, Ankitkumar" userId="039f6639-35cd-4471-8ac8-1e78077ab1db" providerId="ADAL" clId="{33E50C66-1FDE-455D-A400-8B63EAA4D6C7}" dt="2022-09-30T15:55:17.637" v="54" actId="20577"/>
+        <pc:sldMkLst>
+          <pc:docMk/>
+          <pc:sldMk cId="2405463798" sldId="326"/>
+        </pc:sldMkLst>
         <pc:spChg chg="mod">
-          <ac:chgData name="Velani, Ankitkumar" userId="039f6639-35cd-4471-8ac8-1e78077ab1db" providerId="ADAL" clId="{1340E681-60A3-43C9-86A2-A614324C29E3}" dt="2022-09-08T15:13:09.062" v="50" actId="20577"/>
-          <ac:spMkLst>
-            <pc:docMk/>
-            <pc:sldMk cId="0" sldId="258"/>
-            <ac:spMk id="108" creationId="{00000000-0000-0000-0000-000000000000}"/>
-          </ac:spMkLst>
-        </pc:spChg>
-        <pc:spChg chg="mod">
-          <ac:chgData name="Velani, Ankitkumar" userId="039f6639-35cd-4471-8ac8-1e78077ab1db" providerId="ADAL" clId="{1340E681-60A3-43C9-86A2-A614324C29E3}" dt="2022-09-09T01:26:20.645" v="428" actId="20577"/>
-          <ac:spMkLst>
-            <pc:docMk/>
-            <pc:sldMk cId="0" sldId="258"/>
-            <ac:spMk id="109" creationId="{00000000-0000-0000-0000-000000000000}"/>
-          </ac:spMkLst>
-        </pc:spChg>
-        <pc:picChg chg="del">
-          <ac:chgData name="Velani, Ankitkumar" userId="039f6639-35cd-4471-8ac8-1e78077ab1db" providerId="ADAL" clId="{1340E681-60A3-43C9-86A2-A614324C29E3}" dt="2022-09-08T15:14:10.085" v="56" actId="478"/>
-          <ac:picMkLst>
-            <pc:docMk/>
-            <pc:sldMk cId="0" sldId="258"/>
-            <ac:picMk id="7" creationId="{82D688DE-B6F5-4F65-9BCB-BA72C7FC1EB8}"/>
-          </ac:picMkLst>
-        </pc:picChg>
-      </pc:sldChg>
-      <pc:sldChg chg="modSp del mod">
-        <pc:chgData name="Velani, Ankitkumar" userId="039f6639-35cd-4471-8ac8-1e78077ab1db" providerId="ADAL" clId="{1340E681-60A3-43C9-86A2-A614324C29E3}" dt="2022-09-09T01:36:25.137" v="1046" actId="47"/>
-        <pc:sldMkLst>
-          <pc:docMk/>
-          <pc:sldMk cId="4065110562" sldId="272"/>
-        </pc:sldMkLst>
-        <pc:spChg chg="mod">
-          <ac:chgData name="Velani, Ankitkumar" userId="039f6639-35cd-4471-8ac8-1e78077ab1db" providerId="ADAL" clId="{1340E681-60A3-43C9-86A2-A614324C29E3}" dt="2022-09-09T01:28:55.878" v="468" actId="20577"/>
-          <ac:spMkLst>
-            <pc:docMk/>
-            <pc:sldMk cId="4065110562" sldId="272"/>
-            <ac:spMk id="108" creationId="{00000000-0000-0000-0000-000000000000}"/>
-          </ac:spMkLst>
-        </pc:spChg>
-        <pc:spChg chg="mod">
-          <ac:chgData name="Velani, Ankitkumar" userId="039f6639-35cd-4471-8ac8-1e78077ab1db" providerId="ADAL" clId="{1340E681-60A3-43C9-86A2-A614324C29E3}" dt="2022-09-09T01:29:30.664" v="501" actId="20577"/>
-          <ac:spMkLst>
-            <pc:docMk/>
-            <pc:sldMk cId="4065110562" sldId="272"/>
-            <ac:spMk id="109" creationId="{00000000-0000-0000-0000-000000000000}"/>
-          </ac:spMkLst>
-        </pc:spChg>
-      </pc:sldChg>
-      <pc:sldChg chg="modSp mod">
-        <pc:chgData name="Velani, Ankitkumar" userId="039f6639-35cd-4471-8ac8-1e78077ab1db" providerId="ADAL" clId="{1340E681-60A3-43C9-86A2-A614324C29E3}" dt="2022-09-09T02:02:23.375" v="1244" actId="20577"/>
-        <pc:sldMkLst>
-          <pc:docMk/>
-          <pc:sldMk cId="114794549" sldId="273"/>
-        </pc:sldMkLst>
-        <pc:spChg chg="mod">
-          <ac:chgData name="Velani, Ankitkumar" userId="039f6639-35cd-4471-8ac8-1e78077ab1db" providerId="ADAL" clId="{1340E681-60A3-43C9-86A2-A614324C29E3}" dt="2022-09-08T15:16:49.581" v="75" actId="20577"/>
-          <ac:spMkLst>
-            <pc:docMk/>
-            <pc:sldMk cId="114794549" sldId="273"/>
-            <ac:spMk id="108" creationId="{00000000-0000-0000-0000-000000000000}"/>
-          </ac:spMkLst>
-        </pc:spChg>
-        <pc:spChg chg="mod">
-          <ac:chgData name="Velani, Ankitkumar" userId="039f6639-35cd-4471-8ac8-1e78077ab1db" providerId="ADAL" clId="{1340E681-60A3-43C9-86A2-A614324C29E3}" dt="2022-09-09T02:02:23.375" v="1244" actId="20577"/>
-          <ac:spMkLst>
-            <pc:docMk/>
-            <pc:sldMk cId="114794549" sldId="273"/>
-            <ac:spMk id="109" creationId="{00000000-0000-0000-0000-000000000000}"/>
-          </ac:spMkLst>
-        </pc:spChg>
-      </pc:sldChg>
-      <pc:sldChg chg="del">
-        <pc:chgData name="Velani, Ankitkumar" userId="039f6639-35cd-4471-8ac8-1e78077ab1db" providerId="ADAL" clId="{1340E681-60A3-43C9-86A2-A614324C29E3}" dt="2022-09-08T15:18:26.722" v="91" actId="47"/>
-        <pc:sldMkLst>
-          <pc:docMk/>
-          <pc:sldMk cId="1592126093" sldId="274"/>
-        </pc:sldMkLst>
-      </pc:sldChg>
-      <pc:sldChg chg="del">
-        <pc:chgData name="Velani, Ankitkumar" userId="039f6639-35cd-4471-8ac8-1e78077ab1db" providerId="ADAL" clId="{1340E681-60A3-43C9-86A2-A614324C29E3}" dt="2022-09-08T15:18:28.897" v="92" actId="47"/>
-        <pc:sldMkLst>
-          <pc:docMk/>
-          <pc:sldMk cId="2959000939" sldId="275"/>
-        </pc:sldMkLst>
-      </pc:sldChg>
-      <pc:sldChg chg="del">
-        <pc:chgData name="Velani, Ankitkumar" userId="039f6639-35cd-4471-8ac8-1e78077ab1db" providerId="ADAL" clId="{1340E681-60A3-43C9-86A2-A614324C29E3}" dt="2022-09-08T15:18:29.467" v="93" actId="47"/>
-        <pc:sldMkLst>
-          <pc:docMk/>
-          <pc:sldMk cId="1688761229" sldId="276"/>
-        </pc:sldMkLst>
-      </pc:sldChg>
-      <pc:sldChg chg="addSp delSp modSp mod">
-        <pc:chgData name="Velani, Ankitkumar" userId="039f6639-35cd-4471-8ac8-1e78077ab1db" providerId="ADAL" clId="{1340E681-60A3-43C9-86A2-A614324C29E3}" dt="2022-09-09T01:59:00.182" v="1213" actId="20577"/>
-        <pc:sldMkLst>
-          <pc:docMk/>
-          <pc:sldMk cId="435176371" sldId="277"/>
-        </pc:sldMkLst>
-        <pc:spChg chg="mod">
-          <ac:chgData name="Velani, Ankitkumar" userId="039f6639-35cd-4471-8ac8-1e78077ab1db" providerId="ADAL" clId="{1340E681-60A3-43C9-86A2-A614324C29E3}" dt="2022-09-09T01:58:44.148" v="1176" actId="20577"/>
-          <ac:spMkLst>
-            <pc:docMk/>
-            <pc:sldMk cId="435176371" sldId="277"/>
-            <ac:spMk id="108" creationId="{00000000-0000-0000-0000-000000000000}"/>
-          </ac:spMkLst>
-        </pc:spChg>
-        <pc:spChg chg="mod">
-          <ac:chgData name="Velani, Ankitkumar" userId="039f6639-35cd-4471-8ac8-1e78077ab1db" providerId="ADAL" clId="{1340E681-60A3-43C9-86A2-A614324C29E3}" dt="2022-09-09T01:59:00.182" v="1213" actId="20577"/>
-          <ac:spMkLst>
-            <pc:docMk/>
-            <pc:sldMk cId="435176371" sldId="277"/>
-            <ac:spMk id="109" creationId="{00000000-0000-0000-0000-000000000000}"/>
-          </ac:spMkLst>
-        </pc:spChg>
-        <pc:picChg chg="add del mod">
-          <ac:chgData name="Velani, Ankitkumar" userId="039f6639-35cd-4471-8ac8-1e78077ab1db" providerId="ADAL" clId="{1340E681-60A3-43C9-86A2-A614324C29E3}" dt="2022-09-09T01:54:14.914" v="1087" actId="478"/>
-          <ac:picMkLst>
-            <pc:docMk/>
-            <pc:sldMk cId="435176371" sldId="277"/>
-            <ac:picMk id="3" creationId="{A64FDB2C-5821-4FDA-A040-592AAA634CEC}"/>
-          </ac:picMkLst>
-        </pc:picChg>
-        <pc:picChg chg="add del mod modCrop">
-          <ac:chgData name="Velani, Ankitkumar" userId="039f6639-35cd-4471-8ac8-1e78077ab1db" providerId="ADAL" clId="{1340E681-60A3-43C9-86A2-A614324C29E3}" dt="2022-09-09T01:54:57.648" v="1097" actId="478"/>
-          <ac:picMkLst>
-            <pc:docMk/>
-            <pc:sldMk cId="435176371" sldId="277"/>
-            <ac:picMk id="5" creationId="{40E43780-CA30-4D68-9C53-28EEF9AE6637}"/>
-          </ac:picMkLst>
-        </pc:picChg>
-        <pc:picChg chg="add mod">
-          <ac:chgData name="Velani, Ankitkumar" userId="039f6639-35cd-4471-8ac8-1e78077ab1db" providerId="ADAL" clId="{1340E681-60A3-43C9-86A2-A614324C29E3}" dt="2022-09-09T01:58:23.947" v="1136" actId="1076"/>
-          <ac:picMkLst>
-            <pc:docMk/>
-            <pc:sldMk cId="435176371" sldId="277"/>
-            <ac:picMk id="7" creationId="{CB0B4D40-9369-4A36-B972-476D305E9622}"/>
-          </ac:picMkLst>
-        </pc:picChg>
-        <pc:picChg chg="add mod">
-          <ac:chgData name="Velani, Ankitkumar" userId="039f6639-35cd-4471-8ac8-1e78077ab1db" providerId="ADAL" clId="{1340E681-60A3-43C9-86A2-A614324C29E3}" dt="2022-09-09T01:58:09.581" v="1132" actId="1076"/>
-          <ac:picMkLst>
-            <pc:docMk/>
-            <pc:sldMk cId="435176371" sldId="277"/>
-            <ac:picMk id="9" creationId="{1EA184A3-FFFA-4982-8965-BF5103A53112}"/>
-          </ac:picMkLst>
-        </pc:picChg>
-      </pc:sldChg>
-      <pc:sldChg chg="modSp del mod">
-        <pc:chgData name="Velani, Ankitkumar" userId="039f6639-35cd-4471-8ac8-1e78077ab1db" providerId="ADAL" clId="{1340E681-60A3-43C9-86A2-A614324C29E3}" dt="2022-09-09T03:18:39.181" v="2020" actId="47"/>
-        <pc:sldMkLst>
-          <pc:docMk/>
-          <pc:sldMk cId="320955946" sldId="278"/>
-        </pc:sldMkLst>
-        <pc:spChg chg="mod">
-          <ac:chgData name="Velani, Ankitkumar" userId="039f6639-35cd-4471-8ac8-1e78077ab1db" providerId="ADAL" clId="{1340E681-60A3-43C9-86A2-A614324C29E3}" dt="2022-09-08T15:19:10.439" v="109" actId="20577"/>
-          <ac:spMkLst>
-            <pc:docMk/>
-            <pc:sldMk cId="320955946" sldId="278"/>
-            <ac:spMk id="109" creationId="{00000000-0000-0000-0000-000000000000}"/>
-          </ac:spMkLst>
-        </pc:spChg>
-      </pc:sldChg>
-      <pc:sldChg chg="del">
-        <pc:chgData name="Velani, Ankitkumar" userId="039f6639-35cd-4471-8ac8-1e78077ab1db" providerId="ADAL" clId="{1340E681-60A3-43C9-86A2-A614324C29E3}" dt="2022-09-08T15:19:13.950" v="110" actId="47"/>
-        <pc:sldMkLst>
-          <pc:docMk/>
-          <pc:sldMk cId="2174626971" sldId="279"/>
-        </pc:sldMkLst>
-      </pc:sldChg>
-      <pc:sldChg chg="modSp mod">
-        <pc:chgData name="Velani, Ankitkumar" userId="039f6639-35cd-4471-8ac8-1e78077ab1db" providerId="ADAL" clId="{1340E681-60A3-43C9-86A2-A614324C29E3}" dt="2022-09-08T15:19:19.881" v="118" actId="20577"/>
-        <pc:sldMkLst>
-          <pc:docMk/>
-          <pc:sldMk cId="2469122854" sldId="280"/>
-        </pc:sldMkLst>
-        <pc:spChg chg="mod">
-          <ac:chgData name="Velani, Ankitkumar" userId="039f6639-35cd-4471-8ac8-1e78077ab1db" providerId="ADAL" clId="{1340E681-60A3-43C9-86A2-A614324C29E3}" dt="2022-09-08T15:19:19.881" v="118" actId="20577"/>
-          <ac:spMkLst>
-            <pc:docMk/>
-            <pc:sldMk cId="2469122854" sldId="280"/>
-            <ac:spMk id="108" creationId="{00000000-0000-0000-0000-000000000000}"/>
-          </ac:spMkLst>
-        </pc:spChg>
-      </pc:sldChg>
-      <pc:sldChg chg="modSp mod ord">
-        <pc:chgData name="Velani, Ankitkumar" userId="039f6639-35cd-4471-8ac8-1e78077ab1db" providerId="ADAL" clId="{1340E681-60A3-43C9-86A2-A614324C29E3}" dt="2022-09-09T02:53:57.803" v="1706" actId="20577"/>
-        <pc:sldMkLst>
-          <pc:docMk/>
-          <pc:sldMk cId="2792662973" sldId="281"/>
-        </pc:sldMkLst>
-        <pc:spChg chg="mod">
-          <ac:chgData name="Velani, Ankitkumar" userId="039f6639-35cd-4471-8ac8-1e78077ab1db" providerId="ADAL" clId="{1340E681-60A3-43C9-86A2-A614324C29E3}" dt="2022-09-09T02:53:57.803" v="1706" actId="20577"/>
-          <ac:spMkLst>
-            <pc:docMk/>
-            <pc:sldMk cId="2792662973" sldId="281"/>
-            <ac:spMk id="109" creationId="{00000000-0000-0000-0000-000000000000}"/>
-          </ac:spMkLst>
-        </pc:spChg>
-      </pc:sldChg>
-      <pc:sldChg chg="modSp del mod">
-        <pc:chgData name="Velani, Ankitkumar" userId="039f6639-35cd-4471-8ac8-1e78077ab1db" providerId="ADAL" clId="{1340E681-60A3-43C9-86A2-A614324C29E3}" dt="2022-09-09T02:54:24.586" v="1707" actId="47"/>
-        <pc:sldMkLst>
-          <pc:docMk/>
-          <pc:sldMk cId="3132053676" sldId="282"/>
-        </pc:sldMkLst>
-        <pc:spChg chg="mod">
-          <ac:chgData name="Velani, Ankitkumar" userId="039f6639-35cd-4471-8ac8-1e78077ab1db" providerId="ADAL" clId="{1340E681-60A3-43C9-86A2-A614324C29E3}" dt="2022-09-08T15:18:55.839" v="96" actId="20577"/>
-          <ac:spMkLst>
-            <pc:docMk/>
-            <pc:sldMk cId="3132053676" sldId="282"/>
-            <ac:spMk id="109" creationId="{00000000-0000-0000-0000-000000000000}"/>
-          </ac:spMkLst>
-        </pc:spChg>
-      </pc:sldChg>
-      <pc:sldChg chg="del">
-        <pc:chgData name="Velani, Ankitkumar" userId="039f6639-35cd-4471-8ac8-1e78077ab1db" providerId="ADAL" clId="{1340E681-60A3-43C9-86A2-A614324C29E3}" dt="2022-09-09T03:12:52.136" v="1864" actId="2696"/>
-        <pc:sldMkLst>
-          <pc:docMk/>
-          <pc:sldMk cId="575650393" sldId="283"/>
-        </pc:sldMkLst>
-      </pc:sldChg>
-      <pc:sldChg chg="del">
-        <pc:chgData name="Velani, Ankitkumar" userId="039f6639-35cd-4471-8ac8-1e78077ab1db" providerId="ADAL" clId="{1340E681-60A3-43C9-86A2-A614324C29E3}" dt="2022-09-08T15:19:14.855" v="111" actId="47"/>
-        <pc:sldMkLst>
-          <pc:docMk/>
-          <pc:sldMk cId="3711818749" sldId="284"/>
-        </pc:sldMkLst>
-      </pc:sldChg>
-      <pc:sldChg chg="modSp mod">
-        <pc:chgData name="Velani, Ankitkumar" userId="039f6639-35cd-4471-8ac8-1e78077ab1db" providerId="ADAL" clId="{1340E681-60A3-43C9-86A2-A614324C29E3}" dt="2022-09-08T15:19:31.867" v="126" actId="20577"/>
-        <pc:sldMkLst>
-          <pc:docMk/>
-          <pc:sldMk cId="1515200759" sldId="285"/>
-        </pc:sldMkLst>
-        <pc:spChg chg="mod">
-          <ac:chgData name="Velani, Ankitkumar" userId="039f6639-35cd-4471-8ac8-1e78077ab1db" providerId="ADAL" clId="{1340E681-60A3-43C9-86A2-A614324C29E3}" dt="2022-09-08T15:19:28.059" v="125" actId="20577"/>
-          <ac:spMkLst>
-            <pc:docMk/>
-            <pc:sldMk cId="1515200759" sldId="285"/>
-            <ac:spMk id="108" creationId="{00000000-0000-0000-0000-000000000000}"/>
-          </ac:spMkLst>
-        </pc:spChg>
-        <pc:spChg chg="mod">
-          <ac:chgData name="Velani, Ankitkumar" userId="039f6639-35cd-4471-8ac8-1e78077ab1db" providerId="ADAL" clId="{1340E681-60A3-43C9-86A2-A614324C29E3}" dt="2022-09-08T15:19:31.867" v="126" actId="20577"/>
-          <ac:spMkLst>
-            <pc:docMk/>
-            <pc:sldMk cId="1515200759" sldId="285"/>
-            <ac:spMk id="109" creationId="{00000000-0000-0000-0000-000000000000}"/>
-          </ac:spMkLst>
-        </pc:spChg>
-      </pc:sldChg>
-      <pc:sldChg chg="modSp mod">
-        <pc:chgData name="Velani, Ankitkumar" userId="039f6639-35cd-4471-8ac8-1e78077ab1db" providerId="ADAL" clId="{1340E681-60A3-43C9-86A2-A614324C29E3}" dt="2022-09-08T15:19:38.184" v="133" actId="20577"/>
-        <pc:sldMkLst>
-          <pc:docMk/>
-          <pc:sldMk cId="4111025725" sldId="286"/>
-        </pc:sldMkLst>
-        <pc:spChg chg="mod">
-          <ac:chgData name="Velani, Ankitkumar" userId="039f6639-35cd-4471-8ac8-1e78077ab1db" providerId="ADAL" clId="{1340E681-60A3-43C9-86A2-A614324C29E3}" dt="2022-09-08T15:19:38.184" v="133" actId="20577"/>
-          <ac:spMkLst>
-            <pc:docMk/>
-            <pc:sldMk cId="4111025725" sldId="286"/>
-            <ac:spMk id="108" creationId="{00000000-0000-0000-0000-000000000000}"/>
-          </ac:spMkLst>
-        </pc:spChg>
-      </pc:sldChg>
-      <pc:sldChg chg="modSp mod">
-        <pc:chgData name="Velani, Ankitkumar" userId="039f6639-35cd-4471-8ac8-1e78077ab1db" providerId="ADAL" clId="{1340E681-60A3-43C9-86A2-A614324C29E3}" dt="2022-09-10T03:12:20.446" v="2062" actId="313"/>
-        <pc:sldMkLst>
-          <pc:docMk/>
-          <pc:sldMk cId="2438622846" sldId="287"/>
-        </pc:sldMkLst>
-        <pc:spChg chg="mod">
-          <ac:chgData name="Velani, Ankitkumar" userId="039f6639-35cd-4471-8ac8-1e78077ab1db" providerId="ADAL" clId="{1340E681-60A3-43C9-86A2-A614324C29E3}" dt="2022-09-10T03:12:20.446" v="2062" actId="313"/>
-          <ac:spMkLst>
-            <pc:docMk/>
-            <pc:sldMk cId="2438622846" sldId="287"/>
-            <ac:spMk id="109" creationId="{00000000-0000-0000-0000-000000000000}"/>
-          </ac:spMkLst>
-        </pc:spChg>
-      </pc:sldChg>
-      <pc:sldChg chg="modSp add del mod">
-        <pc:chgData name="Velani, Ankitkumar" userId="039f6639-35cd-4471-8ac8-1e78077ab1db" providerId="ADAL" clId="{1340E681-60A3-43C9-86A2-A614324C29E3}" dt="2022-09-08T15:23:27.352" v="264" actId="6549"/>
-        <pc:sldMkLst>
-          <pc:docMk/>
-          <pc:sldMk cId="1205780775" sldId="288"/>
-        </pc:sldMkLst>
-        <pc:spChg chg="mod">
-          <ac:chgData name="Velani, Ankitkumar" userId="039f6639-35cd-4471-8ac8-1e78077ab1db" providerId="ADAL" clId="{1340E681-60A3-43C9-86A2-A614324C29E3}" dt="2022-09-08T15:22:16.004" v="211" actId="20577"/>
-          <ac:spMkLst>
-            <pc:docMk/>
-            <pc:sldMk cId="1205780775" sldId="288"/>
-            <ac:spMk id="99" creationId="{00000000-0000-0000-0000-000000000000}"/>
-          </ac:spMkLst>
-        </pc:spChg>
-        <pc:spChg chg="mod">
-          <ac:chgData name="Velani, Ankitkumar" userId="039f6639-35cd-4471-8ac8-1e78077ab1db" providerId="ADAL" clId="{1340E681-60A3-43C9-86A2-A614324C29E3}" dt="2022-09-08T15:23:27.352" v="264" actId="6549"/>
-          <ac:spMkLst>
-            <pc:docMk/>
-            <pc:sldMk cId="1205780775" sldId="288"/>
-            <ac:spMk id="100" creationId="{00000000-0000-0000-0000-000000000000}"/>
-          </ac:spMkLst>
-        </pc:spChg>
-      </pc:sldChg>
-      <pc:sldChg chg="del">
-        <pc:chgData name="Velani, Ankitkumar" userId="039f6639-35cd-4471-8ac8-1e78077ab1db" providerId="ADAL" clId="{1340E681-60A3-43C9-86A2-A614324C29E3}" dt="2022-09-08T15:20:50.712" v="142" actId="47"/>
-        <pc:sldMkLst>
-          <pc:docMk/>
-          <pc:sldMk cId="2344059627" sldId="289"/>
-        </pc:sldMkLst>
-      </pc:sldChg>
-      <pc:sldChg chg="del">
-        <pc:chgData name="Velani, Ankitkumar" userId="039f6639-35cd-4471-8ac8-1e78077ab1db" providerId="ADAL" clId="{1340E681-60A3-43C9-86A2-A614324C29E3}" dt="2022-09-08T15:20:51.013" v="143" actId="47"/>
-        <pc:sldMkLst>
-          <pc:docMk/>
-          <pc:sldMk cId="2673655364" sldId="290"/>
-        </pc:sldMkLst>
-      </pc:sldChg>
-      <pc:sldChg chg="del">
-        <pc:chgData name="Velani, Ankitkumar" userId="039f6639-35cd-4471-8ac8-1e78077ab1db" providerId="ADAL" clId="{1340E681-60A3-43C9-86A2-A614324C29E3}" dt="2022-09-08T15:20:51.276" v="144" actId="47"/>
-        <pc:sldMkLst>
-          <pc:docMk/>
-          <pc:sldMk cId="3671309648" sldId="291"/>
-        </pc:sldMkLst>
-      </pc:sldChg>
-      <pc:sldChg chg="del">
-        <pc:chgData name="Velani, Ankitkumar" userId="039f6639-35cd-4471-8ac8-1e78077ab1db" providerId="ADAL" clId="{1340E681-60A3-43C9-86A2-A614324C29E3}" dt="2022-09-08T15:20:51.577" v="145" actId="47"/>
-        <pc:sldMkLst>
-          <pc:docMk/>
-          <pc:sldMk cId="981376725" sldId="292"/>
-        </pc:sldMkLst>
-      </pc:sldChg>
-      <pc:sldChg chg="del">
-        <pc:chgData name="Velani, Ankitkumar" userId="039f6639-35cd-4471-8ac8-1e78077ab1db" providerId="ADAL" clId="{1340E681-60A3-43C9-86A2-A614324C29E3}" dt="2022-09-08T15:20:52.166" v="146" actId="47"/>
-        <pc:sldMkLst>
-          <pc:docMk/>
-          <pc:sldMk cId="2738354077" sldId="293"/>
-        </pc:sldMkLst>
-      </pc:sldChg>
-      <pc:sldChg chg="add del">
-        <pc:chgData name="Velani, Ankitkumar" userId="039f6639-35cd-4471-8ac8-1e78077ab1db" providerId="ADAL" clId="{1340E681-60A3-43C9-86A2-A614324C29E3}" dt="2022-09-08T15:21:57.002" v="181" actId="47"/>
-        <pc:sldMkLst>
-          <pc:docMk/>
-          <pc:sldMk cId="3138019313" sldId="294"/>
-        </pc:sldMkLst>
-      </pc:sldChg>
-      <pc:sldChg chg="modSp add mod">
-        <pc:chgData name="Velani, Ankitkumar" userId="039f6639-35cd-4471-8ac8-1e78077ab1db" providerId="ADAL" clId="{1340E681-60A3-43C9-86A2-A614324C29E3}" dt="2022-09-08T15:24:14.068" v="294"/>
-        <pc:sldMkLst>
-          <pc:docMk/>
-          <pc:sldMk cId="1416168009" sldId="295"/>
-        </pc:sldMkLst>
-        <pc:spChg chg="mod">
-          <ac:chgData name="Velani, Ankitkumar" userId="039f6639-35cd-4471-8ac8-1e78077ab1db" providerId="ADAL" clId="{1340E681-60A3-43C9-86A2-A614324C29E3}" dt="2022-09-08T15:24:14.068" v="294"/>
-          <ac:spMkLst>
-            <pc:docMk/>
-            <pc:sldMk cId="1416168009" sldId="295"/>
-            <ac:spMk id="108" creationId="{00000000-0000-0000-0000-000000000000}"/>
-          </ac:spMkLst>
-        </pc:spChg>
-      </pc:sldChg>
-      <pc:sldChg chg="del">
-        <pc:chgData name="Velani, Ankitkumar" userId="039f6639-35cd-4471-8ac8-1e78077ab1db" providerId="ADAL" clId="{1340E681-60A3-43C9-86A2-A614324C29E3}" dt="2022-09-08T15:20:55.226" v="151" actId="47"/>
-        <pc:sldMkLst>
-          <pc:docMk/>
-          <pc:sldMk cId="1632705750" sldId="295"/>
-        </pc:sldMkLst>
-      </pc:sldChg>
-      <pc:sldChg chg="add del">
-        <pc:chgData name="Velani, Ankitkumar" userId="039f6639-35cd-4471-8ac8-1e78077ab1db" providerId="ADAL" clId="{1340E681-60A3-43C9-86A2-A614324C29E3}" dt="2022-09-08T15:23:45.049" v="273" actId="47"/>
-        <pc:sldMkLst>
-          <pc:docMk/>
-          <pc:sldMk cId="1513836142" sldId="296"/>
-        </pc:sldMkLst>
-      </pc:sldChg>
-      <pc:sldChg chg="modSp add mod">
-        <pc:chgData name="Velani, Ankitkumar" userId="039f6639-35cd-4471-8ac8-1e78077ab1db" providerId="ADAL" clId="{1340E681-60A3-43C9-86A2-A614324C29E3}" dt="2022-09-08T15:24:23.482" v="300" actId="20577"/>
-        <pc:sldMkLst>
-          <pc:docMk/>
-          <pc:sldMk cId="3632673750" sldId="296"/>
-        </pc:sldMkLst>
-        <pc:spChg chg="mod">
-          <ac:chgData name="Velani, Ankitkumar" userId="039f6639-35cd-4471-8ac8-1e78077ab1db" providerId="ADAL" clId="{1340E681-60A3-43C9-86A2-A614324C29E3}" dt="2022-09-08T15:24:23.482" v="300" actId="20577"/>
-          <ac:spMkLst>
-            <pc:docMk/>
-            <pc:sldMk cId="3632673750" sldId="296"/>
-            <ac:spMk id="108" creationId="{00000000-0000-0000-0000-000000000000}"/>
-          </ac:spMkLst>
-        </pc:spChg>
-      </pc:sldChg>
-      <pc:sldChg chg="del">
-        <pc:chgData name="Velani, Ankitkumar" userId="039f6639-35cd-4471-8ac8-1e78077ab1db" providerId="ADAL" clId="{1340E681-60A3-43C9-86A2-A614324C29E3}" dt="2022-09-08T15:20:53.143" v="147" actId="47"/>
-        <pc:sldMkLst>
-          <pc:docMk/>
-          <pc:sldMk cId="2077387241" sldId="297"/>
-        </pc:sldMkLst>
-      </pc:sldChg>
-      <pc:sldChg chg="modSp add mod">
-        <pc:chgData name="Velani, Ankitkumar" userId="039f6639-35cd-4471-8ac8-1e78077ab1db" providerId="ADAL" clId="{1340E681-60A3-43C9-86A2-A614324C29E3}" dt="2022-09-08T15:24:33.036" v="304" actId="20577"/>
-        <pc:sldMkLst>
-          <pc:docMk/>
-          <pc:sldMk cId="3870813925" sldId="297"/>
-        </pc:sldMkLst>
-        <pc:spChg chg="mod">
-          <ac:chgData name="Velani, Ankitkumar" userId="039f6639-35cd-4471-8ac8-1e78077ab1db" providerId="ADAL" clId="{1340E681-60A3-43C9-86A2-A614324C29E3}" dt="2022-09-08T15:24:33.036" v="304" actId="20577"/>
-          <ac:spMkLst>
-            <pc:docMk/>
-            <pc:sldMk cId="3870813925" sldId="297"/>
-            <ac:spMk id="108" creationId="{00000000-0000-0000-0000-000000000000}"/>
-          </ac:spMkLst>
-        </pc:spChg>
-      </pc:sldChg>
-      <pc:sldChg chg="del">
-        <pc:chgData name="Velani, Ankitkumar" userId="039f6639-35cd-4471-8ac8-1e78077ab1db" providerId="ADAL" clId="{1340E681-60A3-43C9-86A2-A614324C29E3}" dt="2022-09-08T15:20:56.245" v="152" actId="47"/>
-        <pc:sldMkLst>
-          <pc:docMk/>
-          <pc:sldMk cId="1149467149" sldId="298"/>
-        </pc:sldMkLst>
-      </pc:sldChg>
-      <pc:sldChg chg="modSp add mod">
-        <pc:chgData name="Velani, Ankitkumar" userId="039f6639-35cd-4471-8ac8-1e78077ab1db" providerId="ADAL" clId="{1340E681-60A3-43C9-86A2-A614324C29E3}" dt="2022-09-08T15:25:31.519" v="370" actId="108"/>
-        <pc:sldMkLst>
-          <pc:docMk/>
-          <pc:sldMk cId="2537595148" sldId="298"/>
-        </pc:sldMkLst>
-        <pc:spChg chg="mod">
-          <ac:chgData name="Velani, Ankitkumar" userId="039f6639-35cd-4471-8ac8-1e78077ab1db" providerId="ADAL" clId="{1340E681-60A3-43C9-86A2-A614324C29E3}" dt="2022-09-08T15:24:51.723" v="324" actId="20577"/>
-          <ac:spMkLst>
-            <pc:docMk/>
-            <pc:sldMk cId="2537595148" sldId="298"/>
-            <ac:spMk id="108" creationId="{00000000-0000-0000-0000-000000000000}"/>
-          </ac:spMkLst>
-        </pc:spChg>
-        <pc:spChg chg="mod">
-          <ac:chgData name="Velani, Ankitkumar" userId="039f6639-35cd-4471-8ac8-1e78077ab1db" providerId="ADAL" clId="{1340E681-60A3-43C9-86A2-A614324C29E3}" dt="2022-09-08T15:25:31.519" v="370" actId="108"/>
-          <ac:spMkLst>
-            <pc:docMk/>
-            <pc:sldMk cId="2537595148" sldId="298"/>
-            <ac:spMk id="109" creationId="{00000000-0000-0000-0000-000000000000}"/>
-          </ac:spMkLst>
-        </pc:spChg>
-      </pc:sldChg>
-      <pc:sldChg chg="add">
-        <pc:chgData name="Velani, Ankitkumar" userId="039f6639-35cd-4471-8ac8-1e78077ab1db" providerId="ADAL" clId="{1340E681-60A3-43C9-86A2-A614324C29E3}" dt="2022-09-08T15:27:08.942" v="371"/>
-        <pc:sldMkLst>
-          <pc:docMk/>
-          <pc:sldMk cId="1714319504" sldId="299"/>
-        </pc:sldMkLst>
-      </pc:sldChg>
-      <pc:sldChg chg="del">
-        <pc:chgData name="Velani, Ankitkumar" userId="039f6639-35cd-4471-8ac8-1e78077ab1db" providerId="ADAL" clId="{1340E681-60A3-43C9-86A2-A614324C29E3}" dt="2022-09-08T15:20:57.763" v="153" actId="47"/>
-        <pc:sldMkLst>
-          <pc:docMk/>
-          <pc:sldMk cId="2809169825" sldId="299"/>
-        </pc:sldMkLst>
-      </pc:sldChg>
-      <pc:sldChg chg="del">
-        <pc:chgData name="Velani, Ankitkumar" userId="039f6639-35cd-4471-8ac8-1e78077ab1db" providerId="ADAL" clId="{1340E681-60A3-43C9-86A2-A614324C29E3}" dt="2022-09-08T15:20:53.469" v="148" actId="47"/>
-        <pc:sldMkLst>
-          <pc:docMk/>
-          <pc:sldMk cId="1642795635" sldId="300"/>
-        </pc:sldMkLst>
-      </pc:sldChg>
-      <pc:sldChg chg="modSp add del mod">
-        <pc:chgData name="Velani, Ankitkumar" userId="039f6639-35cd-4471-8ac8-1e78077ab1db" providerId="ADAL" clId="{1340E681-60A3-43C9-86A2-A614324C29E3}" dt="2022-09-08T15:27:40.977" v="378" actId="47"/>
-        <pc:sldMkLst>
-          <pc:docMk/>
-          <pc:sldMk cId="2169210693" sldId="300"/>
-        </pc:sldMkLst>
-        <pc:spChg chg="mod">
-          <ac:chgData name="Velani, Ankitkumar" userId="039f6639-35cd-4471-8ac8-1e78077ab1db" providerId="ADAL" clId="{1340E681-60A3-43C9-86A2-A614324C29E3}" dt="2022-09-08T15:27:13.651" v="373"/>
-          <ac:spMkLst>
-            <pc:docMk/>
-            <pc:sldMk cId="2169210693" sldId="300"/>
-            <ac:spMk id="108" creationId="{00000000-0000-0000-0000-000000000000}"/>
-          </ac:spMkLst>
-        </pc:spChg>
-      </pc:sldChg>
-      <pc:sldChg chg="del">
-        <pc:chgData name="Velani, Ankitkumar" userId="039f6639-35cd-4471-8ac8-1e78077ab1db" providerId="ADAL" clId="{1340E681-60A3-43C9-86A2-A614324C29E3}" dt="2022-09-08T15:20:54.756" v="149" actId="47"/>
-        <pc:sldMkLst>
-          <pc:docMk/>
-          <pc:sldMk cId="3179861112" sldId="301"/>
-        </pc:sldMkLst>
-      </pc:sldChg>
-      <pc:sldChg chg="add">
-        <pc:chgData name="Velani, Ankitkumar" userId="039f6639-35cd-4471-8ac8-1e78077ab1db" providerId="ADAL" clId="{1340E681-60A3-43C9-86A2-A614324C29E3}" dt="2022-09-08T15:27:22.169" v="374"/>
-        <pc:sldMkLst>
-          <pc:docMk/>
-          <pc:sldMk cId="3340506046" sldId="301"/>
-        </pc:sldMkLst>
-      </pc:sldChg>
-      <pc:sldChg chg="modSp add mod">
-        <pc:chgData name="Velani, Ankitkumar" userId="039f6639-35cd-4471-8ac8-1e78077ab1db" providerId="ADAL" clId="{1340E681-60A3-43C9-86A2-A614324C29E3}" dt="2022-09-08T15:27:29.508" v="377" actId="20577"/>
-        <pc:sldMkLst>
-          <pc:docMk/>
-          <pc:sldMk cId="115505484" sldId="302"/>
-        </pc:sldMkLst>
-        <pc:spChg chg="mod">
-          <ac:chgData name="Velani, Ankitkumar" userId="039f6639-35cd-4471-8ac8-1e78077ab1db" providerId="ADAL" clId="{1340E681-60A3-43C9-86A2-A614324C29E3}" dt="2022-09-08T15:27:29.508" v="377" actId="20577"/>
-          <ac:spMkLst>
-            <pc:docMk/>
-            <pc:sldMk cId="115505484" sldId="302"/>
-            <ac:spMk id="108" creationId="{00000000-0000-0000-0000-000000000000}"/>
-          </ac:spMkLst>
-        </pc:spChg>
-      </pc:sldChg>
-      <pc:sldChg chg="del">
-        <pc:chgData name="Velani, Ankitkumar" userId="039f6639-35cd-4471-8ac8-1e78077ab1db" providerId="ADAL" clId="{1340E681-60A3-43C9-86A2-A614324C29E3}" dt="2022-09-08T15:20:54.988" v="150" actId="47"/>
-        <pc:sldMkLst>
-          <pc:docMk/>
-          <pc:sldMk cId="1531365578" sldId="302"/>
-        </pc:sldMkLst>
-      </pc:sldChg>
-      <pc:sldChg chg="add del">
-        <pc:chgData name="Velani, Ankitkumar" userId="039f6639-35cd-4471-8ac8-1e78077ab1db" providerId="ADAL" clId="{1340E681-60A3-43C9-86A2-A614324C29E3}" dt="2022-09-08T15:23:29.800" v="265" actId="47"/>
-        <pc:sldMkLst>
-          <pc:docMk/>
-          <pc:sldMk cId="1104195167" sldId="303"/>
-        </pc:sldMkLst>
-      </pc:sldChg>
-      <pc:sldChg chg="modSp add mod">
-        <pc:chgData name="Velani, Ankitkumar" userId="039f6639-35cd-4471-8ac8-1e78077ab1db" providerId="ADAL" clId="{1340E681-60A3-43C9-86A2-A614324C29E3}" dt="2022-09-08T15:27:53.372" v="398" actId="20577"/>
-        <pc:sldMkLst>
-          <pc:docMk/>
-          <pc:sldMk cId="3367843845" sldId="303"/>
-        </pc:sldMkLst>
-        <pc:spChg chg="mod">
-          <ac:chgData name="Velani, Ankitkumar" userId="039f6639-35cd-4471-8ac8-1e78077ab1db" providerId="ADAL" clId="{1340E681-60A3-43C9-86A2-A614324C29E3}" dt="2022-09-08T15:27:53.372" v="398" actId="20577"/>
-          <ac:spMkLst>
-            <pc:docMk/>
-            <pc:sldMk cId="3367843845" sldId="303"/>
-            <ac:spMk id="108" creationId="{00000000-0000-0000-0000-000000000000}"/>
-          </ac:spMkLst>
-        </pc:spChg>
-      </pc:sldChg>
-      <pc:sldChg chg="add del">
-        <pc:chgData name="Velani, Ankitkumar" userId="039f6639-35cd-4471-8ac8-1e78077ab1db" providerId="ADAL" clId="{1340E681-60A3-43C9-86A2-A614324C29E3}" dt="2022-09-08T15:23:31.044" v="266" actId="47"/>
-        <pc:sldMkLst>
-          <pc:docMk/>
-          <pc:sldMk cId="2310146408" sldId="304"/>
-        </pc:sldMkLst>
-      </pc:sldChg>
-      <pc:sldChg chg="modSp add mod">
-        <pc:chgData name="Velani, Ankitkumar" userId="039f6639-35cd-4471-8ac8-1e78077ab1db" providerId="ADAL" clId="{1340E681-60A3-43C9-86A2-A614324C29E3}" dt="2022-09-08T15:28:02.021" v="410" actId="20577"/>
-        <pc:sldMkLst>
-          <pc:docMk/>
-          <pc:sldMk cId="3065635960" sldId="304"/>
-        </pc:sldMkLst>
-        <pc:spChg chg="mod">
-          <ac:chgData name="Velani, Ankitkumar" userId="039f6639-35cd-4471-8ac8-1e78077ab1db" providerId="ADAL" clId="{1340E681-60A3-43C9-86A2-A614324C29E3}" dt="2022-09-08T15:28:02.021" v="410" actId="20577"/>
-          <ac:spMkLst>
-            <pc:docMk/>
-            <pc:sldMk cId="3065635960" sldId="304"/>
-            <ac:spMk id="108" creationId="{00000000-0000-0000-0000-000000000000}"/>
-          </ac:spMkLst>
-        </pc:spChg>
-      </pc:sldChg>
-      <pc:sldChg chg="modSp add mod">
-        <pc:chgData name="Velani, Ankitkumar" userId="039f6639-35cd-4471-8ac8-1e78077ab1db" providerId="ADAL" clId="{1340E681-60A3-43C9-86A2-A614324C29E3}" dt="2022-09-09T02:55:39.720" v="1726" actId="20577"/>
-        <pc:sldMkLst>
-          <pc:docMk/>
-          <pc:sldMk cId="1505795841" sldId="305"/>
-        </pc:sldMkLst>
-        <pc:spChg chg="mod">
-          <ac:chgData name="Velani, Ankitkumar" userId="039f6639-35cd-4471-8ac8-1e78077ab1db" providerId="ADAL" clId="{1340E681-60A3-43C9-86A2-A614324C29E3}" dt="2022-09-08T15:29:46.485" v="412"/>
-          <ac:spMkLst>
-            <pc:docMk/>
-            <pc:sldMk cId="1505795841" sldId="305"/>
-            <ac:spMk id="108" creationId="{00000000-0000-0000-0000-000000000000}"/>
-          </ac:spMkLst>
-        </pc:spChg>
-        <pc:spChg chg="mod">
-          <ac:chgData name="Velani, Ankitkumar" userId="039f6639-35cd-4471-8ac8-1e78077ab1db" providerId="ADAL" clId="{1340E681-60A3-43C9-86A2-A614324C29E3}" dt="2022-09-09T02:55:39.720" v="1726" actId="20577"/>
-          <ac:spMkLst>
-            <pc:docMk/>
-            <pc:sldMk cId="1505795841" sldId="305"/>
-            <ac:spMk id="109" creationId="{00000000-0000-0000-0000-000000000000}"/>
-          </ac:spMkLst>
-        </pc:spChg>
-      </pc:sldChg>
-      <pc:sldChg chg="add del">
-        <pc:chgData name="Velani, Ankitkumar" userId="039f6639-35cd-4471-8ac8-1e78077ab1db" providerId="ADAL" clId="{1340E681-60A3-43C9-86A2-A614324C29E3}" dt="2022-09-08T15:23:33.139" v="267" actId="47"/>
-        <pc:sldMkLst>
-          <pc:docMk/>
-          <pc:sldMk cId="3164702486" sldId="305"/>
-        </pc:sldMkLst>
+          <ac:chgData name="Velani, Ankitkumar" userId="039f6639-35cd-4471-8ac8-1e78077ab1db" providerId="ADAL" clId="{33E50C66-1FDE-455D-A400-8B63EAA4D6C7}" dt="2022-09-30T15:55:17.637" v="54" actId="20577"/>
+          <ac:spMkLst>
+            <pc:docMk/>
+            <pc:sldMk cId="2405463798" sldId="326"/>
+            <ac:spMk id="3" creationId="{7F8F2A5C-1157-A1D4-9D9F-D8A8B9C22C1D}"/>
+          </ac:spMkLst>
+        </pc:spChg>
       </pc:sldChg>
       <pc:sldChg chg="addSp delSp modSp new mod">
-        <pc:chgData name="Velani, Ankitkumar" userId="039f6639-35cd-4471-8ac8-1e78077ab1db" providerId="ADAL" clId="{1340E681-60A3-43C9-86A2-A614324C29E3}" dt="2022-09-09T01:35:56.010" v="1045" actId="20577"/>
-        <pc:sldMkLst>
-          <pc:docMk/>
-          <pc:sldMk cId="1610246580" sldId="306"/>
+        <pc:chgData name="Velani, Ankitkumar" userId="039f6639-35cd-4471-8ac8-1e78077ab1db" providerId="ADAL" clId="{33E50C66-1FDE-455D-A400-8B63EAA4D6C7}" dt="2022-09-30T16:09:41.298" v="155" actId="1076"/>
+        <pc:sldMkLst>
+          <pc:docMk/>
+          <pc:sldMk cId="3127333381" sldId="328"/>
         </pc:sldMkLst>
         <pc:spChg chg="del">
-          <ac:chgData name="Velani, Ankitkumar" userId="039f6639-35cd-4471-8ac8-1e78077ab1db" providerId="ADAL" clId="{1340E681-60A3-43C9-86A2-A614324C29E3}" dt="2022-09-09T01:31:09.639" v="508" actId="478"/>
-          <ac:spMkLst>
-            <pc:docMk/>
-            <pc:sldMk cId="1610246580" sldId="306"/>
-            <ac:spMk id="2" creationId="{EBBB610B-7CA0-4FCF-B719-2B753275CC96}"/>
+          <ac:chgData name="Velani, Ankitkumar" userId="039f6639-35cd-4471-8ac8-1e78077ab1db" providerId="ADAL" clId="{33E50C66-1FDE-455D-A400-8B63EAA4D6C7}" dt="2022-09-30T16:08:18.749" v="60" actId="478"/>
+          <ac:spMkLst>
+            <pc:docMk/>
+            <pc:sldMk cId="3127333381" sldId="328"/>
+            <ac:spMk id="2" creationId="{2C20F4F5-F11B-45AA-A7DD-E0636AA1D1F2}"/>
           </ac:spMkLst>
         </pc:spChg>
         <pc:spChg chg="del">
-          <ac:chgData name="Velani, Ankitkumar" userId="039f6639-35cd-4471-8ac8-1e78077ab1db" providerId="ADAL" clId="{1340E681-60A3-43C9-86A2-A614324C29E3}" dt="2022-09-09T01:31:08.324" v="507" actId="478"/>
-          <ac:spMkLst>
-            <pc:docMk/>
-            <pc:sldMk cId="1610246580" sldId="306"/>
-            <ac:spMk id="3" creationId="{51E8E4B7-CA69-4182-A6D1-DD6A265D97AB}"/>
-          </ac:spMkLst>
-        </pc:spChg>
-        <pc:spChg chg="add del mod">
-          <ac:chgData name="Velani, Ankitkumar" userId="039f6639-35cd-4471-8ac8-1e78077ab1db" providerId="ADAL" clId="{1340E681-60A3-43C9-86A2-A614324C29E3}" dt="2022-09-09T01:31:07.108" v="506"/>
-          <ac:spMkLst>
-            <pc:docMk/>
-            <pc:sldMk cId="1610246580" sldId="306"/>
-            <ac:spMk id="7" creationId="{D09BDA12-2AED-47C5-A5A4-C1DD44F95948}"/>
-          </ac:spMkLst>
-        </pc:spChg>
-        <pc:spChg chg="add del mod">
-          <ac:chgData name="Velani, Ankitkumar" userId="039f6639-35cd-4471-8ac8-1e78077ab1db" providerId="ADAL" clId="{1340E681-60A3-43C9-86A2-A614324C29E3}" dt="2022-09-09T01:31:07.108" v="506"/>
-          <ac:spMkLst>
-            <pc:docMk/>
-            <pc:sldMk cId="1610246580" sldId="306"/>
-            <ac:spMk id="8" creationId="{A5C2A38B-BD47-4F59-887F-C7339BA7261F}"/>
+          <ac:chgData name="Velani, Ankitkumar" userId="039f6639-35cd-4471-8ac8-1e78077ab1db" providerId="ADAL" clId="{33E50C66-1FDE-455D-A400-8B63EAA4D6C7}" dt="2022-09-30T16:08:17.315" v="59" actId="478"/>
+          <ac:spMkLst>
+            <pc:docMk/>
+            <pc:sldMk cId="3127333381" sldId="328"/>
+            <ac:spMk id="3" creationId="{48E66175-0873-402B-B93D-DB0F5500A2C4}"/>
           </ac:spMkLst>
         </pc:spChg>
         <pc:spChg chg="add mod">
-          <ac:chgData name="Velani, Ankitkumar" userId="039f6639-35cd-4471-8ac8-1e78077ab1db" providerId="ADAL" clId="{1340E681-60A3-43C9-86A2-A614324C29E3}" dt="2022-09-09T01:31:14.723" v="516" actId="20577"/>
-          <ac:spMkLst>
-            <pc:docMk/>
-            <pc:sldMk cId="1610246580" sldId="306"/>
-            <ac:spMk id="9" creationId="{DAD87299-AFA6-4612-AD6C-C7C8F879B512}"/>
+          <ac:chgData name="Velani, Ankitkumar" userId="039f6639-35cd-4471-8ac8-1e78077ab1db" providerId="ADAL" clId="{33E50C66-1FDE-455D-A400-8B63EAA4D6C7}" dt="2022-09-30T16:09:12.314" v="84" actId="1076"/>
+          <ac:spMkLst>
+            <pc:docMk/>
+            <pc:sldMk cId="3127333381" sldId="328"/>
+            <ac:spMk id="8" creationId="{9A232AA4-E437-47F4-A834-D7D866CA4F4A}"/>
           </ac:spMkLst>
         </pc:spChg>
         <pc:spChg chg="add mod">
-          <ac:chgData name="Velani, Ankitkumar" userId="039f6639-35cd-4471-8ac8-1e78077ab1db" providerId="ADAL" clId="{1340E681-60A3-43C9-86A2-A614324C29E3}" dt="2022-09-09T01:35:56.010" v="1045" actId="20577"/>
-          <ac:spMkLst>
-            <pc:docMk/>
-            <pc:sldMk cId="1610246580" sldId="306"/>
-            <ac:spMk id="10" creationId="{16A03AE6-6BA9-4260-8580-96DB254B59A2}"/>
-          </ac:spMkLst>
-        </pc:spChg>
-      </pc:sldChg>
-      <pc:sldChg chg="add del">
-        <pc:chgData name="Velani, Ankitkumar" userId="039f6639-35cd-4471-8ac8-1e78077ab1db" providerId="ADAL" clId="{1340E681-60A3-43C9-86A2-A614324C29E3}" dt="2022-09-08T15:23:33.634" v="268" actId="47"/>
-        <pc:sldMkLst>
-          <pc:docMk/>
-          <pc:sldMk cId="3836807520" sldId="306"/>
-        </pc:sldMkLst>
-      </pc:sldChg>
-      <pc:sldChg chg="addSp modSp add mod">
-        <pc:chgData name="Velani, Ankitkumar" userId="039f6639-35cd-4471-8ac8-1e78077ab1db" providerId="ADAL" clId="{1340E681-60A3-43C9-86A2-A614324C29E3}" dt="2022-09-09T02:36:11.968" v="1356" actId="20577"/>
-        <pc:sldMkLst>
-          <pc:docMk/>
-          <pc:sldMk cId="1372787291" sldId="307"/>
-        </pc:sldMkLst>
-        <pc:spChg chg="add mod">
-          <ac:chgData name="Velani, Ankitkumar" userId="039f6639-35cd-4471-8ac8-1e78077ab1db" providerId="ADAL" clId="{1340E681-60A3-43C9-86A2-A614324C29E3}" dt="2022-09-09T02:36:11.968" v="1356" actId="20577"/>
-          <ac:spMkLst>
-            <pc:docMk/>
-            <pc:sldMk cId="1372787291" sldId="307"/>
-            <ac:spMk id="3" creationId="{E6D78361-0904-456A-99B6-AC02ABF44868}"/>
-          </ac:spMkLst>
-        </pc:spChg>
-        <pc:spChg chg="add mod">
-          <ac:chgData name="Velani, Ankitkumar" userId="039f6639-35cd-4471-8ac8-1e78077ab1db" providerId="ADAL" clId="{1340E681-60A3-43C9-86A2-A614324C29E3}" dt="2022-09-09T02:35:00.712" v="1337" actId="1076"/>
-          <ac:spMkLst>
-            <pc:docMk/>
-            <pc:sldMk cId="1372787291" sldId="307"/>
-            <ac:spMk id="8" creationId="{E8D47BD8-FE8D-46E7-9BE7-CF7680474D93}"/>
-          </ac:spMkLst>
-        </pc:spChg>
-        <pc:spChg chg="mod">
-          <ac:chgData name="Velani, Ankitkumar" userId="039f6639-35cd-4471-8ac8-1e78077ab1db" providerId="ADAL" clId="{1340E681-60A3-43C9-86A2-A614324C29E3}" dt="2022-09-09T02:32:41.673" v="1298" actId="20577"/>
-          <ac:spMkLst>
-            <pc:docMk/>
-            <pc:sldMk cId="1372787291" sldId="307"/>
-            <ac:spMk id="109" creationId="{00000000-0000-0000-0000-000000000000}"/>
-          </ac:spMkLst>
-        </pc:spChg>
-      </pc:sldChg>
-      <pc:sldChg chg="add del">
-        <pc:chgData name="Velani, Ankitkumar" userId="039f6639-35cd-4471-8ac8-1e78077ab1db" providerId="ADAL" clId="{1340E681-60A3-43C9-86A2-A614324C29E3}" dt="2022-09-08T15:23:34.151" v="269" actId="47"/>
-        <pc:sldMkLst>
-          <pc:docMk/>
-          <pc:sldMk cId="2944235571" sldId="307"/>
-        </pc:sldMkLst>
-      </pc:sldChg>
-      <pc:sldChg chg="add del">
-        <pc:chgData name="Velani, Ankitkumar" userId="039f6639-35cd-4471-8ac8-1e78077ab1db" providerId="ADAL" clId="{1340E681-60A3-43C9-86A2-A614324C29E3}" dt="2022-09-08T15:23:34.489" v="270" actId="47"/>
-        <pc:sldMkLst>
-          <pc:docMk/>
-          <pc:sldMk cId="3224482173" sldId="308"/>
-        </pc:sldMkLst>
-      </pc:sldChg>
-      <pc:sldChg chg="addSp modSp add mod ord">
-        <pc:chgData name="Velani, Ankitkumar" userId="039f6639-35cd-4471-8ac8-1e78077ab1db" providerId="ADAL" clId="{1340E681-60A3-43C9-86A2-A614324C29E3}" dt="2022-09-09T02:30:15.775" v="1291" actId="20577"/>
-        <pc:sldMkLst>
-          <pc:docMk/>
-          <pc:sldMk cId="4199906352" sldId="308"/>
-        </pc:sldMkLst>
-        <pc:spChg chg="mod">
-          <ac:chgData name="Velani, Ankitkumar" userId="039f6639-35cd-4471-8ac8-1e78077ab1db" providerId="ADAL" clId="{1340E681-60A3-43C9-86A2-A614324C29E3}" dt="2022-09-09T02:03:19.450" v="1246"/>
-          <ac:spMkLst>
-            <pc:docMk/>
-            <pc:sldMk cId="4199906352" sldId="308"/>
-            <ac:spMk id="108" creationId="{00000000-0000-0000-0000-000000000000}"/>
-          </ac:spMkLst>
-        </pc:spChg>
-        <pc:spChg chg="mod">
-          <ac:chgData name="Velani, Ankitkumar" userId="039f6639-35cd-4471-8ac8-1e78077ab1db" providerId="ADAL" clId="{1340E681-60A3-43C9-86A2-A614324C29E3}" dt="2022-09-09T02:30:15.775" v="1291" actId="20577"/>
-          <ac:spMkLst>
-            <pc:docMk/>
-            <pc:sldMk cId="4199906352" sldId="308"/>
-            <ac:spMk id="109" creationId="{00000000-0000-0000-0000-000000000000}"/>
-          </ac:spMkLst>
-        </pc:spChg>
-        <pc:graphicFrameChg chg="add mod modGraphic">
-          <ac:chgData name="Velani, Ankitkumar" userId="039f6639-35cd-4471-8ac8-1e78077ab1db" providerId="ADAL" clId="{1340E681-60A3-43C9-86A2-A614324C29E3}" dt="2022-09-09T02:05:42.290" v="1290" actId="1035"/>
-          <ac:graphicFrameMkLst>
-            <pc:docMk/>
-            <pc:sldMk cId="4199906352" sldId="308"/>
-            <ac:graphicFrameMk id="2" creationId="{A8914A6C-0D51-4015-B3E6-B5B7064383B8}"/>
-          </ac:graphicFrameMkLst>
-        </pc:graphicFrameChg>
-      </pc:sldChg>
-      <pc:sldChg chg="addSp modSp add mod">
-        <pc:chgData name="Velani, Ankitkumar" userId="039f6639-35cd-4471-8ac8-1e78077ab1db" providerId="ADAL" clId="{1340E681-60A3-43C9-86A2-A614324C29E3}" dt="2022-09-09T02:48:10.538" v="1583" actId="207"/>
-        <pc:sldMkLst>
-          <pc:docMk/>
-          <pc:sldMk cId="1586293684" sldId="309"/>
-        </pc:sldMkLst>
-        <pc:spChg chg="add mod">
-          <ac:chgData name="Velani, Ankitkumar" userId="039f6639-35cd-4471-8ac8-1e78077ab1db" providerId="ADAL" clId="{1340E681-60A3-43C9-86A2-A614324C29E3}" dt="2022-09-09T02:45:50.624" v="1524" actId="20577"/>
-          <ac:spMkLst>
-            <pc:docMk/>
-            <pc:sldMk cId="1586293684" sldId="309"/>
-            <ac:spMk id="2" creationId="{73824065-2495-47FD-9A82-EC928C433F48}"/>
-          </ac:spMkLst>
-        </pc:spChg>
-        <pc:spChg chg="add mod">
-          <ac:chgData name="Velani, Ankitkumar" userId="039f6639-35cd-4471-8ac8-1e78077ab1db" providerId="ADAL" clId="{1340E681-60A3-43C9-86A2-A614324C29E3}" dt="2022-09-09T02:46:44.286" v="1559" actId="1076"/>
-          <ac:spMkLst>
-            <pc:docMk/>
-            <pc:sldMk cId="1586293684" sldId="309"/>
-            <ac:spMk id="3" creationId="{1DF16D99-916A-48EB-B164-D6F1AF63EA35}"/>
-          </ac:spMkLst>
-        </pc:spChg>
-        <pc:spChg chg="add mod">
-          <ac:chgData name="Velani, Ankitkumar" userId="039f6639-35cd-4471-8ac8-1e78077ab1db" providerId="ADAL" clId="{1340E681-60A3-43C9-86A2-A614324C29E3}" dt="2022-09-09T02:47:55.047" v="1577" actId="208"/>
-          <ac:spMkLst>
-            <pc:docMk/>
-            <pc:sldMk cId="1586293684" sldId="309"/>
-            <ac:spMk id="9" creationId="{4054F86A-B8A7-469C-B67E-4D92E1DB07C8}"/>
-          </ac:spMkLst>
-        </pc:spChg>
-        <pc:spChg chg="add mod">
-          <ac:chgData name="Velani, Ankitkumar" userId="039f6639-35cd-4471-8ac8-1e78077ab1db" providerId="ADAL" clId="{1340E681-60A3-43C9-86A2-A614324C29E3}" dt="2022-09-09T02:48:10.538" v="1583" actId="207"/>
-          <ac:spMkLst>
-            <pc:docMk/>
-            <pc:sldMk cId="1586293684" sldId="309"/>
-            <ac:spMk id="10" creationId="{2A228307-70D6-4269-9C25-6CC272D4FF85}"/>
-          </ac:spMkLst>
-        </pc:spChg>
-        <pc:spChg chg="mod">
-          <ac:chgData name="Velani, Ankitkumar" userId="039f6639-35cd-4471-8ac8-1e78077ab1db" providerId="ADAL" clId="{1340E681-60A3-43C9-86A2-A614324C29E3}" dt="2022-09-09T02:46:59.997" v="1561" actId="20577"/>
-          <ac:spMkLst>
-            <pc:docMk/>
-            <pc:sldMk cId="1586293684" sldId="309"/>
-            <ac:spMk id="109" creationId="{00000000-0000-0000-0000-000000000000}"/>
-          </ac:spMkLst>
-        </pc:spChg>
-      </pc:sldChg>
-      <pc:sldChg chg="add del">
-        <pc:chgData name="Velani, Ankitkumar" userId="039f6639-35cd-4471-8ac8-1e78077ab1db" providerId="ADAL" clId="{1340E681-60A3-43C9-86A2-A614324C29E3}" dt="2022-09-08T15:23:35.121" v="271" actId="47"/>
-        <pc:sldMkLst>
-          <pc:docMk/>
-          <pc:sldMk cId="2995025662" sldId="309"/>
-        </pc:sldMkLst>
-      </pc:sldChg>
-      <pc:sldChg chg="delSp modSp add mod">
-        <pc:chgData name="Velani, Ankitkumar" userId="039f6639-35cd-4471-8ac8-1e78077ab1db" providerId="ADAL" clId="{1340E681-60A3-43C9-86A2-A614324C29E3}" dt="2022-09-09T02:51:19.280" v="1662" actId="5793"/>
-        <pc:sldMkLst>
-          <pc:docMk/>
-          <pc:sldMk cId="2623842265" sldId="310"/>
-        </pc:sldMkLst>
-        <pc:spChg chg="del">
-          <ac:chgData name="Velani, Ankitkumar" userId="039f6639-35cd-4471-8ac8-1e78077ab1db" providerId="ADAL" clId="{1340E681-60A3-43C9-86A2-A614324C29E3}" dt="2022-09-09T02:48:48.791" v="1592" actId="478"/>
-          <ac:spMkLst>
-            <pc:docMk/>
-            <pc:sldMk cId="2623842265" sldId="310"/>
-            <ac:spMk id="2" creationId="{73824065-2495-47FD-9A82-EC928C433F48}"/>
-          </ac:spMkLst>
-        </pc:spChg>
-        <pc:spChg chg="del">
-          <ac:chgData name="Velani, Ankitkumar" userId="039f6639-35cd-4471-8ac8-1e78077ab1db" providerId="ADAL" clId="{1340E681-60A3-43C9-86A2-A614324C29E3}" dt="2022-09-09T02:48:41.817" v="1589" actId="478"/>
-          <ac:spMkLst>
-            <pc:docMk/>
-            <pc:sldMk cId="2623842265" sldId="310"/>
-            <ac:spMk id="3" creationId="{1DF16D99-916A-48EB-B164-D6F1AF63EA35}"/>
-          </ac:spMkLst>
-        </pc:spChg>
-        <pc:spChg chg="del">
-          <ac:chgData name="Velani, Ankitkumar" userId="039f6639-35cd-4471-8ac8-1e78077ab1db" providerId="ADAL" clId="{1340E681-60A3-43C9-86A2-A614324C29E3}" dt="2022-09-09T02:48:47.273" v="1591" actId="478"/>
-          <ac:spMkLst>
-            <pc:docMk/>
-            <pc:sldMk cId="2623842265" sldId="310"/>
-            <ac:spMk id="9" creationId="{4054F86A-B8A7-469C-B67E-4D92E1DB07C8}"/>
-          </ac:spMkLst>
-        </pc:spChg>
-        <pc:spChg chg="del">
-          <ac:chgData name="Velani, Ankitkumar" userId="039f6639-35cd-4471-8ac8-1e78077ab1db" providerId="ADAL" clId="{1340E681-60A3-43C9-86A2-A614324C29E3}" dt="2022-09-09T02:48:44.998" v="1590" actId="478"/>
-          <ac:spMkLst>
-            <pc:docMk/>
-            <pc:sldMk cId="2623842265" sldId="310"/>
-            <ac:spMk id="10" creationId="{2A228307-70D6-4269-9C25-6CC272D4FF85}"/>
-          </ac:spMkLst>
-        </pc:spChg>
-        <pc:spChg chg="mod">
-          <ac:chgData name="Velani, Ankitkumar" userId="039f6639-35cd-4471-8ac8-1e78077ab1db" providerId="ADAL" clId="{1340E681-60A3-43C9-86A2-A614324C29E3}" dt="2022-09-09T02:51:19.280" v="1662" actId="5793"/>
-          <ac:spMkLst>
-            <pc:docMk/>
-            <pc:sldMk cId="2623842265" sldId="310"/>
-            <ac:spMk id="109" creationId="{00000000-0000-0000-0000-000000000000}"/>
-          </ac:spMkLst>
-        </pc:spChg>
-      </pc:sldChg>
-      <pc:sldChg chg="add del">
-        <pc:chgData name="Velani, Ankitkumar" userId="039f6639-35cd-4471-8ac8-1e78077ab1db" providerId="ADAL" clId="{1340E681-60A3-43C9-86A2-A614324C29E3}" dt="2022-09-08T15:23:35.738" v="272" actId="47"/>
-        <pc:sldMkLst>
-          <pc:docMk/>
-          <pc:sldMk cId="3743774038" sldId="310"/>
-        </pc:sldMkLst>
-      </pc:sldChg>
-      <pc:sldChg chg="addSp delSp modSp add mod">
-        <pc:chgData name="Velani, Ankitkumar" userId="039f6639-35cd-4471-8ac8-1e78077ab1db" providerId="ADAL" clId="{1340E681-60A3-43C9-86A2-A614324C29E3}" dt="2022-09-09T03:00:57.316" v="1817" actId="1038"/>
-        <pc:sldMkLst>
-          <pc:docMk/>
-          <pc:sldMk cId="2666916628" sldId="311"/>
-        </pc:sldMkLst>
-        <pc:spChg chg="add del">
-          <ac:chgData name="Velani, Ankitkumar" userId="039f6639-35cd-4471-8ac8-1e78077ab1db" providerId="ADAL" clId="{1340E681-60A3-43C9-86A2-A614324C29E3}" dt="2022-09-09T02:56:17.593" v="1731"/>
-          <ac:spMkLst>
-            <pc:docMk/>
-            <pc:sldMk cId="2666916628" sldId="311"/>
-            <ac:spMk id="2" creationId="{DB7CD58B-3CCD-41B9-9B92-F102D75BA61B}"/>
-          </ac:spMkLst>
-        </pc:spChg>
-        <pc:spChg chg="add del mod">
-          <ac:chgData name="Velani, Ankitkumar" userId="039f6639-35cd-4471-8ac8-1e78077ab1db" providerId="ADAL" clId="{1340E681-60A3-43C9-86A2-A614324C29E3}" dt="2022-09-09T02:56:22.710" v="1734" actId="478"/>
-          <ac:spMkLst>
-            <pc:docMk/>
-            <pc:sldMk cId="2666916628" sldId="311"/>
-            <ac:spMk id="3" creationId="{81880FD7-9F1A-446C-A549-EF3C911931CD}"/>
-          </ac:spMkLst>
-        </pc:spChg>
-        <pc:spChg chg="add mod">
-          <ac:chgData name="Velani, Ankitkumar" userId="039f6639-35cd-4471-8ac8-1e78077ab1db" providerId="ADAL" clId="{1340E681-60A3-43C9-86A2-A614324C29E3}" dt="2022-09-09T02:59:40.610" v="1783"/>
-          <ac:spMkLst>
-            <pc:docMk/>
-            <pc:sldMk cId="2666916628" sldId="311"/>
-            <ac:spMk id="8" creationId="{DDC6BBA7-39AC-4C36-8846-4F31F1AFFB90}"/>
-          </ac:spMkLst>
-        </pc:spChg>
-        <pc:spChg chg="add mod">
-          <ac:chgData name="Velani, Ankitkumar" userId="039f6639-35cd-4471-8ac8-1e78077ab1db" providerId="ADAL" clId="{1340E681-60A3-43C9-86A2-A614324C29E3}" dt="2022-09-09T03:00:28.888" v="1810" actId="1037"/>
-          <ac:spMkLst>
-            <pc:docMk/>
-            <pc:sldMk cId="2666916628" sldId="311"/>
-            <ac:spMk id="14" creationId="{857E0607-8876-42DB-B5A0-A92474BC8076}"/>
-          </ac:spMkLst>
-        </pc:spChg>
-        <pc:spChg chg="add del mod">
-          <ac:chgData name="Velani, Ankitkumar" userId="039f6639-35cd-4471-8ac8-1e78077ab1db" providerId="ADAL" clId="{1340E681-60A3-43C9-86A2-A614324C29E3}" dt="2022-09-09T02:58:30.256" v="1767"/>
-          <ac:spMkLst>
-            <pc:docMk/>
-            <pc:sldMk cId="2666916628" sldId="311"/>
-            <ac:spMk id="15" creationId="{800348C7-A55E-467F-AE3F-FB25B240D3BF}"/>
-          </ac:spMkLst>
-        </pc:spChg>
-        <pc:spChg chg="del mod">
-          <ac:chgData name="Velani, Ankitkumar" userId="039f6639-35cd-4471-8ac8-1e78077ab1db" providerId="ADAL" clId="{1340E681-60A3-43C9-86A2-A614324C29E3}" dt="2022-09-09T02:56:12.388" v="1729" actId="478"/>
-          <ac:spMkLst>
-            <pc:docMk/>
-            <pc:sldMk cId="2666916628" sldId="311"/>
-            <ac:spMk id="109" creationId="{00000000-0000-0000-0000-000000000000}"/>
-          </ac:spMkLst>
-        </pc:spChg>
-        <pc:picChg chg="add mod">
-          <ac:chgData name="Velani, Ankitkumar" userId="039f6639-35cd-4471-8ac8-1e78077ab1db" providerId="ADAL" clId="{1340E681-60A3-43C9-86A2-A614324C29E3}" dt="2022-09-09T02:58:05.998" v="1746" actId="208"/>
-          <ac:picMkLst>
-            <pc:docMk/>
-            <pc:sldMk cId="2666916628" sldId="311"/>
-            <ac:picMk id="5" creationId="{161CC3B4-A4EC-4853-8B36-03F8C15D64F1}"/>
-          </ac:picMkLst>
-        </pc:picChg>
-        <pc:picChg chg="add mod">
-          <ac:chgData name="Velani, Ankitkumar" userId="039f6639-35cd-4471-8ac8-1e78077ab1db" providerId="ADAL" clId="{1340E681-60A3-43C9-86A2-A614324C29E3}" dt="2022-09-09T02:57:48.300" v="1744" actId="1440"/>
-          <ac:picMkLst>
-            <pc:docMk/>
-            <pc:sldMk cId="2666916628" sldId="311"/>
-            <ac:picMk id="7" creationId="{D7D72AA9-75E2-46C1-9D0B-B3B594A71878}"/>
-          </ac:picMkLst>
-        </pc:picChg>
-        <pc:cxnChg chg="add mod">
-          <ac:chgData name="Velani, Ankitkumar" userId="039f6639-35cd-4471-8ac8-1e78077ab1db" providerId="ADAL" clId="{1340E681-60A3-43C9-86A2-A614324C29E3}" dt="2022-09-09T03:00:57.316" v="1817" actId="1038"/>
-          <ac:cxnSpMkLst>
-            <pc:docMk/>
-            <pc:sldMk cId="2666916628" sldId="311"/>
-            <ac:cxnSpMk id="10" creationId="{61C95CAF-69C7-495C-89DF-D5A4659A3E30}"/>
-          </ac:cxnSpMkLst>
-        </pc:cxnChg>
-        <pc:cxnChg chg="add mod">
-          <ac:chgData name="Velani, Ankitkumar" userId="039f6639-35cd-4471-8ac8-1e78077ab1db" providerId="ADAL" clId="{1340E681-60A3-43C9-86A2-A614324C29E3}" dt="2022-09-09T03:00:40.947" v="1813" actId="1037"/>
-          <ac:cxnSpMkLst>
-            <pc:docMk/>
-            <pc:sldMk cId="2666916628" sldId="311"/>
-            <ac:cxnSpMk id="12" creationId="{5C79C032-4434-4443-A06D-A830E8FB735A}"/>
-          </ac:cxnSpMkLst>
-        </pc:cxnChg>
-      </pc:sldChg>
-      <pc:sldChg chg="add del">
-        <pc:chgData name="Velani, Ankitkumar" userId="039f6639-35cd-4471-8ac8-1e78077ab1db" providerId="ADAL" clId="{1340E681-60A3-43C9-86A2-A614324C29E3}" dt="2022-09-08T15:23:45.418" v="274" actId="47"/>
-        <pc:sldMkLst>
-          <pc:docMk/>
-          <pc:sldMk cId="3535413999" sldId="311"/>
-        </pc:sldMkLst>
-      </pc:sldChg>
-      <pc:sldChg chg="add del">
-        <pc:chgData name="Velani, Ankitkumar" userId="039f6639-35cd-4471-8ac8-1e78077ab1db" providerId="ADAL" clId="{1340E681-60A3-43C9-86A2-A614324C29E3}" dt="2022-09-08T15:23:46.699" v="275" actId="47"/>
-        <pc:sldMkLst>
-          <pc:docMk/>
-          <pc:sldMk cId="2675418257" sldId="312"/>
-        </pc:sldMkLst>
-      </pc:sldChg>
-      <pc:sldChg chg="addSp delSp modSp add mod">
-        <pc:chgData name="Velani, Ankitkumar" userId="039f6639-35cd-4471-8ac8-1e78077ab1db" providerId="ADAL" clId="{1340E681-60A3-43C9-86A2-A614324C29E3}" dt="2022-09-09T03:04:25.467" v="1845" actId="14100"/>
-        <pc:sldMkLst>
-          <pc:docMk/>
-          <pc:sldMk cId="3785170993" sldId="312"/>
-        </pc:sldMkLst>
-        <pc:spChg chg="add del mod">
-          <ac:chgData name="Velani, Ankitkumar" userId="039f6639-35cd-4471-8ac8-1e78077ab1db" providerId="ADAL" clId="{1340E681-60A3-43C9-86A2-A614324C29E3}" dt="2022-09-09T03:03:21.555" v="1834"/>
-          <ac:spMkLst>
-            <pc:docMk/>
-            <pc:sldMk cId="3785170993" sldId="312"/>
-            <ac:spMk id="2" creationId="{2217D3EA-E58E-4EFD-82CC-F2C8B3FCD1D6}"/>
-          </ac:spMkLst>
-        </pc:spChg>
-        <pc:spChg chg="del">
-          <ac:chgData name="Velani, Ankitkumar" userId="039f6639-35cd-4471-8ac8-1e78077ab1db" providerId="ADAL" clId="{1340E681-60A3-43C9-86A2-A614324C29E3}" dt="2022-09-09T03:02:29.354" v="1821" actId="478"/>
-          <ac:spMkLst>
-            <pc:docMk/>
-            <pc:sldMk cId="3785170993" sldId="312"/>
-            <ac:spMk id="8" creationId="{DDC6BBA7-39AC-4C36-8846-4F31F1AFFB90}"/>
-          </ac:spMkLst>
-        </pc:spChg>
-        <pc:spChg chg="add mod">
-          <ac:chgData name="Velani, Ankitkumar" userId="039f6639-35cd-4471-8ac8-1e78077ab1db" providerId="ADAL" clId="{1340E681-60A3-43C9-86A2-A614324C29E3}" dt="2022-09-09T03:03:00.993" v="1830" actId="20577"/>
-          <ac:spMkLst>
-            <pc:docMk/>
-            <pc:sldMk cId="3785170993" sldId="312"/>
-            <ac:spMk id="13" creationId="{03C6A7A5-E466-44CD-B02B-85F9B86D8D56}"/>
-          </ac:spMkLst>
-        </pc:spChg>
-        <pc:spChg chg="del">
-          <ac:chgData name="Velani, Ankitkumar" userId="039f6639-35cd-4471-8ac8-1e78077ab1db" providerId="ADAL" clId="{1340E681-60A3-43C9-86A2-A614324C29E3}" dt="2022-09-09T03:02:38.058" v="1825" actId="478"/>
-          <ac:spMkLst>
-            <pc:docMk/>
-            <pc:sldMk cId="3785170993" sldId="312"/>
-            <ac:spMk id="14" creationId="{857E0607-8876-42DB-B5A0-A92474BC8076}"/>
-          </ac:spMkLst>
-        </pc:spChg>
-        <pc:spChg chg="mod">
-          <ac:chgData name="Velani, Ankitkumar" userId="039f6639-35cd-4471-8ac8-1e78077ab1db" providerId="ADAL" clId="{1340E681-60A3-43C9-86A2-A614324C29E3}" dt="2022-09-09T03:02:24.207" v="1819"/>
-          <ac:spMkLst>
-            <pc:docMk/>
-            <pc:sldMk cId="3785170993" sldId="312"/>
-            <ac:spMk id="108" creationId="{00000000-0000-0000-0000-000000000000}"/>
-          </ac:spMkLst>
-        </pc:spChg>
-        <pc:picChg chg="add del mod">
-          <ac:chgData name="Velani, Ankitkumar" userId="039f6639-35cd-4471-8ac8-1e78077ab1db" providerId="ADAL" clId="{1340E681-60A3-43C9-86A2-A614324C29E3}" dt="2022-09-09T03:03:50.353" v="1838" actId="478"/>
-          <ac:picMkLst>
-            <pc:docMk/>
-            <pc:sldMk cId="3785170993" sldId="312"/>
-            <ac:picMk id="4" creationId="{B73033A9-B8CD-4B91-AC36-1D89FB14A3E9}"/>
-          </ac:picMkLst>
-        </pc:picChg>
-        <pc:picChg chg="del">
-          <ac:chgData name="Velani, Ankitkumar" userId="039f6639-35cd-4471-8ac8-1e78077ab1db" providerId="ADAL" clId="{1340E681-60A3-43C9-86A2-A614324C29E3}" dt="2022-09-09T03:02:27.186" v="1820" actId="478"/>
-          <ac:picMkLst>
-            <pc:docMk/>
-            <pc:sldMk cId="3785170993" sldId="312"/>
-            <ac:picMk id="5" creationId="{161CC3B4-A4EC-4853-8B36-03F8C15D64F1}"/>
-          </ac:picMkLst>
-        </pc:picChg>
-        <pc:picChg chg="del">
-          <ac:chgData name="Velani, Ankitkumar" userId="039f6639-35cd-4471-8ac8-1e78077ab1db" providerId="ADAL" clId="{1340E681-60A3-43C9-86A2-A614324C29E3}" dt="2022-09-09T03:02:34.861" v="1823" actId="478"/>
-          <ac:picMkLst>
-            <pc:docMk/>
-            <pc:sldMk cId="3785170993" sldId="312"/>
-            <ac:picMk id="7" creationId="{D7D72AA9-75E2-46C1-9D0B-B3B594A71878}"/>
-          </ac:picMkLst>
-        </pc:picChg>
-        <pc:picChg chg="add mod modCrop">
-          <ac:chgData name="Velani, Ankitkumar" userId="039f6639-35cd-4471-8ac8-1e78077ab1db" providerId="ADAL" clId="{1340E681-60A3-43C9-86A2-A614324C29E3}" dt="2022-09-09T03:04:25.467" v="1845" actId="14100"/>
-          <ac:picMkLst>
-            <pc:docMk/>
-            <pc:sldMk cId="3785170993" sldId="312"/>
-            <ac:picMk id="9" creationId="{23C07B96-92CD-4C87-88CA-A1E53B995380}"/>
-          </ac:picMkLst>
-        </pc:picChg>
-        <pc:cxnChg chg="del">
-          <ac:chgData name="Velani, Ankitkumar" userId="039f6639-35cd-4471-8ac8-1e78077ab1db" providerId="ADAL" clId="{1340E681-60A3-43C9-86A2-A614324C29E3}" dt="2022-09-09T03:02:30.826" v="1822" actId="478"/>
-          <ac:cxnSpMkLst>
-            <pc:docMk/>
-            <pc:sldMk cId="3785170993" sldId="312"/>
-            <ac:cxnSpMk id="10" creationId="{61C95CAF-69C7-495C-89DF-D5A4659A3E30}"/>
-          </ac:cxnSpMkLst>
-        </pc:cxnChg>
-        <pc:cxnChg chg="del">
-          <ac:chgData name="Velani, Ankitkumar" userId="039f6639-35cd-4471-8ac8-1e78077ab1db" providerId="ADAL" clId="{1340E681-60A3-43C9-86A2-A614324C29E3}" dt="2022-09-09T03:02:36.076" v="1824" actId="478"/>
-          <ac:cxnSpMkLst>
-            <pc:docMk/>
-            <pc:sldMk cId="3785170993" sldId="312"/>
-            <ac:cxnSpMk id="12" creationId="{5C79C032-4434-4443-A06D-A830E8FB735A}"/>
-          </ac:cxnSpMkLst>
-        </pc:cxnChg>
-      </pc:sldChg>
-      <pc:sldChg chg="add del">
-        <pc:chgData name="Velani, Ankitkumar" userId="039f6639-35cd-4471-8ac8-1e78077ab1db" providerId="ADAL" clId="{1340E681-60A3-43C9-86A2-A614324C29E3}" dt="2022-09-08T15:23:47.185" v="276" actId="47"/>
-        <pc:sldMkLst>
-          <pc:docMk/>
-          <pc:sldMk cId="2772585780" sldId="313"/>
-        </pc:sldMkLst>
-      </pc:sldChg>
-      <pc:sldChg chg="addSp delSp modSp add mod">
-        <pc:chgData name="Velani, Ankitkumar" userId="039f6639-35cd-4471-8ac8-1e78077ab1db" providerId="ADAL" clId="{1340E681-60A3-43C9-86A2-A614324C29E3}" dt="2022-09-09T03:06:27.095" v="1854" actId="14100"/>
-        <pc:sldMkLst>
-          <pc:docMk/>
-          <pc:sldMk cId="3490158369" sldId="313"/>
-        </pc:sldMkLst>
-        <pc:spChg chg="mod">
-          <ac:chgData name="Velani, Ankitkumar" userId="039f6639-35cd-4471-8ac8-1e78077ab1db" providerId="ADAL" clId="{1340E681-60A3-43C9-86A2-A614324C29E3}" dt="2022-09-09T03:05:48.281" v="1851" actId="20577"/>
-          <ac:spMkLst>
-            <pc:docMk/>
-            <pc:sldMk cId="3490158369" sldId="313"/>
-            <ac:spMk id="13" creationId="{03C6A7A5-E466-44CD-B02B-85F9B86D8D56}"/>
-          </ac:spMkLst>
-        </pc:spChg>
-        <pc:spChg chg="mod">
-          <ac:chgData name="Velani, Ankitkumar" userId="039f6639-35cd-4471-8ac8-1e78077ab1db" providerId="ADAL" clId="{1340E681-60A3-43C9-86A2-A614324C29E3}" dt="2022-09-09T03:05:15.243" v="1847"/>
-          <ac:spMkLst>
-            <pc:docMk/>
-            <pc:sldMk cId="3490158369" sldId="313"/>
-            <ac:spMk id="108" creationId="{00000000-0000-0000-0000-000000000000}"/>
-          </ac:spMkLst>
-        </pc:spChg>
-        <pc:picChg chg="add mod">
-          <ac:chgData name="Velani, Ankitkumar" userId="039f6639-35cd-4471-8ac8-1e78077ab1db" providerId="ADAL" clId="{1340E681-60A3-43C9-86A2-A614324C29E3}" dt="2022-09-09T03:06:27.095" v="1854" actId="14100"/>
-          <ac:picMkLst>
-            <pc:docMk/>
-            <pc:sldMk cId="3490158369" sldId="313"/>
-            <ac:picMk id="3" creationId="{FEDB3D5E-3B6B-4827-87FB-5B99BED3D05E}"/>
-          </ac:picMkLst>
-        </pc:picChg>
-        <pc:picChg chg="del">
-          <ac:chgData name="Velani, Ankitkumar" userId="039f6639-35cd-4471-8ac8-1e78077ab1db" providerId="ADAL" clId="{1340E681-60A3-43C9-86A2-A614324C29E3}" dt="2022-09-09T03:05:21.841" v="1848" actId="478"/>
-          <ac:picMkLst>
-            <pc:docMk/>
-            <pc:sldMk cId="3490158369" sldId="313"/>
-            <ac:picMk id="9" creationId="{23C07B96-92CD-4C87-88CA-A1E53B995380}"/>
-          </ac:picMkLst>
-        </pc:picChg>
-      </pc:sldChg>
-      <pc:sldChg chg="add del">
-        <pc:chgData name="Velani, Ankitkumar" userId="039f6639-35cd-4471-8ac8-1e78077ab1db" providerId="ADAL" clId="{1340E681-60A3-43C9-86A2-A614324C29E3}" dt="2022-09-08T15:23:56.416" v="282" actId="47"/>
-        <pc:sldMkLst>
-          <pc:docMk/>
-          <pc:sldMk cId="967904056" sldId="314"/>
-        </pc:sldMkLst>
-      </pc:sldChg>
-      <pc:sldChg chg="addSp delSp modSp add mod">
-        <pc:chgData name="Velani, Ankitkumar" userId="039f6639-35cd-4471-8ac8-1e78077ab1db" providerId="ADAL" clId="{1340E681-60A3-43C9-86A2-A614324C29E3}" dt="2022-09-09T03:19:25.354" v="2044" actId="14100"/>
-        <pc:sldMkLst>
-          <pc:docMk/>
-          <pc:sldMk cId="2618532024" sldId="314"/>
-        </pc:sldMkLst>
-        <pc:spChg chg="add mod">
-          <ac:chgData name="Velani, Ankitkumar" userId="039f6639-35cd-4471-8ac8-1e78077ab1db" providerId="ADAL" clId="{1340E681-60A3-43C9-86A2-A614324C29E3}" dt="2022-09-09T03:16:38.966" v="1878" actId="208"/>
-          <ac:spMkLst>
-            <pc:docMk/>
-            <pc:sldMk cId="2618532024" sldId="314"/>
-            <ac:spMk id="8" creationId="{705C474F-DDA9-4B51-BA31-F0C930DE1ABF}"/>
-          </ac:spMkLst>
-        </pc:spChg>
-        <pc:spChg chg="add mod">
-          <ac:chgData name="Velani, Ankitkumar" userId="039f6639-35cd-4471-8ac8-1e78077ab1db" providerId="ADAL" clId="{1340E681-60A3-43C9-86A2-A614324C29E3}" dt="2022-09-09T03:19:25.354" v="2044" actId="14100"/>
-          <ac:spMkLst>
-            <pc:docMk/>
-            <pc:sldMk cId="2618532024" sldId="314"/>
-            <ac:spMk id="9" creationId="{1DF6D864-4962-40F0-AA63-88A2C0478874}"/>
-          </ac:spMkLst>
-        </pc:spChg>
-        <pc:spChg chg="mod">
-          <ac:chgData name="Velani, Ankitkumar" userId="039f6639-35cd-4471-8ac8-1e78077ab1db" providerId="ADAL" clId="{1340E681-60A3-43C9-86A2-A614324C29E3}" dt="2022-09-09T03:09:31.518" v="1860" actId="21"/>
-          <ac:spMkLst>
-            <pc:docMk/>
-            <pc:sldMk cId="2618532024" sldId="314"/>
-            <ac:spMk id="109" creationId="{00000000-0000-0000-0000-000000000000}"/>
-          </ac:spMkLst>
-        </pc:spChg>
-        <pc:picChg chg="add del mod">
-          <ac:chgData name="Velani, Ankitkumar" userId="039f6639-35cd-4471-8ac8-1e78077ab1db" providerId="ADAL" clId="{1340E681-60A3-43C9-86A2-A614324C29E3}" dt="2022-09-09T03:14:05.705" v="1865" actId="478"/>
-          <ac:picMkLst>
-            <pc:docMk/>
-            <pc:sldMk cId="2618532024" sldId="314"/>
-            <ac:picMk id="3" creationId="{95D91836-3D1C-44D1-8BE5-7C4AE7D7154D}"/>
-          </ac:picMkLst>
-        </pc:picChg>
-        <pc:picChg chg="add del mod">
-          <ac:chgData name="Velani, Ankitkumar" userId="039f6639-35cd-4471-8ac8-1e78077ab1db" providerId="ADAL" clId="{1340E681-60A3-43C9-86A2-A614324C29E3}" dt="2022-09-09T03:15:53.807" v="1870" actId="478"/>
-          <ac:picMkLst>
-            <pc:docMk/>
-            <pc:sldMk cId="2618532024" sldId="314"/>
-            <ac:picMk id="5" creationId="{1B4B2A00-95F4-4098-AA93-2BB92B248140}"/>
-          </ac:picMkLst>
-        </pc:picChg>
-        <pc:picChg chg="add mod">
-          <ac:chgData name="Velani, Ankitkumar" userId="039f6639-35cd-4471-8ac8-1e78077ab1db" providerId="ADAL" clId="{1340E681-60A3-43C9-86A2-A614324C29E3}" dt="2022-09-09T03:16:01.928" v="1873" actId="14100"/>
-          <ac:picMkLst>
-            <pc:docMk/>
-            <pc:sldMk cId="2618532024" sldId="314"/>
-            <ac:picMk id="7" creationId="{10F2695B-6D81-400A-BB90-615F5E13AD2F}"/>
-          </ac:picMkLst>
-        </pc:picChg>
-      </pc:sldChg>
-      <pc:sldChg chg="add del">
-        <pc:chgData name="Velani, Ankitkumar" userId="039f6639-35cd-4471-8ac8-1e78077ab1db" providerId="ADAL" clId="{1340E681-60A3-43C9-86A2-A614324C29E3}" dt="2022-09-08T15:23:53.325" v="277" actId="47"/>
-        <pc:sldMkLst>
-          <pc:docMk/>
-          <pc:sldMk cId="1220571586" sldId="315"/>
-        </pc:sldMkLst>
-      </pc:sldChg>
-      <pc:sldChg chg="add del">
-        <pc:chgData name="Velani, Ankitkumar" userId="039f6639-35cd-4471-8ac8-1e78077ab1db" providerId="ADAL" clId="{1340E681-60A3-43C9-86A2-A614324C29E3}" dt="2022-09-08T15:23:54.127" v="278" actId="47"/>
-        <pc:sldMkLst>
-          <pc:docMk/>
-          <pc:sldMk cId="1006699271" sldId="316"/>
-        </pc:sldMkLst>
-      </pc:sldChg>
-      <pc:sldChg chg="modSp new mod">
-        <pc:chgData name="Velani, Ankitkumar" userId="039f6639-35cd-4471-8ac8-1e78077ab1db" providerId="ADAL" clId="{1340E681-60A3-43C9-86A2-A614324C29E3}" dt="2022-09-17T03:13:27.668" v="13872" actId="20577"/>
-        <pc:sldMkLst>
-          <pc:docMk/>
-          <pc:sldMk cId="506897760" sldId="317"/>
-        </pc:sldMkLst>
-        <pc:spChg chg="mod">
-          <ac:chgData name="Velani, Ankitkumar" userId="039f6639-35cd-4471-8ac8-1e78077ab1db" providerId="ADAL" clId="{1340E681-60A3-43C9-86A2-A614324C29E3}" dt="2022-09-16T08:02:17.171" v="2083" actId="20577"/>
-          <ac:spMkLst>
-            <pc:docMk/>
-            <pc:sldMk cId="506897760" sldId="317"/>
-            <ac:spMk id="2" creationId="{9F837788-56EF-4088-BC93-C4434B0D7699}"/>
-          </ac:spMkLst>
-        </pc:spChg>
-        <pc:spChg chg="mod">
-          <ac:chgData name="Velani, Ankitkumar" userId="039f6639-35cd-4471-8ac8-1e78077ab1db" providerId="ADAL" clId="{1340E681-60A3-43C9-86A2-A614324C29E3}" dt="2022-09-17T03:13:27.668" v="13872" actId="20577"/>
-          <ac:spMkLst>
-            <pc:docMk/>
-            <pc:sldMk cId="506897760" sldId="317"/>
-            <ac:spMk id="3" creationId="{94109C72-812E-422E-B62B-0E6BC222A87B}"/>
-          </ac:spMkLst>
-        </pc:spChg>
-      </pc:sldChg>
-      <pc:sldChg chg="add del">
-        <pc:chgData name="Velani, Ankitkumar" userId="039f6639-35cd-4471-8ac8-1e78077ab1db" providerId="ADAL" clId="{1340E681-60A3-43C9-86A2-A614324C29E3}" dt="2022-09-08T15:23:54.580" v="279" actId="47"/>
-        <pc:sldMkLst>
-          <pc:docMk/>
-          <pc:sldMk cId="3804771162" sldId="317"/>
-        </pc:sldMkLst>
-      </pc:sldChg>
-      <pc:sldChg chg="add del">
-        <pc:chgData name="Velani, Ankitkumar" userId="039f6639-35cd-4471-8ac8-1e78077ab1db" providerId="ADAL" clId="{1340E681-60A3-43C9-86A2-A614324C29E3}" dt="2022-09-08T15:23:55.028" v="280" actId="47"/>
-        <pc:sldMkLst>
-          <pc:docMk/>
-          <pc:sldMk cId="882034974" sldId="318"/>
-        </pc:sldMkLst>
-      </pc:sldChg>
-      <pc:sldChg chg="modSp new mod">
-        <pc:chgData name="Velani, Ankitkumar" userId="039f6639-35cd-4471-8ac8-1e78077ab1db" providerId="ADAL" clId="{1340E681-60A3-43C9-86A2-A614324C29E3}" dt="2022-09-16T08:12:56.950" v="2921" actId="207"/>
-        <pc:sldMkLst>
-          <pc:docMk/>
-          <pc:sldMk cId="4079943098" sldId="318"/>
-        </pc:sldMkLst>
-        <pc:spChg chg="mod">
-          <ac:chgData name="Velani, Ankitkumar" userId="039f6639-35cd-4471-8ac8-1e78077ab1db" providerId="ADAL" clId="{1340E681-60A3-43C9-86A2-A614324C29E3}" dt="2022-09-16T08:05:18.624" v="2377" actId="20577"/>
-          <ac:spMkLst>
-            <pc:docMk/>
-            <pc:sldMk cId="4079943098" sldId="318"/>
-            <ac:spMk id="2" creationId="{5A9CE919-3EF4-4D25-BB9E-524589E72E44}"/>
-          </ac:spMkLst>
-        </pc:spChg>
-        <pc:spChg chg="mod">
-          <ac:chgData name="Velani, Ankitkumar" userId="039f6639-35cd-4471-8ac8-1e78077ab1db" providerId="ADAL" clId="{1340E681-60A3-43C9-86A2-A614324C29E3}" dt="2022-09-16T08:12:56.950" v="2921" actId="207"/>
-          <ac:spMkLst>
-            <pc:docMk/>
-            <pc:sldMk cId="4079943098" sldId="318"/>
-            <ac:spMk id="3" creationId="{D8F3A0AA-EEA9-4AC9-8042-81AF1DE9E5E3}"/>
-          </ac:spMkLst>
-        </pc:spChg>
-      </pc:sldChg>
-      <pc:sldChg chg="add del">
-        <pc:chgData name="Velani, Ankitkumar" userId="039f6639-35cd-4471-8ac8-1e78077ab1db" providerId="ADAL" clId="{1340E681-60A3-43C9-86A2-A614324C29E3}" dt="2022-09-08T15:23:55.366" v="281" actId="47"/>
-        <pc:sldMkLst>
-          <pc:docMk/>
-          <pc:sldMk cId="2257831915" sldId="319"/>
-        </pc:sldMkLst>
-      </pc:sldChg>
-      <pc:sldChg chg="modSp add mod">
-        <pc:chgData name="Velani, Ankitkumar" userId="039f6639-35cd-4471-8ac8-1e78077ab1db" providerId="ADAL" clId="{1340E681-60A3-43C9-86A2-A614324C29E3}" dt="2022-09-16T08:16:12.159" v="3168" actId="20577"/>
-        <pc:sldMkLst>
-          <pc:docMk/>
-          <pc:sldMk cId="2467551705" sldId="319"/>
-        </pc:sldMkLst>
-        <pc:spChg chg="mod">
-          <ac:chgData name="Velani, Ankitkumar" userId="039f6639-35cd-4471-8ac8-1e78077ab1db" providerId="ADAL" clId="{1340E681-60A3-43C9-86A2-A614324C29E3}" dt="2022-09-16T08:16:12.159" v="3168" actId="20577"/>
-          <ac:spMkLst>
-            <pc:docMk/>
-            <pc:sldMk cId="2467551705" sldId="319"/>
-            <ac:spMk id="3" creationId="{D8F3A0AA-EEA9-4AC9-8042-81AF1DE9E5E3}"/>
-          </ac:spMkLst>
-        </pc:spChg>
-      </pc:sldChg>
-      <pc:sldChg chg="add del">
-        <pc:chgData name="Velani, Ankitkumar" userId="039f6639-35cd-4471-8ac8-1e78077ab1db" providerId="ADAL" clId="{1340E681-60A3-43C9-86A2-A614324C29E3}" dt="2022-09-08T15:20:49.604" v="141" actId="47"/>
-        <pc:sldMkLst>
-          <pc:docMk/>
-          <pc:sldMk cId="1003457964" sldId="320"/>
-        </pc:sldMkLst>
-      </pc:sldChg>
-      <pc:sldChg chg="addSp delSp modSp add mod">
-        <pc:chgData name="Velani, Ankitkumar" userId="039f6639-35cd-4471-8ac8-1e78077ab1db" providerId="ADAL" clId="{1340E681-60A3-43C9-86A2-A614324C29E3}" dt="2022-09-16T14:19:36.298" v="13840"/>
-        <pc:sldMkLst>
-          <pc:docMk/>
-          <pc:sldMk cId="3872793968" sldId="320"/>
-        </pc:sldMkLst>
-        <pc:spChg chg="mod">
-          <ac:chgData name="Velani, Ankitkumar" userId="039f6639-35cd-4471-8ac8-1e78077ab1db" providerId="ADAL" clId="{1340E681-60A3-43C9-86A2-A614324C29E3}" dt="2022-09-16T08:23:11.282" v="3685" actId="403"/>
-          <ac:spMkLst>
-            <pc:docMk/>
-            <pc:sldMk cId="3872793968" sldId="320"/>
-            <ac:spMk id="3" creationId="{D8F3A0AA-EEA9-4AC9-8042-81AF1DE9E5E3}"/>
-          </ac:spMkLst>
-        </pc:spChg>
-        <pc:spChg chg="add del mod">
-          <ac:chgData name="Velani, Ankitkumar" userId="039f6639-35cd-4471-8ac8-1e78077ab1db" providerId="ADAL" clId="{1340E681-60A3-43C9-86A2-A614324C29E3}" dt="2022-09-16T14:19:36.298" v="13840"/>
-          <ac:spMkLst>
-            <pc:docMk/>
-            <pc:sldMk cId="3872793968" sldId="320"/>
-            <ac:spMk id="7" creationId="{3B18D3A3-1D6A-4860-966B-CA699D718EF3}"/>
-          </ac:spMkLst>
-        </pc:spChg>
-      </pc:sldChg>
-      <pc:sldChg chg="delSp modSp add mod">
-        <pc:chgData name="Velani, Ankitkumar" userId="039f6639-35cd-4471-8ac8-1e78077ab1db" providerId="ADAL" clId="{1340E681-60A3-43C9-86A2-A614324C29E3}" dt="2022-09-16T08:33:46.621" v="4125" actId="108"/>
-        <pc:sldMkLst>
-          <pc:docMk/>
-          <pc:sldMk cId="3673499148" sldId="321"/>
-        </pc:sldMkLst>
-        <pc:spChg chg="mod">
-          <ac:chgData name="Velani, Ankitkumar" userId="039f6639-35cd-4471-8ac8-1e78077ab1db" providerId="ADAL" clId="{1340E681-60A3-43C9-86A2-A614324C29E3}" dt="2022-09-16T08:28:18.388" v="3713" actId="20577"/>
-          <ac:spMkLst>
-            <pc:docMk/>
-            <pc:sldMk cId="3673499148" sldId="321"/>
-            <ac:spMk id="2" creationId="{5A9CE919-3EF4-4D25-BB9E-524589E72E44}"/>
-          </ac:spMkLst>
-        </pc:spChg>
-        <pc:spChg chg="mod">
-          <ac:chgData name="Velani, Ankitkumar" userId="039f6639-35cd-4471-8ac8-1e78077ab1db" providerId="ADAL" clId="{1340E681-60A3-43C9-86A2-A614324C29E3}" dt="2022-09-16T08:33:46.621" v="4125" actId="108"/>
-          <ac:spMkLst>
-            <pc:docMk/>
-            <pc:sldMk cId="3673499148" sldId="321"/>
-            <ac:spMk id="3" creationId="{D8F3A0AA-EEA9-4AC9-8042-81AF1DE9E5E3}"/>
-          </ac:spMkLst>
-        </pc:spChg>
-        <pc:spChg chg="del">
-          <ac:chgData name="Velani, Ankitkumar" userId="039f6639-35cd-4471-8ac8-1e78077ab1db" providerId="ADAL" clId="{1340E681-60A3-43C9-86A2-A614324C29E3}" dt="2022-09-16T08:30:00.936" v="3934" actId="478"/>
-          <ac:spMkLst>
-            <pc:docMk/>
-            <pc:sldMk cId="3673499148" sldId="321"/>
-            <ac:spMk id="7" creationId="{3B18D3A3-1D6A-4860-966B-CA699D718EF3}"/>
-          </ac:spMkLst>
-        </pc:spChg>
-      </pc:sldChg>
-      <pc:sldChg chg="modSp add mod">
-        <pc:chgData name="Velani, Ankitkumar" userId="039f6639-35cd-4471-8ac8-1e78077ab1db" providerId="ADAL" clId="{1340E681-60A3-43C9-86A2-A614324C29E3}" dt="2022-09-16T08:36:23.394" v="4323" actId="20577"/>
-        <pc:sldMkLst>
-          <pc:docMk/>
-          <pc:sldMk cId="3529883501" sldId="322"/>
-        </pc:sldMkLst>
-        <pc:spChg chg="mod">
-          <ac:chgData name="Velani, Ankitkumar" userId="039f6639-35cd-4471-8ac8-1e78077ab1db" providerId="ADAL" clId="{1340E681-60A3-43C9-86A2-A614324C29E3}" dt="2022-09-16T08:36:23.394" v="4323" actId="20577"/>
-          <ac:spMkLst>
-            <pc:docMk/>
-            <pc:sldMk cId="3529883501" sldId="322"/>
-            <ac:spMk id="3" creationId="{D8F3A0AA-EEA9-4AC9-8042-81AF1DE9E5E3}"/>
-          </ac:spMkLst>
-        </pc:spChg>
-      </pc:sldChg>
-      <pc:sldChg chg="modSp add mod">
-        <pc:chgData name="Velani, Ankitkumar" userId="039f6639-35cd-4471-8ac8-1e78077ab1db" providerId="ADAL" clId="{1340E681-60A3-43C9-86A2-A614324C29E3}" dt="2022-09-16T08:40:23.558" v="4847" actId="20577"/>
-        <pc:sldMkLst>
-          <pc:docMk/>
-          <pc:sldMk cId="241652326" sldId="323"/>
-        </pc:sldMkLst>
-        <pc:spChg chg="mod">
-          <ac:chgData name="Velani, Ankitkumar" userId="039f6639-35cd-4471-8ac8-1e78077ab1db" providerId="ADAL" clId="{1340E681-60A3-43C9-86A2-A614324C29E3}" dt="2022-09-16T08:40:23.558" v="4847" actId="20577"/>
-          <ac:spMkLst>
-            <pc:docMk/>
-            <pc:sldMk cId="241652326" sldId="323"/>
-            <ac:spMk id="3" creationId="{D8F3A0AA-EEA9-4AC9-8042-81AF1DE9E5E3}"/>
-          </ac:spMkLst>
-        </pc:spChg>
-      </pc:sldChg>
-      <pc:sldChg chg="modSp add mod">
-        <pc:chgData name="Velani, Ankitkumar" userId="039f6639-35cd-4471-8ac8-1e78077ab1db" providerId="ADAL" clId="{1340E681-60A3-43C9-86A2-A614324C29E3}" dt="2022-09-16T08:44:17.609" v="5124"/>
-        <pc:sldMkLst>
-          <pc:docMk/>
-          <pc:sldMk cId="2259152632" sldId="324"/>
-        </pc:sldMkLst>
-        <pc:spChg chg="mod">
-          <ac:chgData name="Velani, Ankitkumar" userId="039f6639-35cd-4471-8ac8-1e78077ab1db" providerId="ADAL" clId="{1340E681-60A3-43C9-86A2-A614324C29E3}" dt="2022-09-16T08:44:17.609" v="5124"/>
-          <ac:spMkLst>
-            <pc:docMk/>
-            <pc:sldMk cId="2259152632" sldId="324"/>
-            <ac:spMk id="3" creationId="{D8F3A0AA-EEA9-4AC9-8042-81AF1DE9E5E3}"/>
-          </ac:spMkLst>
-        </pc:spChg>
-      </pc:sldChg>
-      <pc:sldChg chg="modSp new mod">
-        <pc:chgData name="Velani, Ankitkumar" userId="039f6639-35cd-4471-8ac8-1e78077ab1db" providerId="ADAL" clId="{1340E681-60A3-43C9-86A2-A614324C29E3}" dt="2022-09-16T09:14:45.075" v="6833" actId="114"/>
-        <pc:sldMkLst>
-          <pc:docMk/>
-          <pc:sldMk cId="233899321" sldId="325"/>
-        </pc:sldMkLst>
-        <pc:spChg chg="mod">
-          <ac:chgData name="Velani, Ankitkumar" userId="039f6639-35cd-4471-8ac8-1e78077ab1db" providerId="ADAL" clId="{1340E681-60A3-43C9-86A2-A614324C29E3}" dt="2022-09-16T09:11:33.676" v="6362" actId="20577"/>
-          <ac:spMkLst>
-            <pc:docMk/>
-            <pc:sldMk cId="233899321" sldId="325"/>
-            <ac:spMk id="2" creationId="{E3406395-9EBC-45BB-911E-58402D0ABDB9}"/>
-          </ac:spMkLst>
-        </pc:spChg>
-        <pc:spChg chg="mod">
-          <ac:chgData name="Velani, Ankitkumar" userId="039f6639-35cd-4471-8ac8-1e78077ab1db" providerId="ADAL" clId="{1340E681-60A3-43C9-86A2-A614324C29E3}" dt="2022-09-16T09:14:45.075" v="6833" actId="114"/>
-          <ac:spMkLst>
-            <pc:docMk/>
-            <pc:sldMk cId="233899321" sldId="325"/>
-            <ac:spMk id="3" creationId="{CE7B9E59-1E6D-40DF-89DE-D72987E646C6}"/>
-          </ac:spMkLst>
-        </pc:spChg>
-      </pc:sldChg>
-      <pc:sldChg chg="modSp add mod">
-        <pc:chgData name="Velani, Ankitkumar" userId="039f6639-35cd-4471-8ac8-1e78077ab1db" providerId="ADAL" clId="{1340E681-60A3-43C9-86A2-A614324C29E3}" dt="2022-09-16T08:51:39.421" v="5705" actId="20577"/>
-        <pc:sldMkLst>
-          <pc:docMk/>
-          <pc:sldMk cId="4134971013" sldId="326"/>
-        </pc:sldMkLst>
-        <pc:spChg chg="mod">
-          <ac:chgData name="Velani, Ankitkumar" userId="039f6639-35cd-4471-8ac8-1e78077ab1db" providerId="ADAL" clId="{1340E681-60A3-43C9-86A2-A614324C29E3}" dt="2022-09-16T08:46:27.145" v="5155" actId="20577"/>
-          <ac:spMkLst>
-            <pc:docMk/>
-            <pc:sldMk cId="4134971013" sldId="326"/>
-            <ac:spMk id="2" creationId="{5A9CE919-3EF4-4D25-BB9E-524589E72E44}"/>
-          </ac:spMkLst>
-        </pc:spChg>
-        <pc:spChg chg="mod">
-          <ac:chgData name="Velani, Ankitkumar" userId="039f6639-35cd-4471-8ac8-1e78077ab1db" providerId="ADAL" clId="{1340E681-60A3-43C9-86A2-A614324C29E3}" dt="2022-09-16T08:51:39.421" v="5705" actId="20577"/>
-          <ac:spMkLst>
-            <pc:docMk/>
-            <pc:sldMk cId="4134971013" sldId="326"/>
-            <ac:spMk id="3" creationId="{D8F3A0AA-EEA9-4AC9-8042-81AF1DE9E5E3}"/>
-          </ac:spMkLst>
-        </pc:spChg>
-      </pc:sldChg>
-      <pc:sldChg chg="addSp delSp modSp add mod">
-        <pc:chgData name="Velani, Ankitkumar" userId="039f6639-35cd-4471-8ac8-1e78077ab1db" providerId="ADAL" clId="{1340E681-60A3-43C9-86A2-A614324C29E3}" dt="2022-09-16T08:53:08.237" v="5848" actId="22"/>
-        <pc:sldMkLst>
-          <pc:docMk/>
-          <pc:sldMk cId="4291762077" sldId="327"/>
-        </pc:sldMkLst>
-        <pc:spChg chg="mod">
-          <ac:chgData name="Velani, Ankitkumar" userId="039f6639-35cd-4471-8ac8-1e78077ab1db" providerId="ADAL" clId="{1340E681-60A3-43C9-86A2-A614324C29E3}" dt="2022-09-16T08:53:03.381" v="5846" actId="20577"/>
-          <ac:spMkLst>
-            <pc:docMk/>
-            <pc:sldMk cId="4291762077" sldId="327"/>
-            <ac:spMk id="2" creationId="{5A9CE919-3EF4-4D25-BB9E-524589E72E44}"/>
-          </ac:spMkLst>
-        </pc:spChg>
-        <pc:spChg chg="mod">
-          <ac:chgData name="Velani, Ankitkumar" userId="039f6639-35cd-4471-8ac8-1e78077ab1db" providerId="ADAL" clId="{1340E681-60A3-43C9-86A2-A614324C29E3}" dt="2022-09-16T08:52:33.820" v="5824" actId="20577"/>
-          <ac:spMkLst>
-            <pc:docMk/>
-            <pc:sldMk cId="4291762077" sldId="327"/>
-            <ac:spMk id="3" creationId="{D8F3A0AA-EEA9-4AC9-8042-81AF1DE9E5E3}"/>
-          </ac:spMkLst>
-        </pc:spChg>
-        <pc:spChg chg="add del">
-          <ac:chgData name="Velani, Ankitkumar" userId="039f6639-35cd-4471-8ac8-1e78077ab1db" providerId="ADAL" clId="{1340E681-60A3-43C9-86A2-A614324C29E3}" dt="2022-09-16T08:53:08.237" v="5848" actId="22"/>
-          <ac:spMkLst>
-            <pc:docMk/>
-            <pc:sldMk cId="4291762077" sldId="327"/>
-            <ac:spMk id="8" creationId="{70FDE504-2910-41B3-99D3-2BDECDA392CE}"/>
-          </ac:spMkLst>
-        </pc:spChg>
-      </pc:sldChg>
-      <pc:sldChg chg="addSp delSp modSp add mod">
-        <pc:chgData name="Velani, Ankitkumar" userId="039f6639-35cd-4471-8ac8-1e78077ab1db" providerId="ADAL" clId="{1340E681-60A3-43C9-86A2-A614324C29E3}" dt="2022-09-16T08:55:47.076" v="6065" actId="207"/>
-        <pc:sldMkLst>
-          <pc:docMk/>
-          <pc:sldMk cId="1493480280" sldId="328"/>
-        </pc:sldMkLst>
-        <pc:spChg chg="mod">
-          <ac:chgData name="Velani, Ankitkumar" userId="039f6639-35cd-4471-8ac8-1e78077ab1db" providerId="ADAL" clId="{1340E681-60A3-43C9-86A2-A614324C29E3}" dt="2022-09-16T08:55:47.076" v="6065" actId="207"/>
-          <ac:spMkLst>
-            <pc:docMk/>
-            <pc:sldMk cId="1493480280" sldId="328"/>
-            <ac:spMk id="3" creationId="{D8F3A0AA-EEA9-4AC9-8042-81AF1DE9E5E3}"/>
-          </ac:spMkLst>
-        </pc:spChg>
-        <pc:spChg chg="add del">
-          <ac:chgData name="Velani, Ankitkumar" userId="039f6639-35cd-4471-8ac8-1e78077ab1db" providerId="ADAL" clId="{1340E681-60A3-43C9-86A2-A614324C29E3}" dt="2022-09-16T08:54:45.313" v="6011" actId="478"/>
-          <ac:spMkLst>
-            <pc:docMk/>
-            <pc:sldMk cId="1493480280" sldId="328"/>
-            <ac:spMk id="8" creationId="{4B472B68-D326-4A5E-A4EC-B61C829E7A41}"/>
-          </ac:spMkLst>
-        </pc:spChg>
-      </pc:sldChg>
-      <pc:sldChg chg="modSp add mod">
-        <pc:chgData name="Velani, Ankitkumar" userId="039f6639-35cd-4471-8ac8-1e78077ab1db" providerId="ADAL" clId="{1340E681-60A3-43C9-86A2-A614324C29E3}" dt="2022-09-16T09:05:04.164" v="6330" actId="1035"/>
-        <pc:sldMkLst>
-          <pc:docMk/>
-          <pc:sldMk cId="2367872627" sldId="329"/>
-        </pc:sldMkLst>
-        <pc:spChg chg="mod">
-          <ac:chgData name="Velani, Ankitkumar" userId="039f6639-35cd-4471-8ac8-1e78077ab1db" providerId="ADAL" clId="{1340E681-60A3-43C9-86A2-A614324C29E3}" dt="2022-09-16T09:05:01.644" v="6323" actId="1035"/>
-          <ac:spMkLst>
-            <pc:docMk/>
-            <pc:sldMk cId="2367872627" sldId="329"/>
-            <ac:spMk id="2" creationId="{5A9CE919-3EF4-4D25-BB9E-524589E72E44}"/>
-          </ac:spMkLst>
-        </pc:spChg>
-        <pc:spChg chg="mod">
-          <ac:chgData name="Velani, Ankitkumar" userId="039f6639-35cd-4471-8ac8-1e78077ab1db" providerId="ADAL" clId="{1340E681-60A3-43C9-86A2-A614324C29E3}" dt="2022-09-16T09:05:04.164" v="6330" actId="1035"/>
-          <ac:spMkLst>
-            <pc:docMk/>
-            <pc:sldMk cId="2367872627" sldId="329"/>
-            <ac:spMk id="3" creationId="{D8F3A0AA-EEA9-4AC9-8042-81AF1DE9E5E3}"/>
-          </ac:spMkLst>
-        </pc:spChg>
-      </pc:sldChg>
-      <pc:sldChg chg="modSp add mod">
-        <pc:chgData name="Velani, Ankitkumar" userId="039f6639-35cd-4471-8ac8-1e78077ab1db" providerId="ADAL" clId="{1340E681-60A3-43C9-86A2-A614324C29E3}" dt="2022-09-16T09:17:48.785" v="6959" actId="20577"/>
-        <pc:sldMkLst>
-          <pc:docMk/>
-          <pc:sldMk cId="4061011985" sldId="330"/>
-        </pc:sldMkLst>
-        <pc:spChg chg="mod">
-          <ac:chgData name="Velani, Ankitkumar" userId="039f6639-35cd-4471-8ac8-1e78077ab1db" providerId="ADAL" clId="{1340E681-60A3-43C9-86A2-A614324C29E3}" dt="2022-09-16T09:17:48.785" v="6959" actId="20577"/>
-          <ac:spMkLst>
-            <pc:docMk/>
-            <pc:sldMk cId="4061011985" sldId="330"/>
-            <ac:spMk id="3" creationId="{CE7B9E59-1E6D-40DF-89DE-D72987E646C6}"/>
-          </ac:spMkLst>
-        </pc:spChg>
-      </pc:sldChg>
-      <pc:sldChg chg="modSp add mod">
-        <pc:chgData name="Velani, Ankitkumar" userId="039f6639-35cd-4471-8ac8-1e78077ab1db" providerId="ADAL" clId="{1340E681-60A3-43C9-86A2-A614324C29E3}" dt="2022-09-16T09:19:11.668" v="7151" actId="20577"/>
-        <pc:sldMkLst>
-          <pc:docMk/>
-          <pc:sldMk cId="3969524351" sldId="331"/>
-        </pc:sldMkLst>
-        <pc:spChg chg="mod">
-          <ac:chgData name="Velani, Ankitkumar" userId="039f6639-35cd-4471-8ac8-1e78077ab1db" providerId="ADAL" clId="{1340E681-60A3-43C9-86A2-A614324C29E3}" dt="2022-09-16T09:19:11.668" v="7151" actId="20577"/>
-          <ac:spMkLst>
-            <pc:docMk/>
-            <pc:sldMk cId="3969524351" sldId="331"/>
-            <ac:spMk id="3" creationId="{CE7B9E59-1E6D-40DF-89DE-D72987E646C6}"/>
-          </ac:spMkLst>
-        </pc:spChg>
-      </pc:sldChg>
-      <pc:sldChg chg="modSp add mod">
-        <pc:chgData name="Velani, Ankitkumar" userId="039f6639-35cd-4471-8ac8-1e78077ab1db" providerId="ADAL" clId="{1340E681-60A3-43C9-86A2-A614324C29E3}" dt="2022-09-16T12:10:40.266" v="9993" actId="20577"/>
-        <pc:sldMkLst>
-          <pc:docMk/>
-          <pc:sldMk cId="4004607695" sldId="332"/>
-        </pc:sldMkLst>
-        <pc:spChg chg="mod">
-          <ac:chgData name="Velani, Ankitkumar" userId="039f6639-35cd-4471-8ac8-1e78077ab1db" providerId="ADAL" clId="{1340E681-60A3-43C9-86A2-A614324C29E3}" dt="2022-09-16T11:19:07.966" v="7440" actId="20577"/>
-          <ac:spMkLst>
-            <pc:docMk/>
-            <pc:sldMk cId="4004607695" sldId="332"/>
-            <ac:spMk id="2" creationId="{E3406395-9EBC-45BB-911E-58402D0ABDB9}"/>
-          </ac:spMkLst>
-        </pc:spChg>
-        <pc:spChg chg="mod">
-          <ac:chgData name="Velani, Ankitkumar" userId="039f6639-35cd-4471-8ac8-1e78077ab1db" providerId="ADAL" clId="{1340E681-60A3-43C9-86A2-A614324C29E3}" dt="2022-09-16T12:10:40.266" v="9993" actId="20577"/>
-          <ac:spMkLst>
-            <pc:docMk/>
-            <pc:sldMk cId="4004607695" sldId="332"/>
-            <ac:spMk id="3" creationId="{CE7B9E59-1E6D-40DF-89DE-D72987E646C6}"/>
-          </ac:spMkLst>
-        </pc:spChg>
-      </pc:sldChg>
-      <pc:sldChg chg="add del">
-        <pc:chgData name="Velani, Ankitkumar" userId="039f6639-35cd-4471-8ac8-1e78077ab1db" providerId="ADAL" clId="{1340E681-60A3-43C9-86A2-A614324C29E3}" dt="2022-09-16T12:10:57.322" v="9994" actId="2696"/>
-        <pc:sldMkLst>
-          <pc:docMk/>
-          <pc:sldMk cId="2833369650" sldId="333"/>
-        </pc:sldMkLst>
-      </pc:sldChg>
-      <pc:sldChg chg="modSp new mod">
-        <pc:chgData name="Velani, Ankitkumar" userId="039f6639-35cd-4471-8ac8-1e78077ab1db" providerId="ADAL" clId="{1340E681-60A3-43C9-86A2-A614324C29E3}" dt="2022-09-16T11:33:55.410" v="7902"/>
-        <pc:sldMkLst>
-          <pc:docMk/>
-          <pc:sldMk cId="572725005" sldId="334"/>
-        </pc:sldMkLst>
-        <pc:spChg chg="mod">
-          <ac:chgData name="Velani, Ankitkumar" userId="039f6639-35cd-4471-8ac8-1e78077ab1db" providerId="ADAL" clId="{1340E681-60A3-43C9-86A2-A614324C29E3}" dt="2022-09-16T11:33:55.410" v="7902"/>
-          <ac:spMkLst>
-            <pc:docMk/>
-            <pc:sldMk cId="572725005" sldId="334"/>
-            <ac:spMk id="2" creationId="{41113981-29E2-4BA4-BB88-07177203CC7A}"/>
-          </ac:spMkLst>
-        </pc:spChg>
-        <pc:spChg chg="mod">
-          <ac:chgData name="Velani, Ankitkumar" userId="039f6639-35cd-4471-8ac8-1e78077ab1db" providerId="ADAL" clId="{1340E681-60A3-43C9-86A2-A614324C29E3}" dt="2022-09-16T11:33:43.820" v="7894" actId="1035"/>
-          <ac:spMkLst>
-            <pc:docMk/>
-            <pc:sldMk cId="572725005" sldId="334"/>
-            <ac:spMk id="3" creationId="{991B0D35-7733-4902-B757-35D951D1C833}"/>
-          </ac:spMkLst>
-        </pc:spChg>
-      </pc:sldChg>
-      <pc:sldChg chg="modSp add mod">
-        <pc:chgData name="Velani, Ankitkumar" userId="039f6639-35cd-4471-8ac8-1e78077ab1db" providerId="ADAL" clId="{1340E681-60A3-43C9-86A2-A614324C29E3}" dt="2022-09-16T11:39:51.355" v="8351" actId="20577"/>
-        <pc:sldMkLst>
-          <pc:docMk/>
-          <pc:sldMk cId="1034237041" sldId="335"/>
-        </pc:sldMkLst>
-        <pc:spChg chg="mod">
-          <ac:chgData name="Velani, Ankitkumar" userId="039f6639-35cd-4471-8ac8-1e78077ab1db" providerId="ADAL" clId="{1340E681-60A3-43C9-86A2-A614324C29E3}" dt="2022-09-16T11:39:51.355" v="8351" actId="20577"/>
-          <ac:spMkLst>
-            <pc:docMk/>
-            <pc:sldMk cId="1034237041" sldId="335"/>
-            <ac:spMk id="3" creationId="{991B0D35-7733-4902-B757-35D951D1C833}"/>
-          </ac:spMkLst>
-        </pc:spChg>
-      </pc:sldChg>
-      <pc:sldChg chg="addSp delSp modSp new del mod">
-        <pc:chgData name="Velani, Ankitkumar" userId="039f6639-35cd-4471-8ac8-1e78077ab1db" providerId="ADAL" clId="{1340E681-60A3-43C9-86A2-A614324C29E3}" dt="2022-09-16T11:34:32.820" v="7944" actId="2696"/>
-        <pc:sldMkLst>
-          <pc:docMk/>
-          <pc:sldMk cId="4034981322" sldId="335"/>
-        </pc:sldMkLst>
-        <pc:spChg chg="del mod">
-          <ac:chgData name="Velani, Ankitkumar" userId="039f6639-35cd-4471-8ac8-1e78077ab1db" providerId="ADAL" clId="{1340E681-60A3-43C9-86A2-A614324C29E3}" dt="2022-09-16T11:34:29.082" v="7943" actId="478"/>
-          <ac:spMkLst>
-            <pc:docMk/>
-            <pc:sldMk cId="4034981322" sldId="335"/>
-            <ac:spMk id="2" creationId="{B0A38FE1-27CA-4F40-8791-0EE50ECCD2EC}"/>
-          </ac:spMkLst>
-        </pc:spChg>
-        <pc:spChg chg="add mod">
-          <ac:chgData name="Velani, Ankitkumar" userId="039f6639-35cd-4471-8ac8-1e78077ab1db" providerId="ADAL" clId="{1340E681-60A3-43C9-86A2-A614324C29E3}" dt="2022-09-16T11:34:29.082" v="7943" actId="478"/>
-          <ac:spMkLst>
-            <pc:docMk/>
-            <pc:sldMk cId="4034981322" sldId="335"/>
-            <ac:spMk id="8" creationId="{DEF6F482-EEB2-42A7-B8FB-7333502C44B0}"/>
-          </ac:spMkLst>
-        </pc:spChg>
-      </pc:sldChg>
-      <pc:sldChg chg="add">
-        <pc:chgData name="Velani, Ankitkumar" userId="039f6639-35cd-4471-8ac8-1e78077ab1db" providerId="ADAL" clId="{1340E681-60A3-43C9-86A2-A614324C29E3}" dt="2022-09-16T11:39:47.419" v="8349"/>
-        <pc:sldMkLst>
-          <pc:docMk/>
-          <pc:sldMk cId="2548740241" sldId="336"/>
-        </pc:sldMkLst>
-      </pc:sldChg>
-      <pc:sldChg chg="modSp add mod">
-        <pc:chgData name="Velani, Ankitkumar" userId="039f6639-35cd-4471-8ac8-1e78077ab1db" providerId="ADAL" clId="{1340E681-60A3-43C9-86A2-A614324C29E3}" dt="2022-09-16T11:43:33.819" v="8725" actId="20577"/>
-        <pc:sldMkLst>
-          <pc:docMk/>
-          <pc:sldMk cId="430525681" sldId="337"/>
-        </pc:sldMkLst>
-        <pc:spChg chg="mod">
-          <ac:chgData name="Velani, Ankitkumar" userId="039f6639-35cd-4471-8ac8-1e78077ab1db" providerId="ADAL" clId="{1340E681-60A3-43C9-86A2-A614324C29E3}" dt="2022-09-16T11:43:33.819" v="8725" actId="20577"/>
-          <ac:spMkLst>
-            <pc:docMk/>
-            <pc:sldMk cId="430525681" sldId="337"/>
-            <ac:spMk id="3" creationId="{991B0D35-7733-4902-B757-35D951D1C833}"/>
-          </ac:spMkLst>
-        </pc:spChg>
-      </pc:sldChg>
-      <pc:sldChg chg="modSp add mod">
-        <pc:chgData name="Velani, Ankitkumar" userId="039f6639-35cd-4471-8ac8-1e78077ab1db" providerId="ADAL" clId="{1340E681-60A3-43C9-86A2-A614324C29E3}" dt="2022-09-16T12:28:32.160" v="10376" actId="20577"/>
-        <pc:sldMkLst>
-          <pc:docMk/>
-          <pc:sldMk cId="3225106126" sldId="338"/>
-        </pc:sldMkLst>
-        <pc:spChg chg="mod">
-          <ac:chgData name="Velani, Ankitkumar" userId="039f6639-35cd-4471-8ac8-1e78077ab1db" providerId="ADAL" clId="{1340E681-60A3-43C9-86A2-A614324C29E3}" dt="2022-09-16T11:48:48.158" v="9083" actId="1035"/>
-          <ac:spMkLst>
-            <pc:docMk/>
-            <pc:sldMk cId="3225106126" sldId="338"/>
-            <ac:spMk id="2" creationId="{41113981-29E2-4BA4-BB88-07177203CC7A}"/>
-          </ac:spMkLst>
-        </pc:spChg>
-        <pc:spChg chg="mod">
-          <ac:chgData name="Velani, Ankitkumar" userId="039f6639-35cd-4471-8ac8-1e78077ab1db" providerId="ADAL" clId="{1340E681-60A3-43C9-86A2-A614324C29E3}" dt="2022-09-16T12:28:32.160" v="10376" actId="20577"/>
-          <ac:spMkLst>
-            <pc:docMk/>
-            <pc:sldMk cId="3225106126" sldId="338"/>
-            <ac:spMk id="3" creationId="{991B0D35-7733-4902-B757-35D951D1C833}"/>
-          </ac:spMkLst>
-        </pc:spChg>
-      </pc:sldChg>
-      <pc:sldChg chg="addSp delSp modSp add mod">
-        <pc:chgData name="Velani, Ankitkumar" userId="039f6639-35cd-4471-8ac8-1e78077ab1db" providerId="ADAL" clId="{1340E681-60A3-43C9-86A2-A614324C29E3}" dt="2022-09-16T12:02:06.337" v="9632" actId="20577"/>
-        <pc:sldMkLst>
-          <pc:docMk/>
-          <pc:sldMk cId="2381061063" sldId="339"/>
-        </pc:sldMkLst>
-        <pc:spChg chg="mod">
-          <ac:chgData name="Velani, Ankitkumar" userId="039f6639-35cd-4471-8ac8-1e78077ab1db" providerId="ADAL" clId="{1340E681-60A3-43C9-86A2-A614324C29E3}" dt="2022-09-16T12:02:06.337" v="9632" actId="20577"/>
-          <ac:spMkLst>
-            <pc:docMk/>
-            <pc:sldMk cId="2381061063" sldId="339"/>
-            <ac:spMk id="3" creationId="{991B0D35-7733-4902-B757-35D951D1C833}"/>
-          </ac:spMkLst>
-        </pc:spChg>
-        <pc:spChg chg="add del">
-          <ac:chgData name="Velani, Ankitkumar" userId="039f6639-35cd-4471-8ac8-1e78077ab1db" providerId="ADAL" clId="{1340E681-60A3-43C9-86A2-A614324C29E3}" dt="2022-09-16T11:54:44.321" v="9541"/>
-          <ac:spMkLst>
-            <pc:docMk/>
-            <pc:sldMk cId="2381061063" sldId="339"/>
-            <ac:spMk id="7" creationId="{3E0CE50A-A455-4B5D-A782-F67FFB181494}"/>
-          </ac:spMkLst>
-        </pc:spChg>
-      </pc:sldChg>
-      <pc:sldChg chg="addSp delSp modSp add mod">
-        <pc:chgData name="Velani, Ankitkumar" userId="039f6639-35cd-4471-8ac8-1e78077ab1db" providerId="ADAL" clId="{1340E681-60A3-43C9-86A2-A614324C29E3}" dt="2022-09-16T12:05:22.469" v="9973" actId="20577"/>
-        <pc:sldMkLst>
-          <pc:docMk/>
-          <pc:sldMk cId="4012364920" sldId="340"/>
-        </pc:sldMkLst>
-        <pc:spChg chg="mod">
-          <ac:chgData name="Velani, Ankitkumar" userId="039f6639-35cd-4471-8ac8-1e78077ab1db" providerId="ADAL" clId="{1340E681-60A3-43C9-86A2-A614324C29E3}" dt="2022-09-16T12:05:22.469" v="9973" actId="20577"/>
-          <ac:spMkLst>
-            <pc:docMk/>
-            <pc:sldMk cId="4012364920" sldId="340"/>
-            <ac:spMk id="3" creationId="{991B0D35-7733-4902-B757-35D951D1C833}"/>
-          </ac:spMkLst>
-        </pc:spChg>
-        <pc:spChg chg="add del">
-          <ac:chgData name="Velani, Ankitkumar" userId="039f6639-35cd-4471-8ac8-1e78077ab1db" providerId="ADAL" clId="{1340E681-60A3-43C9-86A2-A614324C29E3}" dt="2022-09-16T12:04:59.856" v="9966"/>
-          <ac:spMkLst>
-            <pc:docMk/>
-            <pc:sldMk cId="4012364920" sldId="340"/>
-            <ac:spMk id="7" creationId="{595E64D4-E1CE-4D41-87A3-9C60B693793F}"/>
-          </ac:spMkLst>
-        </pc:spChg>
-      </pc:sldChg>
-      <pc:sldChg chg="addSp delSp modSp add mod">
-        <pc:chgData name="Velani, Ankitkumar" userId="039f6639-35cd-4471-8ac8-1e78077ab1db" providerId="ADAL" clId="{1340E681-60A3-43C9-86A2-A614324C29E3}" dt="2022-09-16T12:16:20.907" v="10247" actId="22"/>
-        <pc:sldMkLst>
-          <pc:docMk/>
-          <pc:sldMk cId="319314961" sldId="341"/>
-        </pc:sldMkLst>
-        <pc:spChg chg="mod">
-          <ac:chgData name="Velani, Ankitkumar" userId="039f6639-35cd-4471-8ac8-1e78077ab1db" providerId="ADAL" clId="{1340E681-60A3-43C9-86A2-A614324C29E3}" dt="2022-09-16T12:11:16.374" v="10002" actId="20577"/>
-          <ac:spMkLst>
-            <pc:docMk/>
-            <pc:sldMk cId="319314961" sldId="341"/>
-            <ac:spMk id="2" creationId="{41113981-29E2-4BA4-BB88-07177203CC7A}"/>
-          </ac:spMkLst>
-        </pc:spChg>
-        <pc:spChg chg="mod">
-          <ac:chgData name="Velani, Ankitkumar" userId="039f6639-35cd-4471-8ac8-1e78077ab1db" providerId="ADAL" clId="{1340E681-60A3-43C9-86A2-A614324C29E3}" dt="2022-09-16T12:14:22.022" v="10210"/>
-          <ac:spMkLst>
-            <pc:docMk/>
-            <pc:sldMk cId="319314961" sldId="341"/>
-            <ac:spMk id="3" creationId="{991B0D35-7733-4902-B757-35D951D1C833}"/>
-          </ac:spMkLst>
-        </pc:spChg>
-        <pc:spChg chg="add del">
-          <ac:chgData name="Velani, Ankitkumar" userId="039f6639-35cd-4471-8ac8-1e78077ab1db" providerId="ADAL" clId="{1340E681-60A3-43C9-86A2-A614324C29E3}" dt="2022-09-16T12:16:20.907" v="10247" actId="22"/>
-          <ac:spMkLst>
-            <pc:docMk/>
-            <pc:sldMk cId="319314961" sldId="341"/>
-            <ac:spMk id="8" creationId="{FF079DE8-7B5E-405A-8B56-9CE46CCD1AC4}"/>
-          </ac:spMkLst>
-        </pc:spChg>
-      </pc:sldChg>
-      <pc:sldChg chg="add del">
-        <pc:chgData name="Velani, Ankitkumar" userId="039f6639-35cd-4471-8ac8-1e78077ab1db" providerId="ADAL" clId="{1340E681-60A3-43C9-86A2-A614324C29E3}" dt="2022-09-16T12:10:03.294" v="9975" actId="2890"/>
-        <pc:sldMkLst>
-          <pc:docMk/>
-          <pc:sldMk cId="793385323" sldId="341"/>
-        </pc:sldMkLst>
-      </pc:sldChg>
-      <pc:sldChg chg="add del">
-        <pc:chgData name="Velani, Ankitkumar" userId="039f6639-35cd-4471-8ac8-1e78077ab1db" providerId="ADAL" clId="{1340E681-60A3-43C9-86A2-A614324C29E3}" dt="2022-09-16T12:11:08.639" v="9996" actId="2890"/>
-        <pc:sldMkLst>
-          <pc:docMk/>
-          <pc:sldMk cId="2769478184" sldId="341"/>
-        </pc:sldMkLst>
-      </pc:sldChg>
-      <pc:sldChg chg="addSp delSp modSp add mod ord">
-        <pc:chgData name="Velani, Ankitkumar" userId="039f6639-35cd-4471-8ac8-1e78077ab1db" providerId="ADAL" clId="{1340E681-60A3-43C9-86A2-A614324C29E3}" dt="2022-09-16T13:00:34.901" v="11039" actId="20577"/>
-        <pc:sldMkLst>
-          <pc:docMk/>
-          <pc:sldMk cId="3889110516" sldId="342"/>
-        </pc:sldMkLst>
-        <pc:spChg chg="mod">
-          <ac:chgData name="Velani, Ankitkumar" userId="039f6639-35cd-4471-8ac8-1e78077ab1db" providerId="ADAL" clId="{1340E681-60A3-43C9-86A2-A614324C29E3}" dt="2022-09-16T12:14:43.110" v="10216" actId="20577"/>
-          <ac:spMkLst>
-            <pc:docMk/>
-            <pc:sldMk cId="3889110516" sldId="342"/>
-            <ac:spMk id="2" creationId="{41113981-29E2-4BA4-BB88-07177203CC7A}"/>
-          </ac:spMkLst>
-        </pc:spChg>
-        <pc:spChg chg="mod">
-          <ac:chgData name="Velani, Ankitkumar" userId="039f6639-35cd-4471-8ac8-1e78077ab1db" providerId="ADAL" clId="{1340E681-60A3-43C9-86A2-A614324C29E3}" dt="2022-09-16T13:00:34.901" v="11039" actId="20577"/>
-          <ac:spMkLst>
-            <pc:docMk/>
-            <pc:sldMk cId="3889110516" sldId="342"/>
-            <ac:spMk id="3" creationId="{991B0D35-7733-4902-B757-35D951D1C833}"/>
-          </ac:spMkLst>
-        </pc:spChg>
-        <pc:spChg chg="add del">
-          <ac:chgData name="Velani, Ankitkumar" userId="039f6639-35cd-4471-8ac8-1e78077ab1db" providerId="ADAL" clId="{1340E681-60A3-43C9-86A2-A614324C29E3}" dt="2022-09-16T12:16:06.793" v="10243" actId="22"/>
-          <ac:spMkLst>
-            <pc:docMk/>
-            <pc:sldMk cId="3889110516" sldId="342"/>
-            <ac:spMk id="8" creationId="{AB90A715-9EC9-404D-9351-868D980420B9}"/>
-          </ac:spMkLst>
-        </pc:spChg>
-      </pc:sldChg>
-      <pc:sldChg chg="modSp add mod">
-        <pc:chgData name="Velani, Ankitkumar" userId="039f6639-35cd-4471-8ac8-1e78077ab1db" providerId="ADAL" clId="{1340E681-60A3-43C9-86A2-A614324C29E3}" dt="2022-09-16T12:16:12.642" v="10245" actId="6549"/>
-        <pc:sldMkLst>
-          <pc:docMk/>
-          <pc:sldMk cId="1775039272" sldId="343"/>
-        </pc:sldMkLst>
-        <pc:spChg chg="mod">
-          <ac:chgData name="Velani, Ankitkumar" userId="039f6639-35cd-4471-8ac8-1e78077ab1db" providerId="ADAL" clId="{1340E681-60A3-43C9-86A2-A614324C29E3}" dt="2022-09-16T12:16:12.642" v="10245" actId="6549"/>
-          <ac:spMkLst>
-            <pc:docMk/>
-            <pc:sldMk cId="1775039272" sldId="343"/>
-            <ac:spMk id="3" creationId="{991B0D35-7733-4902-B757-35D951D1C833}"/>
-          </ac:spMkLst>
-        </pc:spChg>
-      </pc:sldChg>
-      <pc:sldChg chg="modSp add mod">
-        <pc:chgData name="Velani, Ankitkumar" userId="039f6639-35cd-4471-8ac8-1e78077ab1db" providerId="ADAL" clId="{1340E681-60A3-43C9-86A2-A614324C29E3}" dt="2022-09-16T12:23:57.453" v="10275" actId="20577"/>
-        <pc:sldMkLst>
-          <pc:docMk/>
-          <pc:sldMk cId="1992316243" sldId="344"/>
-        </pc:sldMkLst>
-        <pc:spChg chg="mod">
-          <ac:chgData name="Velani, Ankitkumar" userId="039f6639-35cd-4471-8ac8-1e78077ab1db" providerId="ADAL" clId="{1340E681-60A3-43C9-86A2-A614324C29E3}" dt="2022-09-16T12:23:38.112" v="10255" actId="20577"/>
-          <ac:spMkLst>
-            <pc:docMk/>
-            <pc:sldMk cId="1992316243" sldId="344"/>
-            <ac:spMk id="2" creationId="{41113981-29E2-4BA4-BB88-07177203CC7A}"/>
-          </ac:spMkLst>
-        </pc:spChg>
-        <pc:spChg chg="mod">
-          <ac:chgData name="Velani, Ankitkumar" userId="039f6639-35cd-4471-8ac8-1e78077ab1db" providerId="ADAL" clId="{1340E681-60A3-43C9-86A2-A614324C29E3}" dt="2022-09-16T12:23:57.453" v="10275" actId="20577"/>
-          <ac:spMkLst>
-            <pc:docMk/>
-            <pc:sldMk cId="1992316243" sldId="344"/>
-            <ac:spMk id="3" creationId="{991B0D35-7733-4902-B757-35D951D1C833}"/>
-          </ac:spMkLst>
-        </pc:spChg>
-      </pc:sldChg>
-      <pc:sldChg chg="modSp add mod">
-        <pc:chgData name="Velani, Ankitkumar" userId="039f6639-35cd-4471-8ac8-1e78077ab1db" providerId="ADAL" clId="{1340E681-60A3-43C9-86A2-A614324C29E3}" dt="2022-09-16T12:27:51.053" v="10368" actId="20577"/>
-        <pc:sldMkLst>
-          <pc:docMk/>
-          <pc:sldMk cId="309694075" sldId="345"/>
-        </pc:sldMkLst>
-        <pc:spChg chg="mod">
-          <ac:chgData name="Velani, Ankitkumar" userId="039f6639-35cd-4471-8ac8-1e78077ab1db" providerId="ADAL" clId="{1340E681-60A3-43C9-86A2-A614324C29E3}" dt="2022-09-16T12:25:14" v="10290" actId="20577"/>
-          <ac:spMkLst>
-            <pc:docMk/>
-            <pc:sldMk cId="309694075" sldId="345"/>
-            <ac:spMk id="2" creationId="{41113981-29E2-4BA4-BB88-07177203CC7A}"/>
-          </ac:spMkLst>
-        </pc:spChg>
-        <pc:spChg chg="mod">
-          <ac:chgData name="Velani, Ankitkumar" userId="039f6639-35cd-4471-8ac8-1e78077ab1db" providerId="ADAL" clId="{1340E681-60A3-43C9-86A2-A614324C29E3}" dt="2022-09-16T12:27:51.053" v="10368" actId="20577"/>
-          <ac:spMkLst>
-            <pc:docMk/>
-            <pc:sldMk cId="309694075" sldId="345"/>
-            <ac:spMk id="3" creationId="{991B0D35-7733-4902-B757-35D951D1C833}"/>
-          </ac:spMkLst>
-        </pc:spChg>
-      </pc:sldChg>
-      <pc:sldChg chg="modSp add mod">
-        <pc:chgData name="Velani, Ankitkumar" userId="039f6639-35cd-4471-8ac8-1e78077ab1db" providerId="ADAL" clId="{1340E681-60A3-43C9-86A2-A614324C29E3}" dt="2022-09-16T12:30:28.093" v="10455" actId="20577"/>
-        <pc:sldMkLst>
-          <pc:docMk/>
-          <pc:sldMk cId="2895461078" sldId="346"/>
-        </pc:sldMkLst>
-        <pc:spChg chg="mod">
-          <ac:chgData name="Velani, Ankitkumar" userId="039f6639-35cd-4471-8ac8-1e78077ab1db" providerId="ADAL" clId="{1340E681-60A3-43C9-86A2-A614324C29E3}" dt="2022-09-16T12:28:59.953" v="10382" actId="20577"/>
-          <ac:spMkLst>
-            <pc:docMk/>
-            <pc:sldMk cId="2895461078" sldId="346"/>
-            <ac:spMk id="2" creationId="{41113981-29E2-4BA4-BB88-07177203CC7A}"/>
-          </ac:spMkLst>
-        </pc:spChg>
-        <pc:spChg chg="mod">
-          <ac:chgData name="Velani, Ankitkumar" userId="039f6639-35cd-4471-8ac8-1e78077ab1db" providerId="ADAL" clId="{1340E681-60A3-43C9-86A2-A614324C29E3}" dt="2022-09-16T12:30:28.093" v="10455" actId="20577"/>
-          <ac:spMkLst>
-            <pc:docMk/>
-            <pc:sldMk cId="2895461078" sldId="346"/>
-            <ac:spMk id="3" creationId="{991B0D35-7733-4902-B757-35D951D1C833}"/>
-          </ac:spMkLst>
-        </pc:spChg>
-      </pc:sldChg>
-      <pc:sldChg chg="addSp modSp add mod">
-        <pc:chgData name="Velani, Ankitkumar" userId="039f6639-35cd-4471-8ac8-1e78077ab1db" providerId="ADAL" clId="{1340E681-60A3-43C9-86A2-A614324C29E3}" dt="2022-09-16T12:54:31.991" v="10705" actId="20577"/>
-        <pc:sldMkLst>
-          <pc:docMk/>
-          <pc:sldMk cId="2540036734" sldId="347"/>
-        </pc:sldMkLst>
-        <pc:spChg chg="mod">
-          <ac:chgData name="Velani, Ankitkumar" userId="039f6639-35cd-4471-8ac8-1e78077ab1db" providerId="ADAL" clId="{1340E681-60A3-43C9-86A2-A614324C29E3}" dt="2022-09-16T12:54:31.991" v="10705" actId="20577"/>
-          <ac:spMkLst>
-            <pc:docMk/>
-            <pc:sldMk cId="2540036734" sldId="347"/>
-            <ac:spMk id="3" creationId="{991B0D35-7733-4902-B757-35D951D1C833}"/>
-          </ac:spMkLst>
-        </pc:spChg>
-        <pc:picChg chg="add mod modCrop">
-          <ac:chgData name="Velani, Ankitkumar" userId="039f6639-35cd-4471-8ac8-1e78077ab1db" providerId="ADAL" clId="{1340E681-60A3-43C9-86A2-A614324C29E3}" dt="2022-09-16T12:54:18.929" v="10703" actId="1076"/>
-          <ac:picMkLst>
-            <pc:docMk/>
-            <pc:sldMk cId="2540036734" sldId="347"/>
-            <ac:picMk id="8" creationId="{FA5039B2-EBC0-4E8D-AAF5-44A8D1E0B4A9}"/>
-          </ac:picMkLst>
-        </pc:picChg>
-      </pc:sldChg>
-      <pc:sldChg chg="modSp add mod">
-        <pc:chgData name="Velani, Ankitkumar" userId="039f6639-35cd-4471-8ac8-1e78077ab1db" providerId="ADAL" clId="{1340E681-60A3-43C9-86A2-A614324C29E3}" dt="2022-09-16T13:02:52.324" v="11047" actId="20577"/>
-        <pc:sldMkLst>
-          <pc:docMk/>
-          <pc:sldMk cId="1969430800" sldId="348"/>
-        </pc:sldMkLst>
-        <pc:spChg chg="mod">
-          <ac:chgData name="Velani, Ankitkumar" userId="039f6639-35cd-4471-8ac8-1e78077ab1db" providerId="ADAL" clId="{1340E681-60A3-43C9-86A2-A614324C29E3}" dt="2022-09-16T12:55:28.132" v="10709" actId="20577"/>
-          <ac:spMkLst>
-            <pc:docMk/>
-            <pc:sldMk cId="1969430800" sldId="348"/>
-            <ac:spMk id="2" creationId="{41113981-29E2-4BA4-BB88-07177203CC7A}"/>
-          </ac:spMkLst>
-        </pc:spChg>
-        <pc:spChg chg="mod">
-          <ac:chgData name="Velani, Ankitkumar" userId="039f6639-35cd-4471-8ac8-1e78077ab1db" providerId="ADAL" clId="{1340E681-60A3-43C9-86A2-A614324C29E3}" dt="2022-09-16T13:02:52.324" v="11047" actId="20577"/>
-          <ac:spMkLst>
-            <pc:docMk/>
-            <pc:sldMk cId="1969430800" sldId="348"/>
-            <ac:spMk id="3" creationId="{991B0D35-7733-4902-B757-35D951D1C833}"/>
-          </ac:spMkLst>
-        </pc:spChg>
-      </pc:sldChg>
-      <pc:sldChg chg="modSp add mod">
-        <pc:chgData name="Velani, Ankitkumar" userId="039f6639-35cd-4471-8ac8-1e78077ab1db" providerId="ADAL" clId="{1340E681-60A3-43C9-86A2-A614324C29E3}" dt="2022-09-16T13:18:38.811" v="11449" actId="113"/>
-        <pc:sldMkLst>
-          <pc:docMk/>
-          <pc:sldMk cId="2702041135" sldId="349"/>
-        </pc:sldMkLst>
-        <pc:spChg chg="mod">
-          <ac:chgData name="Velani, Ankitkumar" userId="039f6639-35cd-4471-8ac8-1e78077ab1db" providerId="ADAL" clId="{1340E681-60A3-43C9-86A2-A614324C29E3}" dt="2022-09-16T13:18:38.811" v="11449" actId="113"/>
-          <ac:spMkLst>
-            <pc:docMk/>
-            <pc:sldMk cId="2702041135" sldId="349"/>
-            <ac:spMk id="3" creationId="{991B0D35-7733-4902-B757-35D951D1C833}"/>
-          </ac:spMkLst>
-        </pc:spChg>
-      </pc:sldChg>
-      <pc:sldChg chg="modSp add mod">
-        <pc:chgData name="Velani, Ankitkumar" userId="039f6639-35cd-4471-8ac8-1e78077ab1db" providerId="ADAL" clId="{1340E681-60A3-43C9-86A2-A614324C29E3}" dt="2022-09-16T13:19:04.164" v="11475" actId="20577"/>
-        <pc:sldMkLst>
-          <pc:docMk/>
-          <pc:sldMk cId="2886325107" sldId="350"/>
-        </pc:sldMkLst>
-        <pc:spChg chg="mod">
-          <ac:chgData name="Velani, Ankitkumar" userId="039f6639-35cd-4471-8ac8-1e78077ab1db" providerId="ADAL" clId="{1340E681-60A3-43C9-86A2-A614324C29E3}" dt="2022-09-16T13:19:04.164" v="11475" actId="20577"/>
-          <ac:spMkLst>
-            <pc:docMk/>
-            <pc:sldMk cId="2886325107" sldId="350"/>
-            <ac:spMk id="3" creationId="{991B0D35-7733-4902-B757-35D951D1C833}"/>
-          </ac:spMkLst>
-        </pc:spChg>
-      </pc:sldChg>
-      <pc:sldChg chg="addSp modSp add mod">
-        <pc:chgData name="Velani, Ankitkumar" userId="039f6639-35cd-4471-8ac8-1e78077ab1db" providerId="ADAL" clId="{1340E681-60A3-43C9-86A2-A614324C29E3}" dt="2022-09-16T13:19:54.942" v="11519"/>
-        <pc:sldMkLst>
-          <pc:docMk/>
-          <pc:sldMk cId="86991763" sldId="351"/>
-        </pc:sldMkLst>
-        <pc:spChg chg="mod">
-          <ac:chgData name="Velani, Ankitkumar" userId="039f6639-35cd-4471-8ac8-1e78077ab1db" providerId="ADAL" clId="{1340E681-60A3-43C9-86A2-A614324C29E3}" dt="2022-09-16T13:19:54.942" v="11519"/>
-          <ac:spMkLst>
-            <pc:docMk/>
-            <pc:sldMk cId="86991763" sldId="351"/>
-            <ac:spMk id="3" creationId="{991B0D35-7733-4902-B757-35D951D1C833}"/>
-          </ac:spMkLst>
-        </pc:spChg>
-        <pc:spChg chg="add mod">
-          <ac:chgData name="Velani, Ankitkumar" userId="039f6639-35cd-4471-8ac8-1e78077ab1db" providerId="ADAL" clId="{1340E681-60A3-43C9-86A2-A614324C29E3}" dt="2022-09-16T13:19:49.419" v="11518" actId="1076"/>
-          <ac:spMkLst>
-            <pc:docMk/>
-            <pc:sldMk cId="86991763" sldId="351"/>
-            <ac:spMk id="8" creationId="{08AA278A-4635-40CD-A672-3289CC86B238}"/>
-          </ac:spMkLst>
-        </pc:spChg>
-      </pc:sldChg>
-      <pc:sldChg chg="addSp delSp modSp add del mod">
-        <pc:chgData name="Velani, Ankitkumar" userId="039f6639-35cd-4471-8ac8-1e78077ab1db" providerId="ADAL" clId="{1340E681-60A3-43C9-86A2-A614324C29E3}" dt="2022-09-16T13:21:08.021" v="11532" actId="2696"/>
-        <pc:sldMkLst>
-          <pc:docMk/>
-          <pc:sldMk cId="1300742902" sldId="352"/>
-        </pc:sldMkLst>
-        <pc:spChg chg="del mod">
-          <ac:chgData name="Velani, Ankitkumar" userId="039f6639-35cd-4471-8ac8-1e78077ab1db" providerId="ADAL" clId="{1340E681-60A3-43C9-86A2-A614324C29E3}" dt="2022-09-16T13:21:03.824" v="11531" actId="478"/>
-          <ac:spMkLst>
-            <pc:docMk/>
-            <pc:sldMk cId="1300742902" sldId="352"/>
-            <ac:spMk id="2" creationId="{41113981-29E2-4BA4-BB88-07177203CC7A}"/>
-          </ac:spMkLst>
-        </pc:spChg>
-        <pc:spChg chg="add mod">
-          <ac:chgData name="Velani, Ankitkumar" userId="039f6639-35cd-4471-8ac8-1e78077ab1db" providerId="ADAL" clId="{1340E681-60A3-43C9-86A2-A614324C29E3}" dt="2022-09-16T13:21:03.824" v="11531" actId="478"/>
-          <ac:spMkLst>
-            <pc:docMk/>
-            <pc:sldMk cId="1300742902" sldId="352"/>
-            <ac:spMk id="9" creationId="{B0F9EAA8-0340-41F5-97F0-7992A55F83AB}"/>
-          </ac:spMkLst>
-        </pc:spChg>
-      </pc:sldChg>
-      <pc:sldChg chg="addSp delSp modSp add mod">
-        <pc:chgData name="Velani, Ankitkumar" userId="039f6639-35cd-4471-8ac8-1e78077ab1db" providerId="ADAL" clId="{1340E681-60A3-43C9-86A2-A614324C29E3}" dt="2022-09-16T13:26:37.285" v="11813" actId="20577"/>
-        <pc:sldMkLst>
-          <pc:docMk/>
-          <pc:sldMk cId="4235283516" sldId="352"/>
-        </pc:sldMkLst>
-        <pc:spChg chg="mod">
-          <ac:chgData name="Velani, Ankitkumar" userId="039f6639-35cd-4471-8ac8-1e78077ab1db" providerId="ADAL" clId="{1340E681-60A3-43C9-86A2-A614324C29E3}" dt="2022-09-16T13:21:16.984" v="11543" actId="20577"/>
-          <ac:spMkLst>
-            <pc:docMk/>
-            <pc:sldMk cId="4235283516" sldId="352"/>
-            <ac:spMk id="2" creationId="{41113981-29E2-4BA4-BB88-07177203CC7A}"/>
-          </ac:spMkLst>
-        </pc:spChg>
-        <pc:spChg chg="mod">
-          <ac:chgData name="Velani, Ankitkumar" userId="039f6639-35cd-4471-8ac8-1e78077ab1db" providerId="ADAL" clId="{1340E681-60A3-43C9-86A2-A614324C29E3}" dt="2022-09-16T13:26:37.285" v="11813" actId="20577"/>
-          <ac:spMkLst>
-            <pc:docMk/>
-            <pc:sldMk cId="4235283516" sldId="352"/>
-            <ac:spMk id="3" creationId="{991B0D35-7733-4902-B757-35D951D1C833}"/>
-          </ac:spMkLst>
-        </pc:spChg>
-        <pc:spChg chg="add del">
-          <ac:chgData name="Velani, Ankitkumar" userId="039f6639-35cd-4471-8ac8-1e78077ab1db" providerId="ADAL" clId="{1340E681-60A3-43C9-86A2-A614324C29E3}" dt="2022-09-16T13:26:34.059" v="11807" actId="22"/>
-          <ac:spMkLst>
-            <pc:docMk/>
-            <pc:sldMk cId="4235283516" sldId="352"/>
-            <ac:spMk id="8" creationId="{2A74441D-E7E3-4352-9782-37F1B104EE1D}"/>
-          </ac:spMkLst>
-        </pc:spChg>
-      </pc:sldChg>
-      <pc:sldChg chg="modSp add mod">
-        <pc:chgData name="Velani, Ankitkumar" userId="039f6639-35cd-4471-8ac8-1e78077ab1db" providerId="ADAL" clId="{1340E681-60A3-43C9-86A2-A614324C29E3}" dt="2022-09-16T13:34:02.884" v="11950" actId="113"/>
-        <pc:sldMkLst>
-          <pc:docMk/>
-          <pc:sldMk cId="3069673117" sldId="353"/>
-        </pc:sldMkLst>
-        <pc:spChg chg="mod">
-          <ac:chgData name="Velani, Ankitkumar" userId="039f6639-35cd-4471-8ac8-1e78077ab1db" providerId="ADAL" clId="{1340E681-60A3-43C9-86A2-A614324C29E3}" dt="2022-09-16T13:26:49.967" v="11824" actId="20577"/>
-          <ac:spMkLst>
-            <pc:docMk/>
-            <pc:sldMk cId="3069673117" sldId="353"/>
-            <ac:spMk id="2" creationId="{41113981-29E2-4BA4-BB88-07177203CC7A}"/>
-          </ac:spMkLst>
-        </pc:spChg>
-        <pc:spChg chg="mod">
-          <ac:chgData name="Velani, Ankitkumar" userId="039f6639-35cd-4471-8ac8-1e78077ab1db" providerId="ADAL" clId="{1340E681-60A3-43C9-86A2-A614324C29E3}" dt="2022-09-16T13:34:02.884" v="11950" actId="113"/>
-          <ac:spMkLst>
-            <pc:docMk/>
-            <pc:sldMk cId="3069673117" sldId="353"/>
-            <ac:spMk id="3" creationId="{991B0D35-7733-4902-B757-35D951D1C833}"/>
-          </ac:spMkLst>
-        </pc:spChg>
-      </pc:sldChg>
-      <pc:sldChg chg="new del">
-        <pc:chgData name="Velani, Ankitkumar" userId="039f6639-35cd-4471-8ac8-1e78077ab1db" providerId="ADAL" clId="{1340E681-60A3-43C9-86A2-A614324C29E3}" dt="2022-09-16T13:34:16.258" v="11953" actId="47"/>
-        <pc:sldMkLst>
-          <pc:docMk/>
-          <pc:sldMk cId="204481584" sldId="354"/>
-        </pc:sldMkLst>
-      </pc:sldChg>
-      <pc:sldChg chg="modSp add mod">
-        <pc:chgData name="Velani, Ankitkumar" userId="039f6639-35cd-4471-8ac8-1e78077ab1db" providerId="ADAL" clId="{1340E681-60A3-43C9-86A2-A614324C29E3}" dt="2022-09-16T13:38:23.498" v="12458" actId="113"/>
-        <pc:sldMkLst>
-          <pc:docMk/>
-          <pc:sldMk cId="3365004016" sldId="355"/>
-        </pc:sldMkLst>
-        <pc:spChg chg="mod">
-          <ac:chgData name="Velani, Ankitkumar" userId="039f6639-35cd-4471-8ac8-1e78077ab1db" providerId="ADAL" clId="{1340E681-60A3-43C9-86A2-A614324C29E3}" dt="2022-09-16T13:38:23.498" v="12458" actId="113"/>
-          <ac:spMkLst>
-            <pc:docMk/>
-            <pc:sldMk cId="3365004016" sldId="355"/>
-            <ac:spMk id="3" creationId="{991B0D35-7733-4902-B757-35D951D1C833}"/>
-          </ac:spMkLst>
-        </pc:spChg>
-      </pc:sldChg>
-      <pc:sldChg chg="addSp delSp modSp new mod">
-        <pc:chgData name="Velani, Ankitkumar" userId="039f6639-35cd-4471-8ac8-1e78077ab1db" providerId="ADAL" clId="{1340E681-60A3-43C9-86A2-A614324C29E3}" dt="2022-09-16T14:01:28.353" v="13594" actId="3064"/>
-        <pc:sldMkLst>
-          <pc:docMk/>
-          <pc:sldMk cId="1659337161" sldId="356"/>
-        </pc:sldMkLst>
-        <pc:spChg chg="mod">
-          <ac:chgData name="Velani, Ankitkumar" userId="039f6639-35cd-4471-8ac8-1e78077ab1db" providerId="ADAL" clId="{1340E681-60A3-43C9-86A2-A614324C29E3}" dt="2022-09-16T14:00:57.639" v="13575" actId="1036"/>
-          <ac:spMkLst>
-            <pc:docMk/>
-            <pc:sldMk cId="1659337161" sldId="356"/>
-            <ac:spMk id="2" creationId="{07611007-3F9F-45F7-9D21-B136E10B0CA1}"/>
-          </ac:spMkLst>
-        </pc:spChg>
-        <pc:spChg chg="del">
-          <ac:chgData name="Velani, Ankitkumar" userId="039f6639-35cd-4471-8ac8-1e78077ab1db" providerId="ADAL" clId="{1340E681-60A3-43C9-86A2-A614324C29E3}" dt="2022-09-16T13:41:00.214" v="12460" actId="478"/>
-          <ac:spMkLst>
-            <pc:docMk/>
-            <pc:sldMk cId="1659337161" sldId="356"/>
-            <ac:spMk id="3" creationId="{0B983C72-32D3-4541-9516-E63A7F24D84D}"/>
-          </ac:spMkLst>
-        </pc:spChg>
-        <pc:graphicFrameChg chg="add del modGraphic">
-          <ac:chgData name="Velani, Ankitkumar" userId="039f6639-35cd-4471-8ac8-1e78077ab1db" providerId="ADAL" clId="{1340E681-60A3-43C9-86A2-A614324C29E3}" dt="2022-09-16T13:41:19.649" v="12464" actId="478"/>
-          <ac:graphicFrameMkLst>
-            <pc:docMk/>
-            <pc:sldMk cId="1659337161" sldId="356"/>
-            <ac:graphicFrameMk id="7" creationId="{02055777-4701-4C34-B1C5-2AB50E81CB98}"/>
-          </ac:graphicFrameMkLst>
-        </pc:graphicFrameChg>
-        <pc:graphicFrameChg chg="add mod modGraphic">
-          <ac:chgData name="Velani, Ankitkumar" userId="039f6639-35cd-4471-8ac8-1e78077ab1db" providerId="ADAL" clId="{1340E681-60A3-43C9-86A2-A614324C29E3}" dt="2022-09-16T14:01:28.353" v="13594" actId="3064"/>
-          <ac:graphicFrameMkLst>
-            <pc:docMk/>
-            <pc:sldMk cId="1659337161" sldId="356"/>
-            <ac:graphicFrameMk id="8" creationId="{C3978E0C-EC43-4BA4-B2D9-7BEA551570E5}"/>
-          </ac:graphicFrameMkLst>
-        </pc:graphicFrameChg>
-      </pc:sldChg>
-      <pc:sldChg chg="modSp add mod">
-        <pc:chgData name="Velani, Ankitkumar" userId="039f6639-35cd-4471-8ac8-1e78077ab1db" providerId="ADAL" clId="{1340E681-60A3-43C9-86A2-A614324C29E3}" dt="2022-09-16T13:56:30.580" v="13344" actId="113"/>
-        <pc:sldMkLst>
-          <pc:docMk/>
-          <pc:sldMk cId="2220053797" sldId="357"/>
-        </pc:sldMkLst>
-        <pc:spChg chg="mod">
-          <ac:chgData name="Velani, Ankitkumar" userId="039f6639-35cd-4471-8ac8-1e78077ab1db" providerId="ADAL" clId="{1340E681-60A3-43C9-86A2-A614324C29E3}" dt="2022-09-16T13:56:30.580" v="13344" actId="113"/>
-          <ac:spMkLst>
-            <pc:docMk/>
-            <pc:sldMk cId="2220053797" sldId="357"/>
-            <ac:spMk id="3" creationId="{991B0D35-7733-4902-B757-35D951D1C833}"/>
-          </ac:spMkLst>
-        </pc:spChg>
-      </pc:sldChg>
-      <pc:sldChg chg="modSp new del mod">
-        <pc:chgData name="Velani, Ankitkumar" userId="039f6639-35cd-4471-8ac8-1e78077ab1db" providerId="ADAL" clId="{1340E681-60A3-43C9-86A2-A614324C29E3}" dt="2022-09-16T14:17:09.703" v="13762" actId="47"/>
-        <pc:sldMkLst>
-          <pc:docMk/>
-          <pc:sldMk cId="31706455" sldId="358"/>
-        </pc:sldMkLst>
-        <pc:spChg chg="mod">
-          <ac:chgData name="Velani, Ankitkumar" userId="039f6639-35cd-4471-8ac8-1e78077ab1db" providerId="ADAL" clId="{1340E681-60A3-43C9-86A2-A614324C29E3}" dt="2022-09-16T14:09:37.301" v="13619" actId="20577"/>
-          <ac:spMkLst>
-            <pc:docMk/>
-            <pc:sldMk cId="31706455" sldId="358"/>
-            <ac:spMk id="2" creationId="{007A773A-839D-43B5-A848-486C9C8D3AF2}"/>
-          </ac:spMkLst>
-        </pc:spChg>
-        <pc:spChg chg="mod">
-          <ac:chgData name="Velani, Ankitkumar" userId="039f6639-35cd-4471-8ac8-1e78077ab1db" providerId="ADAL" clId="{1340E681-60A3-43C9-86A2-A614324C29E3}" dt="2022-09-16T14:10:42.353" v="13701" actId="20577"/>
-          <ac:spMkLst>
-            <pc:docMk/>
-            <pc:sldMk cId="31706455" sldId="358"/>
-            <ac:spMk id="3" creationId="{4354D82C-AC95-4BBC-873B-24198C0FDA74}"/>
-          </ac:spMkLst>
-        </pc:spChg>
-      </pc:sldChg>
-      <pc:sldChg chg="modSp add mod">
-        <pc:chgData name="Velani, Ankitkumar" userId="039f6639-35cd-4471-8ac8-1e78077ab1db" providerId="ADAL" clId="{1340E681-60A3-43C9-86A2-A614324C29E3}" dt="2022-09-16T14:16:19.793" v="13761" actId="255"/>
-        <pc:sldMkLst>
-          <pc:docMk/>
-          <pc:sldMk cId="304758632" sldId="359"/>
-        </pc:sldMkLst>
-        <pc:spChg chg="mod">
-          <ac:chgData name="Velani, Ankitkumar" userId="039f6639-35cd-4471-8ac8-1e78077ab1db" providerId="ADAL" clId="{1340E681-60A3-43C9-86A2-A614324C29E3}" dt="2022-09-16T14:16:19.793" v="13761" actId="255"/>
-          <ac:spMkLst>
-            <pc:docMk/>
-            <pc:sldMk cId="304758632" sldId="359"/>
-            <ac:spMk id="3" creationId="{4354D82C-AC95-4BBC-873B-24198C0FDA74}"/>
-          </ac:spMkLst>
-        </pc:spChg>
-      </pc:sldChg>
-      <pc:sldChg chg="modSp add mod">
-        <pc:chgData name="Velani, Ankitkumar" userId="039f6639-35cd-4471-8ac8-1e78077ab1db" providerId="ADAL" clId="{1340E681-60A3-43C9-86A2-A614324C29E3}" dt="2022-09-16T14:18:40.790" v="13835" actId="20577"/>
-        <pc:sldMkLst>
-          <pc:docMk/>
-          <pc:sldMk cId="3463991970" sldId="360"/>
-        </pc:sldMkLst>
-        <pc:spChg chg="mod">
-          <ac:chgData name="Velani, Ankitkumar" userId="039f6639-35cd-4471-8ac8-1e78077ab1db" providerId="ADAL" clId="{1340E681-60A3-43C9-86A2-A614324C29E3}" dt="2022-09-16T14:18:40.790" v="13835" actId="20577"/>
-          <ac:spMkLst>
-            <pc:docMk/>
-            <pc:sldMk cId="3463991970" sldId="360"/>
-            <ac:spMk id="3" creationId="{4354D82C-AC95-4BBC-873B-24198C0FDA74}"/>
-          </ac:spMkLst>
-        </pc:spChg>
-      </pc:sldChg>
-      <pc:sldChg chg="add">
-        <pc:chgData name="Velani, Ankitkumar" userId="039f6639-35cd-4471-8ac8-1e78077ab1db" providerId="ADAL" clId="{1340E681-60A3-43C9-86A2-A614324C29E3}" dt="2022-09-16T14:19:29.230" v="13836"/>
-        <pc:sldMkLst>
-          <pc:docMk/>
-          <pc:sldMk cId="1523300418" sldId="361"/>
-        </pc:sldMkLst>
+          <ac:chgData name="Velani, Ankitkumar" userId="039f6639-35cd-4471-8ac8-1e78077ab1db" providerId="ADAL" clId="{33E50C66-1FDE-455D-A400-8B63EAA4D6C7}" dt="2022-09-30T16:09:41.298" v="155" actId="1076"/>
+          <ac:spMkLst>
+            <pc:docMk/>
+            <pc:sldMk cId="3127333381" sldId="328"/>
+            <ac:spMk id="9" creationId="{C0D5F496-888B-4C79-AF2D-AE8C83C992FF}"/>
+          </ac:spMkLst>
+        </pc:spChg>
       </pc:sldChg>
     </pc:docChg>
   </pc:docChgLst>
@@ -6869,7 +6971,7 @@
           <a:p>
             <a:fld id="{9C7CBA4D-D1BF-4799-AFB6-DEAFC6EDC389}" type="datetime1">
               <a:rPr lang="en-US" smtClean="0"/>
-              <a:t>9/30/22</a:t>
+              <a:t>9/30/2022</a:t>
             </a:fld>
             <a:endParaRPr/>
           </a:p>
@@ -7670,7 +7772,7 @@
           <a:p>
             <a:fld id="{D2142BB5-71BA-4403-ACBC-AC0ADABE599D}" type="datetime1">
               <a:rPr lang="en-US" smtClean="0"/>
-              <a:t>9/30/22</a:t>
+              <a:t>9/30/2022</a:t>
             </a:fld>
             <a:endParaRPr/>
           </a:p>
@@ -8471,7 +8573,7 @@
           <a:p>
             <a:fld id="{E3162F0C-96E0-40FF-9E1B-9D227A4A314C}" type="datetime1">
               <a:rPr lang="en-US" smtClean="0"/>
-              <a:t>9/30/22</a:t>
+              <a:t>9/30/2022</a:t>
             </a:fld>
             <a:endParaRPr/>
           </a:p>
@@ -9272,7 +9374,7 @@
           <a:p>
             <a:fld id="{0C62BD34-D5E2-4C87-AA2A-F8D5808875C3}" type="datetime1">
               <a:rPr lang="en-US" smtClean="0"/>
-              <a:t>9/30/22</a:t>
+              <a:t>9/30/2022</a:t>
             </a:fld>
             <a:endParaRPr/>
           </a:p>
@@ -10082,7 +10184,7 @@
           <a:p>
             <a:fld id="{1599DCB5-5EA8-40ED-B6F6-94DEA97C34A4}" type="datetime1">
               <a:rPr lang="en-US" smtClean="0"/>
-              <a:t>9/30/22</a:t>
+              <a:t>9/30/2022</a:t>
             </a:fld>
             <a:endParaRPr/>
           </a:p>
@@ -11061,7 +11163,7 @@
           <a:p>
             <a:fld id="{52BE42F2-D6E8-4175-AB2C-D0ED52518F51}" type="datetime1">
               <a:rPr lang="en-US" smtClean="0"/>
-              <a:t>9/30/22</a:t>
+              <a:t>9/30/2022</a:t>
             </a:fld>
             <a:endParaRPr/>
           </a:p>
@@ -12378,7 +12480,7 @@
           <a:p>
             <a:fld id="{8E08C2CB-A4F7-4ED3-B68D-00B974296F17}" type="datetime1">
               <a:rPr lang="en-US" smtClean="0"/>
-              <a:t>9/30/22</a:t>
+              <a:t>9/30/2022</a:t>
             </a:fld>
             <a:endParaRPr/>
           </a:p>
@@ -13019,7 +13121,7 @@
           <a:p>
             <a:fld id="{215C33B7-3119-4F7E-9A47-39575B828DEA}" type="datetime1">
               <a:rPr lang="en-US" smtClean="0"/>
-              <a:t>9/30/22</a:t>
+              <a:t>9/30/2022</a:t>
             </a:fld>
             <a:endParaRPr/>
           </a:p>
@@ -13527,7 +13629,7 @@
           <a:p>
             <a:fld id="{06729030-588F-4AB5-8600-A0779876BA82}" type="datetime1">
               <a:rPr lang="en-US" smtClean="0"/>
-              <a:t>9/30/22</a:t>
+              <a:t>9/30/2022</a:t>
             </a:fld>
             <a:endParaRPr/>
           </a:p>
@@ -14506,7 +14608,7 @@
           <a:p>
             <a:fld id="{6E094DC0-DFD9-4438-AAB3-6F0EAD517DD1}" type="datetime1">
               <a:rPr lang="en-US" smtClean="0"/>
-              <a:t>9/30/22</a:t>
+              <a:t>9/30/2022</a:t>
             </a:fld>
             <a:endParaRPr/>
           </a:p>
@@ -15340,7 +15442,7 @@
           <a:p>
             <a:fld id="{E9E74B8F-DD15-4D57-890A-1843ABE3D877}" type="datetime1">
               <a:rPr lang="en-US" smtClean="0"/>
-              <a:t>9/30/22</a:t>
+              <a:t>9/30/2022</a:t>
             </a:fld>
             <a:endParaRPr/>
           </a:p>
@@ -16374,7 +16476,7 @@
           <a:p>
             <a:fld id="{010FDBE2-1077-4F25-BEBD-151DC496D77A}" type="datetime1">
               <a:rPr lang="en-US" smtClean="0"/>
-              <a:t>9/30/22</a:t>
+              <a:t>9/30/2022</a:t>
             </a:fld>
             <a:endParaRPr/>
           </a:p>
@@ -18273,7 +18375,7 @@
           <a:p>
             <a:fld id="{0C62BD34-D5E2-4C87-AA2A-F8D5808875C3}" type="datetime1">
               <a:rPr lang="en-US" smtClean="0"/>
-              <a:t>9/30/22</a:t>
+              <a:t>9/30/2022</a:t>
             </a:fld>
             <a:endParaRPr lang="en-US"/>
           </a:p>
@@ -18806,7 +18908,7 @@
           <a:p>
             <a:fld id="{0C62BD34-D5E2-4C87-AA2A-F8D5808875C3}" type="datetime1">
               <a:rPr lang="en-US" smtClean="0"/>
-              <a:t>9/30/22</a:t>
+              <a:t>9/30/2022</a:t>
             </a:fld>
             <a:endParaRPr lang="en-US"/>
           </a:p>
@@ -19030,6 +19132,212 @@
 </p:sld>
 </file>
 
+<file path=ppt/slides/slide12.xml><?xml version="1.0" encoding="utf-8"?>
+<p:sld xmlns:a="http://schemas.openxmlformats.org/drawingml/2006/main" xmlns:r="http://schemas.openxmlformats.org/officeDocument/2006/relationships" xmlns:p="http://schemas.openxmlformats.org/presentationml/2006/main">
+  <p:cSld>
+    <p:spTree>
+      <p:nvGrpSpPr>
+        <p:cNvPr id="1" name=""/>
+        <p:cNvGrpSpPr/>
+        <p:nvPr/>
+      </p:nvGrpSpPr>
+      <p:grpSpPr>
+        <a:xfrm>
+          <a:off x="0" y="0"/>
+          <a:ext cx="0" cy="0"/>
+          <a:chOff x="0" y="0"/>
+          <a:chExt cx="0" cy="0"/>
+        </a:xfrm>
+      </p:grpSpPr>
+      <p:sp>
+        <p:nvSpPr>
+          <p:cNvPr id="4" name="Date Placeholder 3">
+            <a:extLst>
+              <a:ext uri="{FF2B5EF4-FFF2-40B4-BE49-F238E27FC236}">
+                <a16:creationId xmlns:a16="http://schemas.microsoft.com/office/drawing/2014/main" id="{431D4D92-F6B8-4DCE-9B07-2B0760020BB7}"/>
+              </a:ext>
+            </a:extLst>
+          </p:cNvPr>
+          <p:cNvSpPr>
+            <a:spLocks noGrp="1"/>
+          </p:cNvSpPr>
+          <p:nvPr>
+            <p:ph type="dt" idx="10"/>
+          </p:nvPr>
+        </p:nvSpPr>
+        <p:spPr/>
+        <p:txBody>
+          <a:bodyPr/>
+          <a:lstStyle/>
+          <a:p>
+            <a:fld id="{0C62BD34-D5E2-4C87-AA2A-F8D5808875C3}" type="datetime1">
+              <a:rPr lang="en-US" smtClean="0"/>
+              <a:t>9/30/2022</a:t>
+            </a:fld>
+            <a:endParaRPr lang="en-US"/>
+          </a:p>
+        </p:txBody>
+      </p:sp>
+      <p:sp>
+        <p:nvSpPr>
+          <p:cNvPr id="5" name="Footer Placeholder 4">
+            <a:extLst>
+              <a:ext uri="{FF2B5EF4-FFF2-40B4-BE49-F238E27FC236}">
+                <a16:creationId xmlns:a16="http://schemas.microsoft.com/office/drawing/2014/main" id="{62171FDA-3752-45AA-931E-909E063911EB}"/>
+              </a:ext>
+            </a:extLst>
+          </p:cNvPr>
+          <p:cNvSpPr>
+            <a:spLocks noGrp="1"/>
+          </p:cNvSpPr>
+          <p:nvPr>
+            <p:ph type="ftr" idx="11"/>
+          </p:nvPr>
+        </p:nvSpPr>
+        <p:spPr/>
+        <p:txBody>
+          <a:bodyPr/>
+          <a:lstStyle/>
+          <a:p>
+            <a:r>
+              <a:rPr lang="en-US"/>
+              <a:t>Ankit Velani, MBA-SIT,Tumkur</a:t>
+            </a:r>
+          </a:p>
+        </p:txBody>
+      </p:sp>
+      <p:sp>
+        <p:nvSpPr>
+          <p:cNvPr id="6" name="Slide Number Placeholder 5">
+            <a:extLst>
+              <a:ext uri="{FF2B5EF4-FFF2-40B4-BE49-F238E27FC236}">
+                <a16:creationId xmlns:a16="http://schemas.microsoft.com/office/drawing/2014/main" id="{E470FC1C-3188-4D3F-9D0A-58D5BB4497AF}"/>
+              </a:ext>
+            </a:extLst>
+          </p:cNvPr>
+          <p:cNvSpPr>
+            <a:spLocks noGrp="1"/>
+          </p:cNvSpPr>
+          <p:nvPr>
+            <p:ph type="sldNum" idx="12"/>
+          </p:nvPr>
+        </p:nvSpPr>
+        <p:spPr/>
+        <p:txBody>
+          <a:bodyPr/>
+          <a:lstStyle/>
+          <a:p>
+            <a:pPr marL="0" lvl="0" indent="0" algn="r" rtl="0">
+              <a:spcBef>
+                <a:spcPts val="0"/>
+              </a:spcBef>
+              <a:spcAft>
+                <a:spcPts val="0"/>
+              </a:spcAft>
+              <a:buNone/>
+            </a:pPr>
+            <a:fld id="{00000000-1234-1234-1234-123412341234}" type="slidenum">
+              <a:rPr lang="en-US" smtClean="0"/>
+              <a:t>12</a:t>
+            </a:fld>
+            <a:endParaRPr lang="en-US"/>
+          </a:p>
+        </p:txBody>
+      </p:sp>
+      <p:sp>
+        <p:nvSpPr>
+          <p:cNvPr id="8" name="TextBox 7">
+            <a:extLst>
+              <a:ext uri="{FF2B5EF4-FFF2-40B4-BE49-F238E27FC236}">
+                <a16:creationId xmlns:a16="http://schemas.microsoft.com/office/drawing/2014/main" id="{9A232AA4-E437-47F4-A834-D7D866CA4F4A}"/>
+              </a:ext>
+            </a:extLst>
+          </p:cNvPr>
+          <p:cNvSpPr txBox="1"/>
+          <p:nvPr/>
+        </p:nvSpPr>
+        <p:spPr>
+          <a:xfrm>
+            <a:off x="1967346" y="2911430"/>
+            <a:ext cx="6968836" cy="1384995"/>
+          </a:xfrm>
+          <a:prstGeom prst="rect">
+            <a:avLst/>
+          </a:prstGeom>
+          <a:noFill/>
+        </p:spPr>
+        <p:txBody>
+          <a:bodyPr wrap="square">
+            <a:spAutoFit/>
+          </a:bodyPr>
+          <a:lstStyle/>
+          <a:p>
+            <a:r>
+              <a:rPr lang="en-US" sz="4000" dirty="0">
+                <a:hlinkClick r:id="rId2"/>
+              </a:rPr>
+              <a:t>https://bit.ly/3CpcNWl</a:t>
+            </a:r>
+            <a:endParaRPr lang="en-US" sz="4000" dirty="0"/>
+          </a:p>
+          <a:p>
+            <a:endParaRPr lang="en-US" sz="4400" dirty="0"/>
+          </a:p>
+        </p:txBody>
+      </p:sp>
+      <p:sp>
+        <p:nvSpPr>
+          <p:cNvPr id="9" name="TextBox 8">
+            <a:extLst>
+              <a:ext uri="{FF2B5EF4-FFF2-40B4-BE49-F238E27FC236}">
+                <a16:creationId xmlns:a16="http://schemas.microsoft.com/office/drawing/2014/main" id="{C0D5F496-888B-4C79-AF2D-AE8C83C992FF}"/>
+              </a:ext>
+            </a:extLst>
+          </p:cNvPr>
+          <p:cNvSpPr txBox="1"/>
+          <p:nvPr/>
+        </p:nvSpPr>
+        <p:spPr>
+          <a:xfrm>
+            <a:off x="1572491" y="2094756"/>
+            <a:ext cx="5798127" cy="523220"/>
+          </a:xfrm>
+          <a:prstGeom prst="rect">
+            <a:avLst/>
+          </a:prstGeom>
+          <a:noFill/>
+        </p:spPr>
+        <p:txBody>
+          <a:bodyPr wrap="square" rtlCol="0">
+            <a:spAutoFit/>
+          </a:bodyPr>
+          <a:lstStyle/>
+          <a:p>
+            <a:r>
+              <a:rPr lang="en-US" sz="2800" dirty="0"/>
+              <a:t>Text Analysis Example with </a:t>
+            </a:r>
+            <a:r>
+              <a:rPr lang="en-US" sz="2800" dirty="0" err="1"/>
+              <a:t>spaCy</a:t>
+            </a:r>
+            <a:endParaRPr lang="en-US" sz="2800" dirty="0"/>
+          </a:p>
+        </p:txBody>
+      </p:sp>
+    </p:spTree>
+    <p:extLst>
+      <p:ext uri="{BB962C8B-B14F-4D97-AF65-F5344CB8AC3E}">
+        <p14:creationId xmlns:p14="http://schemas.microsoft.com/office/powerpoint/2010/main" val="3127333381"/>
+      </p:ext>
+    </p:extLst>
+  </p:cSld>
+  <p:clrMapOvr>
+    <a:masterClrMapping/>
+  </p:clrMapOvr>
+</p:sld>
+</file>
+
 <file path=ppt/slides/slide2.xml><?xml version="1.0" encoding="utf-8"?>
 <p:sld xmlns:a="http://schemas.openxmlformats.org/drawingml/2006/main" xmlns:r="http://schemas.openxmlformats.org/officeDocument/2006/relationships" xmlns:p="http://schemas.openxmlformats.org/presentationml/2006/main">
   <p:cSld>
@@ -19202,7 +19510,7 @@
           <a:p>
             <a:fld id="{0C62BD34-D5E2-4C87-AA2A-F8D5808875C3}" type="datetime1">
               <a:rPr lang="en-US" smtClean="0"/>
-              <a:t>9/30/22</a:t>
+              <a:t>9/30/2022</a:t>
             </a:fld>
             <a:endParaRPr lang="en-US"/>
           </a:p>
@@ -19719,7 +20027,7 @@
           <a:p>
             <a:fld id="{0C62BD34-D5E2-4C87-AA2A-F8D5808875C3}" type="datetime1">
               <a:rPr lang="en-US" smtClean="0"/>
-              <a:t>9/30/22</a:t>
+              <a:t>9/30/2022</a:t>
             </a:fld>
             <a:endParaRPr lang="en-US"/>
           </a:p>
@@ -19889,7 +20197,7 @@
           <a:p>
             <a:fld id="{0C62BD34-D5E2-4C87-AA2A-F8D5808875C3}" type="datetime1">
               <a:rPr lang="en-US" smtClean="0"/>
-              <a:t>9/30/22</a:t>
+              <a:t>9/30/2022</a:t>
             </a:fld>
             <a:endParaRPr lang="en-US"/>
           </a:p>
@@ -20489,7 +20797,7 @@
           <a:p>
             <a:fld id="{0C62BD34-D5E2-4C87-AA2A-F8D5808875C3}" type="datetime1">
               <a:rPr lang="en-US" smtClean="0"/>
-              <a:t>9/30/22</a:t>
+              <a:t>9/30/2022</a:t>
             </a:fld>
             <a:endParaRPr lang="en-US"/>
           </a:p>
@@ -20889,7 +21197,7 @@
           <a:p>
             <a:fld id="{0C62BD34-D5E2-4C87-AA2A-F8D5808875C3}" type="datetime1">
               <a:rPr lang="en-US" smtClean="0"/>
-              <a:t>9/30/22</a:t>
+              <a:t>9/30/2022</a:t>
             </a:fld>
             <a:endParaRPr lang="en-US"/>
           </a:p>
@@ -21389,7 +21697,7 @@
           <a:p>
             <a:fld id="{0C62BD34-D5E2-4C87-AA2A-F8D5808875C3}" type="datetime1">
               <a:rPr lang="en-US" smtClean="0"/>
-              <a:t>9/30/22</a:t>
+              <a:t>9/30/2022</a:t>
             </a:fld>
             <a:endParaRPr lang="en-US"/>
           </a:p>
@@ -21904,7 +22212,7 @@
                 <a:latin typeface="Calibri" panose="020F0502020204030204" pitchFamily="34" charset="0"/>
                 <a:cs typeface="Times New Roman" panose="02020603050405020304" pitchFamily="18" charset="0"/>
               </a:rPr>
-              <a:t>token.is_shape</a:t>
+              <a:t>token.shape</a:t>
             </a:r>
             <a:r>
               <a:rPr lang="en-US" sz="1800" dirty="0">
@@ -21979,7 +22287,7 @@
           <a:p>
             <a:fld id="{0C62BD34-D5E2-4C87-AA2A-F8D5808875C3}" type="datetime1">
               <a:rPr lang="en-US" smtClean="0"/>
-              <a:t>9/30/22</a:t>
+              <a:t>9/30/2022</a:t>
             </a:fld>
             <a:endParaRPr lang="en-US"/>
           </a:p>
@@ -22469,42 +22777,7 @@
                 <a:latin typeface="Calibri" panose="020F0502020204030204" pitchFamily="34" charset="0"/>
                 <a:cs typeface="Times New Roman" panose="02020603050405020304" pitchFamily="18" charset="0"/>
               </a:rPr>
-              <a:t> ,</a:t>
-            </a:r>
-          </a:p>
-          <a:p>
-            <a:pPr marL="114300" indent="0">
-              <a:buNone/>
-            </a:pPr>
-            <a:r>
-              <a:rPr lang="en-US" sz="1600" dirty="0">
-                <a:solidFill>
-                  <a:srgbClr val="054C84"/>
-                </a:solidFill>
-                <a:latin typeface="Calibri" panose="020F0502020204030204" pitchFamily="34" charset="0"/>
-                <a:cs typeface="Times New Roman" panose="02020603050405020304" pitchFamily="18" charset="0"/>
-              </a:rPr>
-              <a:t>                          </a:t>
-            </a:r>
-            <a:r>
-              <a:rPr lang="en-US" sz="1600" dirty="0" err="1">
-                <a:solidFill>
-                  <a:srgbClr val="054C84"/>
-                </a:solidFill>
-                <a:latin typeface="Calibri" panose="020F0502020204030204" pitchFamily="34" charset="0"/>
-                <a:cs typeface="Times New Roman" panose="02020603050405020304" pitchFamily="18" charset="0"/>
-              </a:rPr>
-              <a:t>token.is_shape</a:t>
-            </a:r>
-            <a:r>
-              <a:rPr lang="en-US" sz="1600" dirty="0">
-                <a:solidFill>
-                  <a:srgbClr val="054C84"/>
-                </a:solidFill>
-                <a:latin typeface="Calibri" panose="020F0502020204030204" pitchFamily="34" charset="0"/>
-                <a:cs typeface="Times New Roman" panose="02020603050405020304" pitchFamily="18" charset="0"/>
-              </a:rPr>
-              <a:t>, </a:t>
+              <a:t> , </a:t>
             </a:r>
             <a:r>
               <a:rPr lang="en-US" sz="1600" dirty="0" err="1">
@@ -22569,7 +22842,7 @@
           <a:p>
             <a:fld id="{0C62BD34-D5E2-4C87-AA2A-F8D5808875C3}" type="datetime1">
               <a:rPr lang="en-US" smtClean="0"/>
-              <a:t>9/30/22</a:t>
+              <a:t>9/30/2022</a:t>
             </a:fld>
             <a:endParaRPr lang="en-US"/>
           </a:p>
@@ -22848,7 +23121,7 @@
                 <a:ea typeface="Calibri" panose="020F0502020204030204" pitchFamily="34" charset="0"/>
                 <a:cs typeface="Times New Roman" panose="02020603050405020304" pitchFamily="18" charset="0"/>
               </a:rPr>
-              <a:t>: is the token part of a stop work list.</a:t>
+              <a:t>: is the token part of a stop words list.</a:t>
             </a:r>
             <a:endParaRPr lang="en-IN" sz="1400" dirty="0">
               <a:effectLst/>

--- a/BDTM/Python/Unit-5-Python-Text.pptx
+++ b/BDTM/Python/Unit-5-Python-Text.pptx
@@ -3367,10 +3367,25 @@
   <pc:docChgLst>
     <pc:chgData name="Velani, Ankitkumar" userId="039f6639-35cd-4471-8ac8-1e78077ab1db" providerId="ADAL" clId="{33E50C66-1FDE-455D-A400-8B63EAA4D6C7}"/>
     <pc:docChg chg="undo custSel addSld modSld">
-      <pc:chgData name="Velani, Ankitkumar" userId="039f6639-35cd-4471-8ac8-1e78077ab1db" providerId="ADAL" clId="{33E50C66-1FDE-455D-A400-8B63EAA4D6C7}" dt="2022-09-30T16:09:41.298" v="155" actId="1076"/>
+      <pc:chgData name="Velani, Ankitkumar" userId="039f6639-35cd-4471-8ac8-1e78077ab1db" providerId="ADAL" clId="{33E50C66-1FDE-455D-A400-8B63EAA4D6C7}" dt="2022-09-30T16:11:32.768" v="160" actId="20577"/>
       <pc:docMkLst>
         <pc:docMk/>
       </pc:docMkLst>
+      <pc:sldChg chg="modSp mod">
+        <pc:chgData name="Velani, Ankitkumar" userId="039f6639-35cd-4471-8ac8-1e78077ab1db" providerId="ADAL" clId="{33E50C66-1FDE-455D-A400-8B63EAA4D6C7}" dt="2022-09-30T16:11:32.768" v="160" actId="20577"/>
+        <pc:sldMkLst>
+          <pc:docMk/>
+          <pc:sldMk cId="0" sldId="256"/>
+        </pc:sldMkLst>
+        <pc:spChg chg="mod">
+          <ac:chgData name="Velani, Ankitkumar" userId="039f6639-35cd-4471-8ac8-1e78077ab1db" providerId="ADAL" clId="{33E50C66-1FDE-455D-A400-8B63EAA4D6C7}" dt="2022-09-30T16:11:32.768" v="160" actId="20577"/>
+          <ac:spMkLst>
+            <pc:docMk/>
+            <pc:sldMk cId="0" sldId="256"/>
+            <ac:spMk id="90" creationId="{00000000-0000-0000-0000-000000000000}"/>
+          </ac:spMkLst>
+        </pc:spChg>
+      </pc:sldChg>
       <pc:sldChg chg="modSp mod">
         <pc:chgData name="Velani, Ankitkumar" userId="039f6639-35cd-4471-8ac8-1e78077ab1db" providerId="ADAL" clId="{33E50C66-1FDE-455D-A400-8B63EAA4D6C7}" dt="2022-09-30T15:35:20.491" v="52" actId="20577"/>
         <pc:sldMkLst>
@@ -17850,7 +17865,15 @@
                   <a:schemeClr val="accent2"/>
                 </a:solidFill>
               </a:rPr>
-              <a:t>Unit-5 : Text Analysis using Pandas</a:t>
+              <a:t>Unit-5 : Text Analysis </a:t>
+            </a:r>
+            <a:r>
+              <a:rPr lang="en-US" sz="2700">
+                <a:solidFill>
+                  <a:schemeClr val="accent2"/>
+                </a:solidFill>
+              </a:rPr>
+              <a:t>using Python</a:t>
             </a:r>
             <a:endParaRPr sz="4700" dirty="0">
               <a:solidFill>
